--- a/ai/7.1.pptx
+++ b/ai/7.1.pptx
@@ -19,7 +19,7 @@
     <p:sldId id="264" r:id="rId10"/>
     <p:sldId id="265" r:id="rId11"/>
     <p:sldId id="279" r:id="rId12"/>
-    <p:sldId id="278" r:id="rId13"/>
+    <p:sldId id="286" r:id="rId13"/>
   </p:sldIdLst>
   <p:sldSz cx="16256000" cy="9144000"/>
   <p:notesSz cx="6858000" cy="9144000"/>
@@ -559,7 +559,7 @@
               <a:buNone/>
             </a:pPr>
             <a:r>
-              <a:rPr lang="en-US" dirty="0" smtClean="0">
+              <a:rPr lang="en-US" dirty="0">
                 <a:solidFill>
                   <a:schemeClr val="dk2"/>
                 </a:solidFill>
@@ -567,7 +567,7 @@
               <a:t>Note from Chuck.  </a:t>
             </a:r>
             <a:r>
-              <a:rPr lang="en-US" smtClean="0">
+              <a:rPr lang="en-US">
                 <a:solidFill>
                   <a:schemeClr val="dk2"/>
                 </a:solidFill>
@@ -575,7 +575,7 @@
               <a:t>If you are using these materials, you can remove the UM logo and replace it with your own, but please retain the CC-BY logo on the first page as well as retain the acknowledgement page(s)</a:t>
             </a:r>
             <a:r>
-              <a:rPr lang="en-US" baseline="0" smtClean="0">
+              <a:rPr lang="en-US" baseline="0">
                 <a:solidFill>
                   <a:schemeClr val="dk2"/>
                 </a:solidFill>
@@ -759,7 +759,7 @@
   <p:cSld>
     <p:spTree>
       <p:nvGrpSpPr>
-        <p:cNvPr id="1" name="Shape 374"/>
+        <p:cNvPr id="1" name="Shape 538"/>
         <p:cNvGrpSpPr/>
         <p:nvPr/>
       </p:nvGrpSpPr>
@@ -773,7 +773,7 @@
       </p:grpSpPr>
       <p:sp>
         <p:nvSpPr>
-          <p:cNvPr id="375" name="Shape 375"/>
+          <p:cNvPr id="539" name="Shape 539"/>
           <p:cNvSpPr>
             <a:spLocks noGrp="1" noRot="1" noChangeAspect="1"/>
           </p:cNvSpPr>
@@ -814,7 +814,7 @@
       </p:sp>
       <p:sp>
         <p:nvSpPr>
-          <p:cNvPr id="376" name="Shape 376"/>
+          <p:cNvPr id="540" name="Shape 540"/>
           <p:cNvSpPr txBox="1">
             <a:spLocks noGrp="1"/>
           </p:cNvSpPr>
@@ -854,7 +854,7 @@
     </p:spTree>
     <p:extLst>
       <p:ext uri="{BB962C8B-B14F-4D97-AF65-F5344CB8AC3E}">
-        <p14:creationId xmlns:p14="http://schemas.microsoft.com/office/powerpoint/2010/main" val="462654759"/>
+        <p14:creationId xmlns:p14="http://schemas.microsoft.com/office/powerpoint/2010/main" val="1529538552"/>
       </p:ext>
     </p:extLst>
   </p:cSld>
@@ -1817,7 +1817,7 @@
           </a:lstStyle>
           <a:p>
             <a:r>
-              <a:rPr lang="en-US" smtClean="0"/>
+              <a:rPr lang="en-US"/>
               <a:t>Click to edit Master title style</a:t>
             </a:r>
             <a:endParaRPr lang="en-US" dirty="0"/>
@@ -1945,7 +1945,7 @@
           </a:lstStyle>
           <a:p>
             <a:r>
-              <a:rPr lang="en-US" smtClean="0"/>
+              <a:rPr lang="en-US"/>
               <a:t>Click to edit Master subtitle style</a:t>
             </a:r>
             <a:endParaRPr lang="en-US" dirty="0"/>
@@ -2139,6 +2139,149 @@
 </p:sldLayout>
 </file>
 
+<file path=ppt/slideLayouts/slideLayout12.xml><?xml version="1.0" encoding="utf-8"?>
+<p:sldLayout xmlns:a="http://schemas.openxmlformats.org/drawingml/2006/main" xmlns:r="http://schemas.openxmlformats.org/officeDocument/2006/relationships" xmlns:p="http://schemas.openxmlformats.org/presentationml/2006/main" userDrawn="1">
+  <p:cSld name="TItle">
+    <p:spTree>
+      <p:nvGrpSpPr>
+        <p:cNvPr id="1" name="Shape 194"/>
+        <p:cNvGrpSpPr/>
+        <p:nvPr/>
+      </p:nvGrpSpPr>
+      <p:grpSpPr>
+        <a:xfrm>
+          <a:off x="0" y="0"/>
+          <a:ext cx="0" cy="0"/>
+          <a:chOff x="0" y="0"/>
+          <a:chExt cx="0" cy="0"/>
+        </a:xfrm>
+      </p:grpSpPr>
+      <p:sp>
+        <p:nvSpPr>
+          <p:cNvPr id="195" name="Shape 195"/>
+          <p:cNvSpPr txBox="1">
+            <a:spLocks noGrp="1"/>
+          </p:cNvSpPr>
+          <p:nvPr>
+            <p:ph type="title"/>
+          </p:nvPr>
+        </p:nvSpPr>
+        <p:spPr>
+          <a:xfrm>
+            <a:off x="1155700" y="833718"/>
+            <a:ext cx="13932000" cy="1706182"/>
+          </a:xfrm>
+          <a:prstGeom prst="rect">
+            <a:avLst/>
+          </a:prstGeom>
+          <a:noFill/>
+          <a:ln>
+            <a:noFill/>
+          </a:ln>
+        </p:spPr>
+        <p:txBody>
+          <a:bodyPr lIns="91425" tIns="91425" rIns="91425" bIns="91425" anchor="ctr" anchorCtr="0"/>
+          <a:lstStyle>
+            <a:lvl1pPr lvl="0" algn="ctr" rtl="0">
+              <a:spcBef>
+                <a:spcPts val="0"/>
+              </a:spcBef>
+              <a:spcAft>
+                <a:spcPts val="0"/>
+              </a:spcAft>
+              <a:defRPr/>
+            </a:lvl1pPr>
+            <a:lvl2pPr lvl="1" algn="ctr" rtl="0">
+              <a:spcBef>
+                <a:spcPts val="0"/>
+              </a:spcBef>
+              <a:spcAft>
+                <a:spcPts val="0"/>
+              </a:spcAft>
+              <a:defRPr/>
+            </a:lvl2pPr>
+            <a:lvl3pPr lvl="2" algn="ctr" rtl="0">
+              <a:spcBef>
+                <a:spcPts val="0"/>
+              </a:spcBef>
+              <a:spcAft>
+                <a:spcPts val="0"/>
+              </a:spcAft>
+              <a:defRPr/>
+            </a:lvl3pPr>
+            <a:lvl4pPr lvl="3" algn="ctr" rtl="0">
+              <a:spcBef>
+                <a:spcPts val="0"/>
+              </a:spcBef>
+              <a:spcAft>
+                <a:spcPts val="0"/>
+              </a:spcAft>
+              <a:defRPr/>
+            </a:lvl4pPr>
+            <a:lvl5pPr lvl="4" algn="ctr" rtl="0">
+              <a:spcBef>
+                <a:spcPts val="0"/>
+              </a:spcBef>
+              <a:spcAft>
+                <a:spcPts val="0"/>
+              </a:spcAft>
+              <a:defRPr/>
+            </a:lvl5pPr>
+            <a:lvl6pPr marL="457200" lvl="5" algn="ctr" rtl="0">
+              <a:spcBef>
+                <a:spcPts val="0"/>
+              </a:spcBef>
+              <a:spcAft>
+                <a:spcPts val="0"/>
+              </a:spcAft>
+              <a:defRPr/>
+            </a:lvl6pPr>
+            <a:lvl7pPr marL="914400" lvl="6" algn="ctr" rtl="0">
+              <a:spcBef>
+                <a:spcPts val="0"/>
+              </a:spcBef>
+              <a:spcAft>
+                <a:spcPts val="0"/>
+              </a:spcAft>
+              <a:defRPr/>
+            </a:lvl7pPr>
+            <a:lvl8pPr marL="1371600" lvl="7" algn="ctr" rtl="0">
+              <a:spcBef>
+                <a:spcPts val="0"/>
+              </a:spcBef>
+              <a:spcAft>
+                <a:spcPts val="0"/>
+              </a:spcAft>
+              <a:defRPr/>
+            </a:lvl8pPr>
+            <a:lvl9pPr marL="1828800" lvl="8" algn="ctr" rtl="0">
+              <a:spcBef>
+                <a:spcPts val="0"/>
+              </a:spcBef>
+              <a:spcAft>
+                <a:spcPts val="0"/>
+              </a:spcAft>
+              <a:defRPr/>
+            </a:lvl9pPr>
+          </a:lstStyle>
+          <a:p>
+            <a:endParaRPr/>
+          </a:p>
+        </p:txBody>
+      </p:sp>
+    </p:spTree>
+    <p:extLst>
+      <p:ext uri="{BB962C8B-B14F-4D97-AF65-F5344CB8AC3E}">
+        <p14:creationId xmlns:p14="http://schemas.microsoft.com/office/powerpoint/2010/main" val="1179951447"/>
+      </p:ext>
+    </p:extLst>
+  </p:cSld>
+  <p:clrMapOvr>
+    <a:masterClrMapping/>
+  </p:clrMapOvr>
+</p:sldLayout>
+</file>
+
 <file path=ppt/slideLayouts/slideLayout2.xml><?xml version="1.0" encoding="utf-8"?>
 <p:sldLayout xmlns:a="http://schemas.openxmlformats.org/drawingml/2006/main" xmlns:r="http://schemas.openxmlformats.org/officeDocument/2006/relationships" xmlns:p="http://schemas.openxmlformats.org/presentationml/2006/main" type="obj" preserve="1">
   <p:cSld name="Title and Content">
@@ -2197,7 +2340,7 @@
           </a:lstStyle>
           <a:p>
             <a:r>
-              <a:rPr lang="en-US" smtClean="0"/>
+              <a:rPr lang="en-US"/>
               <a:t>Click to edit Master title style</a:t>
             </a:r>
             <a:endParaRPr lang="en-US" dirty="0"/>
@@ -2262,35 +2405,35 @@
           <a:p>
             <a:pPr lvl="0"/>
             <a:r>
-              <a:rPr lang="en-US" smtClean="0"/>
+              <a:rPr lang="en-US"/>
               <a:t>Click to edit Master text styles</a:t>
             </a:r>
           </a:p>
           <a:p>
             <a:pPr lvl="1"/>
             <a:r>
-              <a:rPr lang="en-US" smtClean="0"/>
+              <a:rPr lang="en-US"/>
               <a:t>Second level</a:t>
             </a:r>
           </a:p>
           <a:p>
             <a:pPr lvl="2"/>
             <a:r>
-              <a:rPr lang="en-US" smtClean="0"/>
+              <a:rPr lang="en-US"/>
               <a:t>Third level</a:t>
             </a:r>
           </a:p>
           <a:p>
             <a:pPr lvl="3"/>
             <a:r>
-              <a:rPr lang="en-US" smtClean="0"/>
+              <a:rPr lang="en-US"/>
               <a:t>Fourth level</a:t>
             </a:r>
           </a:p>
           <a:p>
             <a:pPr lvl="4"/>
             <a:r>
-              <a:rPr lang="en-US" smtClean="0"/>
+              <a:rPr lang="en-US"/>
               <a:t>Fifth level</a:t>
             </a:r>
             <a:endParaRPr lang="en-US" dirty="0"/>
@@ -2360,7 +2503,7 @@
           </a:lstStyle>
           <a:p>
             <a:r>
-              <a:rPr lang="en-US" smtClean="0"/>
+              <a:rPr lang="en-US"/>
               <a:t>Click to edit Master title style</a:t>
             </a:r>
             <a:endParaRPr lang="en-US" dirty="0"/>
@@ -2480,7 +2623,7 @@
           <a:p>
             <a:pPr lvl="0"/>
             <a:r>
-              <a:rPr lang="en-US" smtClean="0"/>
+              <a:rPr lang="en-US"/>
               <a:t>Click to edit Master text styles</a:t>
             </a:r>
           </a:p>
@@ -2551,7 +2694,7 @@
           </a:lstStyle>
           <a:p>
             <a:r>
-              <a:rPr lang="en-US" smtClean="0"/>
+              <a:rPr lang="en-US"/>
               <a:t>Click to edit Master title style</a:t>
             </a:r>
             <a:endParaRPr lang="en-US" dirty="0"/>
@@ -2626,35 +2769,35 @@
           <a:p>
             <a:pPr lvl="0"/>
             <a:r>
-              <a:rPr lang="en-US" smtClean="0"/>
+              <a:rPr lang="en-US"/>
               <a:t>Click to edit Master text styles</a:t>
             </a:r>
           </a:p>
           <a:p>
             <a:pPr lvl="1"/>
             <a:r>
-              <a:rPr lang="en-US" smtClean="0"/>
+              <a:rPr lang="en-US"/>
               <a:t>Second level</a:t>
             </a:r>
           </a:p>
           <a:p>
             <a:pPr lvl="2"/>
             <a:r>
-              <a:rPr lang="en-US" smtClean="0"/>
+              <a:rPr lang="en-US"/>
               <a:t>Third level</a:t>
             </a:r>
           </a:p>
           <a:p>
             <a:pPr lvl="3"/>
             <a:r>
-              <a:rPr lang="en-US" smtClean="0"/>
+              <a:rPr lang="en-US"/>
               <a:t>Fourth level</a:t>
             </a:r>
           </a:p>
           <a:p>
             <a:pPr lvl="4"/>
             <a:r>
-              <a:rPr lang="en-US" smtClean="0"/>
+              <a:rPr lang="en-US"/>
               <a:t>Fifth level</a:t>
             </a:r>
             <a:endParaRPr lang="en-US" dirty="0"/>
@@ -2729,35 +2872,35 @@
           <a:p>
             <a:pPr lvl="0"/>
             <a:r>
-              <a:rPr lang="en-US" smtClean="0"/>
+              <a:rPr lang="en-US"/>
               <a:t>Click to edit Master text styles</a:t>
             </a:r>
           </a:p>
           <a:p>
             <a:pPr lvl="1"/>
             <a:r>
-              <a:rPr lang="en-US" smtClean="0"/>
+              <a:rPr lang="en-US"/>
               <a:t>Second level</a:t>
             </a:r>
           </a:p>
           <a:p>
             <a:pPr lvl="2"/>
             <a:r>
-              <a:rPr lang="en-US" smtClean="0"/>
+              <a:rPr lang="en-US"/>
               <a:t>Third level</a:t>
             </a:r>
           </a:p>
           <a:p>
             <a:pPr lvl="3"/>
             <a:r>
-              <a:rPr lang="en-US" smtClean="0"/>
+              <a:rPr lang="en-US"/>
               <a:t>Fourth level</a:t>
             </a:r>
           </a:p>
           <a:p>
             <a:pPr lvl="4"/>
             <a:r>
-              <a:rPr lang="en-US" smtClean="0"/>
+              <a:rPr lang="en-US"/>
               <a:t>Fifth level</a:t>
             </a:r>
             <a:endParaRPr lang="en-US" dirty="0"/>
@@ -2829,7 +2972,7 @@
           </a:lstStyle>
           <a:p>
             <a:r>
-              <a:rPr lang="en-US" smtClean="0"/>
+              <a:rPr lang="en-US"/>
               <a:t>Click to edit Master title style</a:t>
             </a:r>
             <a:endParaRPr lang="en-US" dirty="0"/>
@@ -2904,7 +3047,7 @@
           <a:p>
             <a:pPr lvl="0"/>
             <a:r>
-              <a:rPr lang="en-US" smtClean="0"/>
+              <a:rPr lang="en-US"/>
               <a:t>Click to edit Master text styles</a:t>
             </a:r>
           </a:p>
@@ -2975,35 +3118,35 @@
           <a:p>
             <a:pPr lvl="0"/>
             <a:r>
-              <a:rPr lang="en-US" smtClean="0"/>
+              <a:rPr lang="en-US"/>
               <a:t>Click to edit Master text styles</a:t>
             </a:r>
           </a:p>
           <a:p>
             <a:pPr lvl="1"/>
             <a:r>
-              <a:rPr lang="en-US" smtClean="0"/>
+              <a:rPr lang="en-US"/>
               <a:t>Second level</a:t>
             </a:r>
           </a:p>
           <a:p>
             <a:pPr lvl="2"/>
             <a:r>
-              <a:rPr lang="en-US" smtClean="0"/>
+              <a:rPr lang="en-US"/>
               <a:t>Third level</a:t>
             </a:r>
           </a:p>
           <a:p>
             <a:pPr lvl="3"/>
             <a:r>
-              <a:rPr lang="en-US" smtClean="0"/>
+              <a:rPr lang="en-US"/>
               <a:t>Fourth level</a:t>
             </a:r>
           </a:p>
           <a:p>
             <a:pPr lvl="4"/>
             <a:r>
-              <a:rPr lang="en-US" smtClean="0"/>
+              <a:rPr lang="en-US"/>
               <a:t>Fifth level</a:t>
             </a:r>
             <a:endParaRPr lang="en-US" dirty="0"/>
@@ -3078,7 +3221,7 @@
           <a:p>
             <a:pPr lvl="0"/>
             <a:r>
-              <a:rPr lang="en-US" smtClean="0"/>
+              <a:rPr lang="en-US"/>
               <a:t>Click to edit Master text styles</a:t>
             </a:r>
           </a:p>
@@ -3149,35 +3292,35 @@
           <a:p>
             <a:pPr lvl="0"/>
             <a:r>
-              <a:rPr lang="en-US" smtClean="0"/>
+              <a:rPr lang="en-US"/>
               <a:t>Click to edit Master text styles</a:t>
             </a:r>
           </a:p>
           <a:p>
             <a:pPr lvl="1"/>
             <a:r>
-              <a:rPr lang="en-US" smtClean="0"/>
+              <a:rPr lang="en-US"/>
               <a:t>Second level</a:t>
             </a:r>
           </a:p>
           <a:p>
             <a:pPr lvl="2"/>
             <a:r>
-              <a:rPr lang="en-US" smtClean="0"/>
+              <a:rPr lang="en-US"/>
               <a:t>Third level</a:t>
             </a:r>
           </a:p>
           <a:p>
             <a:pPr lvl="3"/>
             <a:r>
-              <a:rPr lang="en-US" smtClean="0"/>
+              <a:rPr lang="en-US"/>
               <a:t>Fourth level</a:t>
             </a:r>
           </a:p>
           <a:p>
             <a:pPr lvl="4"/>
             <a:r>
-              <a:rPr lang="en-US" smtClean="0"/>
+              <a:rPr lang="en-US"/>
               <a:t>Fifth level</a:t>
             </a:r>
             <a:endParaRPr lang="en-US" dirty="0"/>
@@ -3249,7 +3392,7 @@
           </a:lstStyle>
           <a:p>
             <a:r>
-              <a:rPr lang="en-US" smtClean="0"/>
+              <a:rPr lang="en-US"/>
               <a:t>Click to edit Master title style</a:t>
             </a:r>
             <a:endParaRPr lang="en-US" dirty="0"/>
@@ -3350,7 +3493,7 @@
           </a:lstStyle>
           <a:p>
             <a:r>
-              <a:rPr lang="en-US" smtClean="0"/>
+              <a:rPr lang="en-US"/>
               <a:t>Click to edit Master title style</a:t>
             </a:r>
             <a:endParaRPr lang="en-US" dirty="0"/>
@@ -3425,35 +3568,35 @@
           <a:p>
             <a:pPr lvl="0"/>
             <a:r>
-              <a:rPr lang="en-US" smtClean="0"/>
+              <a:rPr lang="en-US"/>
               <a:t>Click to edit Master text styles</a:t>
             </a:r>
           </a:p>
           <a:p>
             <a:pPr lvl="1"/>
             <a:r>
-              <a:rPr lang="en-US" smtClean="0"/>
+              <a:rPr lang="en-US"/>
               <a:t>Second level</a:t>
             </a:r>
           </a:p>
           <a:p>
             <a:pPr lvl="2"/>
             <a:r>
-              <a:rPr lang="en-US" smtClean="0"/>
+              <a:rPr lang="en-US"/>
               <a:t>Third level</a:t>
             </a:r>
           </a:p>
           <a:p>
             <a:pPr lvl="3"/>
             <a:r>
-              <a:rPr lang="en-US" smtClean="0"/>
+              <a:rPr lang="en-US"/>
               <a:t>Fourth level</a:t>
             </a:r>
           </a:p>
           <a:p>
             <a:pPr lvl="4"/>
             <a:r>
-              <a:rPr lang="en-US" smtClean="0"/>
+              <a:rPr lang="en-US"/>
               <a:t>Fifth level</a:t>
             </a:r>
             <a:endParaRPr lang="en-US" dirty="0"/>
@@ -3523,7 +3666,7 @@
           <a:p>
             <a:pPr lvl="0"/>
             <a:r>
-              <a:rPr lang="en-US" smtClean="0"/>
+              <a:rPr lang="en-US"/>
               <a:t>Click to edit Master text styles</a:t>
             </a:r>
           </a:p>
@@ -3594,7 +3737,7 @@
           </a:lstStyle>
           <a:p>
             <a:r>
-              <a:rPr lang="en-US" smtClean="0"/>
+              <a:rPr lang="en-US"/>
               <a:t>Click to edit Master title style</a:t>
             </a:r>
             <a:endParaRPr lang="en-US" dirty="0"/>
@@ -3659,10 +3802,9 @@
           </a:lstStyle>
           <a:p>
             <a:r>
-              <a:rPr lang="en-US" smtClean="0"/>
+              <a:rPr lang="en-US"/>
               <a:t>Drag picture to placeholder or click icon to add</a:t>
             </a:r>
-            <a:endParaRPr lang="en-US"/>
           </a:p>
         </p:txBody>
       </p:sp>
@@ -3731,7 +3873,7 @@
           <a:p>
             <a:pPr lvl="0"/>
             <a:r>
-              <a:rPr lang="en-US" smtClean="0"/>
+              <a:rPr lang="en-US"/>
               <a:t>Click to edit Master text styles</a:t>
             </a:r>
           </a:p>
@@ -3803,35 +3945,35 @@
           <a:p>
             <a:pPr lvl="0"/>
             <a:r>
-              <a:rPr lang="en-US" smtClean="0"/>
+              <a:rPr lang="en-US"/>
               <a:t>Click to edit Master text styles</a:t>
             </a:r>
           </a:p>
           <a:p>
             <a:pPr lvl="1"/>
             <a:r>
-              <a:rPr lang="en-US" smtClean="0"/>
+              <a:rPr lang="en-US"/>
               <a:t>Second level</a:t>
             </a:r>
           </a:p>
           <a:p>
             <a:pPr lvl="2"/>
             <a:r>
-              <a:rPr lang="en-US" smtClean="0"/>
+              <a:rPr lang="en-US"/>
               <a:t>Third level</a:t>
             </a:r>
           </a:p>
           <a:p>
             <a:pPr lvl="3"/>
             <a:r>
-              <a:rPr lang="en-US" smtClean="0"/>
+              <a:rPr lang="en-US"/>
               <a:t>Fourth level</a:t>
             </a:r>
           </a:p>
           <a:p>
             <a:pPr lvl="4"/>
             <a:r>
-              <a:rPr lang="en-US" smtClean="0"/>
+              <a:rPr lang="en-US"/>
               <a:t>Fifth level</a:t>
             </a:r>
             <a:endParaRPr lang="en-US" dirty="0"/>
@@ -3847,7 +3989,7 @@
           <p:nvPr userDrawn="1"/>
         </p:nvPicPr>
         <p:blipFill>
-          <a:blip r:embed="rId13">
+          <a:blip r:embed="rId14">
             <a:extLst>
               <a:ext uri="{28A0092B-C50C-407E-A947-70E740481C1C}">
                 <a14:useLocalDpi xmlns:a14="http://schemas.microsoft.com/office/drawing/2010/main" val="0"/>
@@ -3891,7 +4033,7 @@
           <a:lstStyle/>
           <a:p>
             <a:r>
-              <a:rPr lang="en-US" sz="2300" dirty="0" smtClean="0">
+              <a:rPr lang="en-US" sz="2300" dirty="0">
                 <a:solidFill>
                   <a:srgbClr val="FFFFFF"/>
                 </a:solidFill>
@@ -3900,13 +4042,6 @@
               </a:rPr>
               <a:t>Files – Part 1</a:t>
             </a:r>
-            <a:endParaRPr lang="en-US" sz="2300" dirty="0">
-              <a:solidFill>
-                <a:srgbClr val="FFFFFF"/>
-              </a:solidFill>
-              <a:latin typeface="Lucida Grande"/>
-              <a:cs typeface="Lucida Grande"/>
-            </a:endParaRPr>
           </a:p>
         </p:txBody>
       </p:sp>
@@ -3934,7 +4069,7 @@
           <a:p>
             <a:pPr algn="ctr"/>
             <a:r>
-              <a:rPr lang="en-US" sz="1700" b="0" dirty="0" smtClean="0">
+              <a:rPr lang="en-US" sz="1700" b="0" dirty="0">
                 <a:solidFill>
                   <a:schemeClr val="bg1"/>
                 </a:solidFill>
@@ -3944,7 +4079,7 @@
               <a:t>PYTHON</a:t>
             </a:r>
             <a:r>
-              <a:rPr lang="en-US" sz="1700" baseline="0" dirty="0" smtClean="0">
+              <a:rPr lang="en-US" sz="1700" baseline="0" dirty="0">
                 <a:solidFill>
                   <a:schemeClr val="bg1"/>
                 </a:solidFill>
@@ -3957,7 +4092,7 @@
           <a:p>
             <a:pPr algn="ctr"/>
             <a:r>
-              <a:rPr lang="en-US" sz="1700" baseline="0" dirty="0" smtClean="0">
+              <a:rPr lang="en-US" sz="1700" baseline="0" dirty="0">
                 <a:solidFill>
                   <a:schemeClr val="bg1"/>
                 </a:solidFill>
@@ -3996,14 +4131,8 @@
     <p:sldLayoutId id="2147483715" r:id="rId9"/>
     <p:sldLayoutId id="2147483704" r:id="rId10"/>
     <p:sldLayoutId id="2147483705" r:id="rId11"/>
+    <p:sldLayoutId id="2147483716" r:id="rId12"/>
   </p:sldLayoutIdLst>
-  <p:timing>
-    <p:tnLst>
-      <p:par>
-        <p:cTn id="1" dur="indefinite" restart="never" nodeType="tmRoot"/>
-      </p:par>
-    </p:tnLst>
-  </p:timing>
   <p:hf sldNum="0" hdr="0" ftr="0" dt="0"/>
   <p:txStyles>
     <p:titleStyle>
@@ -4318,7 +4447,7 @@
               <a:buNone/>
             </a:pPr>
             <a:r>
-              <a:rPr lang="en-US" sz="7600" u="none" strike="noStrike" cap="none">
+              <a:rPr lang="es-419" sz="7600" u="none" strike="noStrike" cap="none" dirty="0">
                 <a:solidFill>
                   <a:srgbClr val="FFFF00"/>
                 </a:solidFill>
@@ -4327,7 +4456,7 @@
                 <a:cs typeface="Arial" charset="0"/>
                 <a:sym typeface="Cabin"/>
               </a:rPr>
-              <a:t>Reading Files</a:t>
+              <a:t>Lectura de Archivos</a:t>
             </a:r>
           </a:p>
         </p:txBody>
@@ -4375,7 +4504,7 @@
               <a:buNone/>
             </a:pPr>
             <a:r>
-              <a:rPr lang="en-US" sz="4800" u="none" strike="noStrike" cap="none">
+              <a:rPr lang="en-US" sz="4800" u="none" strike="noStrike" cap="none" dirty="0" err="1">
                 <a:solidFill>
                   <a:schemeClr val="lt1"/>
                 </a:solidFill>
@@ -4384,128 +4513,32 @@
                 <a:cs typeface="Arial" charset="0"/>
                 <a:sym typeface="Cabin"/>
               </a:rPr>
-              <a:t>Chapter 7</a:t>
-            </a:r>
-          </a:p>
-        </p:txBody>
-      </p:sp>
-      <p:sp>
-        <p:nvSpPr>
-          <p:cNvPr id="205" name="Shape 205"/>
-          <p:cNvSpPr txBox="1"/>
-          <p:nvPr/>
-        </p:nvSpPr>
-        <p:spPr>
-          <a:xfrm>
-            <a:off x="3996400" y="7077663"/>
-            <a:ext cx="7967099" cy="1016099"/>
-          </a:xfrm>
-          <a:prstGeom prst="rect">
-            <a:avLst/>
-          </a:prstGeom>
-          <a:noFill/>
-          <a:ln>
-            <a:noFill/>
-          </a:ln>
-        </p:spPr>
-        <p:txBody>
-          <a:bodyPr lIns="0" tIns="0" rIns="0" bIns="0" anchor="ctr" anchorCtr="0">
-            <a:noAutofit/>
-          </a:bodyPr>
-          <a:lstStyle/>
-          <a:p>
-            <a:pPr marL="0" marR="0" lvl="0" indent="0" algn="ctr" rtl="0">
-              <a:lnSpc>
-                <a:spcPct val="100000"/>
-              </a:lnSpc>
-              <a:spcBef>
-                <a:spcPts val="0"/>
-              </a:spcBef>
-              <a:spcAft>
-                <a:spcPts val="0"/>
-              </a:spcAft>
-              <a:buClr>
-                <a:srgbClr val="FFFF00"/>
-              </a:buClr>
-              <a:buSzPct val="25000"/>
-              <a:buFont typeface="Cabin"/>
-              <a:buNone/>
-            </a:pPr>
-            <a:r>
-              <a:rPr lang="en-US" sz="3200" u="none" strike="noStrike" cap="none" dirty="0" smtClean="0">
-                <a:solidFill>
-                  <a:srgbClr val="FFFF00"/>
+              <a:t>Capí</a:t>
+            </a:r>
+            <a:r>
+              <a:rPr lang="es-MX" sz="4800" u="none" strike="noStrike" cap="none" dirty="0" err="1">
+                <a:solidFill>
+                  <a:schemeClr val="lt1"/>
                 </a:solidFill>
                 <a:latin typeface="Arial" charset="0"/>
                 <a:ea typeface="Arial" charset="0"/>
                 <a:cs typeface="Arial" charset="0"/>
                 <a:sym typeface="Cabin"/>
               </a:rPr>
-              <a:t>Pytho</a:t>
-            </a:r>
-            <a:r>
-              <a:rPr lang="en-US" sz="3200" dirty="0" smtClean="0">
-                <a:solidFill>
-                  <a:srgbClr val="FFFF00"/>
+              <a:t>tulo</a:t>
+            </a:r>
+            <a:r>
+              <a:rPr lang="en-US" sz="4800" u="none" strike="noStrike" cap="none" dirty="0">
+                <a:solidFill>
+                  <a:schemeClr val="lt1"/>
                 </a:solidFill>
                 <a:latin typeface="Arial" charset="0"/>
                 <a:ea typeface="Arial" charset="0"/>
                 <a:cs typeface="Arial" charset="0"/>
                 <a:sym typeface="Cabin"/>
               </a:rPr>
-              <a:t>n for Everybody</a:t>
-            </a:r>
-            <a:endParaRPr lang="en-US" sz="3200" u="none" strike="noStrike" cap="none" dirty="0">
-              <a:solidFill>
-                <a:srgbClr val="FFFF00"/>
-              </a:solidFill>
-              <a:latin typeface="Arial" charset="0"/>
-              <a:ea typeface="Arial" charset="0"/>
-              <a:cs typeface="Arial" charset="0"/>
-              <a:sym typeface="Cabin"/>
-            </a:endParaRPr>
-          </a:p>
-          <a:p>
-            <a:pPr marL="0" marR="0" lvl="0" indent="0" algn="ctr" rtl="0">
-              <a:lnSpc>
-                <a:spcPct val="100000"/>
-              </a:lnSpc>
-              <a:spcBef>
-                <a:spcPts val="0"/>
-              </a:spcBef>
-              <a:spcAft>
-                <a:spcPts val="0"/>
-              </a:spcAft>
-              <a:buClr>
-                <a:srgbClr val="FFFF00"/>
-              </a:buClr>
-              <a:buSzPct val="25000"/>
-              <a:buFont typeface="Cabin"/>
-              <a:buNone/>
-            </a:pPr>
-            <a:r>
-              <a:rPr lang="en-US" sz="3200" u="sng" strike="noStrike" cap="none" dirty="0" smtClean="0">
-                <a:solidFill>
-                  <a:srgbClr val="FFFF00"/>
-                </a:solidFill>
-                <a:latin typeface="Arial" charset="0"/>
-                <a:ea typeface="Arial" charset="0"/>
-                <a:cs typeface="Arial" charset="0"/>
-                <a:sym typeface="Cabin"/>
-                <a:hlinkClick r:id="rId3"/>
-              </a:rPr>
-              <a:t>www.py4e.com</a:t>
-            </a:r>
-            <a:endParaRPr lang="en-US" sz="3200" u="sng" strike="noStrike" cap="none" dirty="0">
-              <a:solidFill>
-                <a:srgbClr val="FFFF00"/>
-              </a:solidFill>
-              <a:latin typeface="Arial" charset="0"/>
-              <a:ea typeface="Arial" charset="0"/>
-              <a:cs typeface="Arial" charset="0"/>
-              <a:sym typeface="Cabin"/>
-              <a:hlinkClick r:id="rId3"/>
-            </a:endParaRPr>
+              <a:t> 7</a:t>
+            </a:r>
           </a:p>
         </p:txBody>
       </p:sp>
@@ -4516,7 +4549,7 @@
           <p:nvPr/>
         </p:nvPicPr>
         <p:blipFill rotWithShape="1">
-          <a:blip r:embed="rId4">
+          <a:blip r:embed="rId3">
             <a:alphaModFix/>
           </a:blip>
           <a:srcRect/>
@@ -4543,7 +4576,7 @@
           <p:nvPr/>
         </p:nvPicPr>
         <p:blipFill rotWithShape="1">
-          <a:blip r:embed="rId5">
+          <a:blip r:embed="rId4">
             <a:alphaModFix/>
           </a:blip>
           <a:srcRect/>
@@ -4563,18 +4596,128 @@
           </a:ln>
         </p:spPr>
       </p:pic>
+      <p:sp>
+        <p:nvSpPr>
+          <p:cNvPr id="7" name="Shape 206">
+            <a:extLst>
+              <a:ext uri="{FF2B5EF4-FFF2-40B4-BE49-F238E27FC236}">
+                <a16:creationId xmlns:a16="http://schemas.microsoft.com/office/drawing/2014/main" id="{347C5434-E2A9-4F5F-8D47-7050D51AECBE}"/>
+              </a:ext>
+            </a:extLst>
+          </p:cNvPr>
+          <p:cNvSpPr txBox="1"/>
+          <p:nvPr/>
+        </p:nvSpPr>
+        <p:spPr>
+          <a:xfrm>
+            <a:off x="3865625" y="6973885"/>
+            <a:ext cx="7926300" cy="1016099"/>
+          </a:xfrm>
+          <a:prstGeom prst="rect">
+            <a:avLst/>
+          </a:prstGeom>
+          <a:noFill/>
+          <a:ln>
+            <a:noFill/>
+          </a:ln>
+        </p:spPr>
+        <p:txBody>
+          <a:bodyPr lIns="0" tIns="0" rIns="0" bIns="0" anchor="ctr" anchorCtr="0">
+            <a:noAutofit/>
+          </a:bodyPr>
+          <a:lstStyle/>
+          <a:p>
+            <a:pPr marL="0" marR="0" lvl="0" indent="0" algn="ctr" rtl="0">
+              <a:lnSpc>
+                <a:spcPct val="100000"/>
+              </a:lnSpc>
+              <a:spcBef>
+                <a:spcPts val="0"/>
+              </a:spcBef>
+              <a:spcAft>
+                <a:spcPts val="0"/>
+              </a:spcAft>
+              <a:buClr>
+                <a:srgbClr val="FFFF00"/>
+              </a:buClr>
+              <a:buSzPct val="25000"/>
+              <a:buFont typeface="Cabin"/>
+              <a:buNone/>
+            </a:pPr>
+            <a:r>
+              <a:rPr lang="es-419" sz="3200">
+                <a:solidFill>
+                  <a:srgbClr val="FFFF00"/>
+                </a:solidFill>
+                <a:latin typeface="Arial" charset="0"/>
+                <a:ea typeface="Arial" charset="0"/>
+                <a:cs typeface="Arial" charset="0"/>
+                <a:sym typeface="Cabin"/>
+              </a:rPr>
+              <a:t>Python para Todos</a:t>
+            </a:r>
+            <a:endParaRPr lang="es-419" sz="3200" u="none" strike="noStrike" cap="none">
+              <a:solidFill>
+                <a:srgbClr val="FFFF00"/>
+              </a:solidFill>
+              <a:latin typeface="Arial" charset="0"/>
+              <a:ea typeface="Arial" charset="0"/>
+              <a:cs typeface="Arial" charset="0"/>
+              <a:sym typeface="Cabin"/>
+            </a:endParaRPr>
+          </a:p>
+          <a:p>
+            <a:pPr marL="0" marR="0" lvl="0" indent="0" algn="ctr" rtl="0">
+              <a:lnSpc>
+                <a:spcPct val="100000"/>
+              </a:lnSpc>
+              <a:spcBef>
+                <a:spcPts val="0"/>
+              </a:spcBef>
+              <a:spcAft>
+                <a:spcPts val="0"/>
+              </a:spcAft>
+              <a:buClr>
+                <a:srgbClr val="FFFF00"/>
+              </a:buClr>
+              <a:buSzPct val="25000"/>
+              <a:buFont typeface="Cabin"/>
+              <a:buNone/>
+            </a:pPr>
+            <a:r>
+              <a:rPr lang="es-419" sz="3200" u="sng">
+                <a:solidFill>
+                  <a:srgbClr val="FFFF00"/>
+                </a:solidFill>
+                <a:latin typeface="Arial" charset="0"/>
+                <a:ea typeface="Arial" charset="0"/>
+                <a:cs typeface="Arial" charset="0"/>
+                <a:sym typeface="Cabin"/>
+                <a:hlinkClick r:id="rId5"/>
+              </a:rPr>
+              <a:t>es</a:t>
+            </a:r>
+            <a:r>
+              <a:rPr lang="es-419" sz="3200" u="sng" strike="noStrike" cap="none">
+                <a:solidFill>
+                  <a:srgbClr val="FFFF00"/>
+                </a:solidFill>
+                <a:latin typeface="Arial" charset="0"/>
+                <a:ea typeface="Arial" charset="0"/>
+                <a:cs typeface="Arial" charset="0"/>
+                <a:sym typeface="Cabin"/>
+                <a:hlinkClick r:id="rId5"/>
+              </a:rPr>
+              <a:t>.py4e.com</a:t>
+            </a:r>
+          </a:p>
+        </p:txBody>
+      </p:sp>
     </p:spTree>
   </p:cSld>
   <p:clrMapOvr>
     <a:masterClrMapping/>
   </p:clrMapOvr>
-  <p:timing>
-    <p:tnLst>
-      <p:par>
-        <p:cTn id="1" dur="indefinite" restart="never" nodeType="tmRoot"/>
-      </p:par>
-    </p:tnLst>
-  </p:timing>
 </p:sld>
 </file>
 
@@ -4638,7 +4781,7 @@
               <a:buNone/>
             </a:pPr>
             <a:r>
-              <a:rPr lang="en-US" sz="7600" u="none" strike="noStrike" cap="none">
+              <a:rPr lang="es-MX" sz="7600" u="none" strike="noStrike" cap="none" dirty="0">
                 <a:solidFill>
                   <a:srgbClr val="FFFF00"/>
                 </a:solidFill>
@@ -4647,8 +4790,17 @@
                 <a:cs typeface="Arial" charset="0"/>
                 <a:sym typeface="Cabin"/>
               </a:rPr>
-              <a:t>File Processing</a:t>
-            </a:r>
+              <a:t>Procesamiento de Archivos</a:t>
+            </a:r>
+            <a:endParaRPr lang="en-US" sz="7600" u="none" strike="noStrike" cap="none" dirty="0">
+              <a:solidFill>
+                <a:srgbClr val="FFFF00"/>
+              </a:solidFill>
+              <a:latin typeface="Arial" charset="0"/>
+              <a:ea typeface="Arial" charset="0"/>
+              <a:cs typeface="Arial" charset="0"/>
+              <a:sym typeface="Cabin"/>
+            </a:endParaRPr>
           </a:p>
         </p:txBody>
       </p:sp>
@@ -4698,7 +4850,7 @@
               <a:buNone/>
             </a:pPr>
             <a:r>
-              <a:rPr lang="en-US" sz="3600" b="0" u="none" strike="noStrike" cap="none" dirty="0">
+              <a:rPr lang="es-419" sz="3600" b="0" u="none" strike="noStrike" cap="none">
                 <a:solidFill>
                   <a:schemeClr val="lt1"/>
                 </a:solidFill>
@@ -4707,10 +4859,10 @@
                 <a:cs typeface="Arial" charset="0"/>
                 <a:sym typeface="Cabin"/>
               </a:rPr>
-              <a:t>A text file has </a:t>
-            </a:r>
-            <a:r>
-              <a:rPr lang="en-US" sz="3600" b="0" u="none" strike="noStrike" cap="none" dirty="0">
+              <a:t>Un archivo de texto tiene</a:t>
+            </a:r>
+            <a:r>
+              <a:rPr lang="es-419" sz="3600" b="0">
                 <a:solidFill>
                   <a:srgbClr val="00FFFF"/>
                 </a:solidFill>
@@ -4719,10 +4871,10 @@
                 <a:cs typeface="Arial" charset="0"/>
                 <a:sym typeface="Cabin"/>
               </a:rPr>
-              <a:t>newlines</a:t>
-            </a:r>
-            <a:r>
-              <a:rPr lang="en-US" sz="3600" b="0" u="none" strike="noStrike" cap="none" dirty="0">
+              <a:t> saltos de líneas</a:t>
+            </a:r>
+            <a:r>
+              <a:rPr lang="es-419" sz="3600" b="0">
                 <a:solidFill>
                   <a:schemeClr val="lt1"/>
                 </a:solidFill>
@@ -4731,8 +4883,17 @@
                 <a:cs typeface="Arial" charset="0"/>
                 <a:sym typeface="Cabin"/>
               </a:rPr>
-              <a:t> at the end of each line</a:t>
-            </a:r>
+              <a:t> al final de cada línea</a:t>
+            </a:r>
+            <a:endParaRPr lang="es-419" sz="3600" b="0" u="none" strike="noStrike" cap="none">
+              <a:solidFill>
+                <a:schemeClr val="lt1"/>
+              </a:solidFill>
+              <a:latin typeface="Arial" charset="0"/>
+              <a:ea typeface="Arial" charset="0"/>
+              <a:cs typeface="Arial" charset="0"/>
+              <a:sym typeface="Cabin"/>
+            </a:endParaRPr>
           </a:p>
         </p:txBody>
       </p:sp>
@@ -5339,13 +5500,6 @@
   <p:clrMapOvr>
     <a:masterClrMapping/>
   </p:clrMapOvr>
-  <p:timing>
-    <p:tnLst>
-      <p:par>
-        <p:cTn id="1" dur="indefinite" restart="never" nodeType="tmRoot"/>
-      </p:par>
-    </p:tnLst>
-  </p:timing>
 </p:sld>
 </file>
 
@@ -5382,14 +5536,29 @@
           <a:lstStyle/>
           <a:p>
             <a:r>
-              <a:rPr lang="en-US" dirty="0" smtClean="0"/>
-              <a:t>Reading Files in Python</a:t>
-            </a:r>
-            <a:r>
-              <a:rPr lang="is-IS" smtClean="0"/>
-              <a:t>…</a:t>
-            </a:r>
-            <a:endParaRPr lang="en-US"/>
+              <a:rPr lang="en-US" dirty="0" err="1"/>
+              <a:t>Leyendo</a:t>
+            </a:r>
+            <a:r>
+              <a:rPr lang="en-US" dirty="0"/>
+              <a:t> </a:t>
+            </a:r>
+            <a:r>
+              <a:rPr lang="en-US" dirty="0" err="1"/>
+              <a:t>Archivos</a:t>
+            </a:r>
+            <a:r>
+              <a:rPr lang="en-US" dirty="0"/>
+              <a:t> </a:t>
+            </a:r>
+            <a:r>
+              <a:rPr lang="en-US" dirty="0" err="1"/>
+              <a:t>en</a:t>
+            </a:r>
+            <a:r>
+              <a:rPr lang="en-US" dirty="0"/>
+              <a:t> Python…</a:t>
+            </a:r>
           </a:p>
         </p:txBody>
       </p:sp>
@@ -5422,13 +5591,6 @@
   <p:clrMapOvr>
     <a:masterClrMapping/>
   </p:clrMapOvr>
-  <p:timing>
-    <p:tnLst>
-      <p:par>
-        <p:cTn id="1" dur="indefinite" restart="never" nodeType="tmRoot"/>
-      </p:par>
-    </p:tnLst>
-  </p:timing>
 </p:sld>
 </file>
 
@@ -5437,7 +5599,7 @@
   <p:cSld>
     <p:spTree>
       <p:nvGrpSpPr>
-        <p:cNvPr id="1" name="Shape 377"/>
+        <p:cNvPr id="1" name="Shape 541"/>
         <p:cNvGrpSpPr/>
         <p:nvPr/>
       </p:nvGrpSpPr>
@@ -5451,7 +5613,7 @@
       </p:grpSpPr>
       <p:sp>
         <p:nvSpPr>
-          <p:cNvPr id="378" name="Shape 378"/>
+          <p:cNvPr id="542" name="Shape 542"/>
           <p:cNvSpPr txBox="1">
             <a:spLocks noGrp="1"/>
           </p:cNvSpPr>
@@ -5461,8 +5623,8 @@
         </p:nvSpPr>
         <p:spPr>
           <a:xfrm>
-            <a:off x="812800" y="809639"/>
-            <a:ext cx="14630400" cy="1226172"/>
+            <a:off x="1155700" y="638977"/>
+            <a:ext cx="13932000" cy="1706182"/>
           </a:xfrm>
           <a:prstGeom prst="rect">
             <a:avLst/>
@@ -5481,26 +5643,26 @@
               <a:buNone/>
             </a:pPr>
             <a:r>
-              <a:rPr lang="en-US" sz="3600" dirty="0">
+              <a:rPr lang="es-MX" sz="3600" b="1">
                 <a:solidFill>
                   <a:srgbClr val="FFFF00"/>
                 </a:solidFill>
               </a:rPr>
-              <a:t>Acknowledgements / Contributions</a:t>
+              <a:t>Agradecimientos / Contribuciones</a:t>
             </a:r>
           </a:p>
         </p:txBody>
       </p:sp>
       <p:sp>
         <p:nvSpPr>
-          <p:cNvPr id="379" name="Shape 379"/>
+          <p:cNvPr id="543" name="Shape 543"/>
           <p:cNvSpPr txBox="1"/>
           <p:nvPr/>
         </p:nvSpPr>
         <p:spPr>
           <a:xfrm>
-            <a:off x="1324001" y="2128838"/>
-            <a:ext cx="6797699" cy="5986462"/>
+            <a:off x="1155700" y="2208255"/>
+            <a:ext cx="7551600" cy="5690588"/>
           </a:xfrm>
           <a:prstGeom prst="rect">
             <a:avLst/>
@@ -5516,79 +5678,90 @@
           </a:bodyPr>
           <a:lstStyle/>
           <a:p>
+            <a:pPr lvl="0"/>
+            <a:r>
+              <a:rPr lang="es-MX" sz="1800" dirty="0">
+                <a:solidFill>
+                  <a:srgbClr val="FFFFFF"/>
+                </a:solidFill>
+              </a:rPr>
+              <a:t>Las diapositivas están bajo el Copyright 2010-  Charles R. </a:t>
+            </a:r>
+            <a:r>
+              <a:rPr lang="es-MX" sz="1800" dirty="0" err="1">
+                <a:solidFill>
+                  <a:srgbClr val="FFFFFF"/>
+                </a:solidFill>
+              </a:rPr>
+              <a:t>Severance</a:t>
+            </a:r>
+            <a:r>
+              <a:rPr lang="es-MX" sz="1800" dirty="0">
+                <a:solidFill>
+                  <a:srgbClr val="FFFFFF"/>
+                </a:solidFill>
+              </a:rPr>
+              <a:t> (</a:t>
+            </a:r>
+            <a:r>
+              <a:rPr lang="es-MX" sz="1800" u="sng" dirty="0">
+                <a:solidFill>
+                  <a:srgbClr val="FFFF00"/>
+                </a:solidFill>
+                <a:hlinkClick r:id="rId3"/>
+              </a:rPr>
+              <a:t>www.dr-chuck.com</a:t>
+            </a:r>
+            <a:r>
+              <a:rPr lang="es-MX" sz="1800" dirty="0">
+                <a:solidFill>
+                  <a:srgbClr val="FFFFFF"/>
+                </a:solidFill>
+              </a:rPr>
+              <a:t>) de la Escuela de Informática  de la Universidad de Michigan y </a:t>
+            </a:r>
+            <a:r>
+              <a:rPr lang="es-MX" sz="1800" u="sng" dirty="0">
+                <a:solidFill>
+                  <a:srgbClr val="FFFF00"/>
+                </a:solidFill>
+                <a:hlinkClick r:id="rId4"/>
+              </a:rPr>
+              <a:t>open.umich.edu</a:t>
+            </a:r>
+            <a:r>
+              <a:rPr lang="es-MX" sz="1800" dirty="0">
+                <a:solidFill>
+                  <a:srgbClr val="FFFFFF"/>
+                </a:solidFill>
+              </a:rPr>
+              <a:t>, y están disponibles públicamente bajo una Licencia Creative Commons </a:t>
+            </a:r>
+            <a:r>
+              <a:rPr lang="es-MX" sz="1800" dirty="0" err="1">
+                <a:solidFill>
+                  <a:srgbClr val="FFFFFF"/>
+                </a:solidFill>
+              </a:rPr>
+              <a:t>Attribution</a:t>
+            </a:r>
+            <a:r>
+              <a:rPr lang="es-MX" sz="1800" dirty="0">
+                <a:solidFill>
+                  <a:srgbClr val="FFFFFF"/>
+                </a:solidFill>
+              </a:rPr>
+              <a:t> 4.0. Favor de mantener esta última diapositiva en todas las copias del documento para cumplir con los requerimientos de atribución de la licencia. Si haces un cambio, siéntete libre de agregar tu nombre y organización a la lista de contribuidores en esta página conforme sean republicados los materiales.</a:t>
+            </a:r>
+          </a:p>
+          <a:p>
             <a:pPr lvl="0" rtl="0">
               <a:spcBef>
                 <a:spcPts val="0"/>
               </a:spcBef>
               <a:buNone/>
             </a:pPr>
-            <a:r>
-              <a:rPr lang="en-US" sz="1800">
-                <a:solidFill>
-                  <a:srgbClr val="FFFFFF"/>
-                </a:solidFill>
-              </a:rPr>
-              <a:t>These </a:t>
-            </a:r>
-            <a:r>
-              <a:rPr lang="en-US" sz="1800" smtClean="0">
-                <a:solidFill>
-                  <a:srgbClr val="FFFFFF"/>
-                </a:solidFill>
-              </a:rPr>
-              <a:t>slides </a:t>
-            </a:r>
-            <a:r>
-              <a:rPr lang="en-US" sz="1800" dirty="0">
-                <a:solidFill>
-                  <a:srgbClr val="FFFFFF"/>
-                </a:solidFill>
-              </a:rPr>
-              <a:t>are Copyright 2010-  Charles R. Severance (</a:t>
-            </a:r>
-            <a:r>
-              <a:rPr lang="en-US" sz="1800" u="sng" dirty="0">
-                <a:solidFill>
-                  <a:srgbClr val="FFFF00"/>
-                </a:solidFill>
-                <a:hlinkClick r:id="rId3"/>
-              </a:rPr>
-              <a:t>www.dr-chuck.com</a:t>
-            </a:r>
-            <a:r>
-              <a:rPr lang="en-US" sz="1800" dirty="0">
-                <a:solidFill>
-                  <a:srgbClr val="FFFFFF"/>
-                </a:solidFill>
-              </a:rPr>
-              <a:t>) of the University of Michigan School of Information and </a:t>
-            </a:r>
-            <a:r>
-              <a:rPr lang="en-US" sz="1800" u="sng" dirty="0">
-                <a:solidFill>
-                  <a:srgbClr val="FFFF00"/>
-                </a:solidFill>
-                <a:hlinkClick r:id="rId4"/>
-              </a:rPr>
-              <a:t>open.umich.edu</a:t>
-            </a:r>
-            <a:r>
-              <a:rPr lang="en-US" sz="1800" dirty="0">
-                <a:solidFill>
-                  <a:srgbClr val="FFFFFF"/>
-                </a:solidFill>
-              </a:rPr>
-              <a:t> and made available under a Creative Commons Attribution 4.0 License.  Please maintain this last slide in all copies of the document to comply with the attribution requirements of the license.  If you make a change, feel free to add your name and organization to the list of contributors on this page as you republish the materials.</a:t>
-            </a:r>
-          </a:p>
-          <a:p>
-            <a:pPr lvl="0" rtl="0">
-              <a:spcBef>
-                <a:spcPts val="0"/>
-              </a:spcBef>
-              <a:buNone/>
-            </a:pPr>
-            <a:endParaRPr sz="1800" dirty="0">
+            <a:endParaRPr lang="es-MX" sz="1800" dirty="0">
               <a:solidFill>
                 <a:srgbClr val="FFFFFF"/>
               </a:solidFill>
@@ -5602,12 +5775,28 @@
               <a:buNone/>
             </a:pPr>
             <a:r>
-              <a:rPr lang="en-US" sz="1800" dirty="0">
+              <a:rPr lang="es-MX" sz="1800" dirty="0">
                 <a:solidFill>
                   <a:srgbClr val="FFFFFF"/>
                 </a:solidFill>
               </a:rPr>
-              <a:t>Initial Development: Charles Severance, University of Michigan School of Information</a:t>
+              <a:t>Desarrollo inicial: Charles </a:t>
+            </a:r>
+            <a:r>
+              <a:rPr lang="es-MX" sz="1800" dirty="0" err="1">
+                <a:solidFill>
+                  <a:srgbClr val="FFFFFF"/>
+                </a:solidFill>
+              </a:rPr>
+              <a:t>Severance</a:t>
+            </a:r>
+            <a:r>
+              <a:rPr lang="es-MX" sz="1800" dirty="0">
+                <a:solidFill>
+                  <a:srgbClr val="FFFFFF"/>
+                </a:solidFill>
+              </a:rPr>
+              <a:t>, Escuela de Informática de la Universidad de Michigan.</a:t>
             </a:r>
           </a:p>
           <a:p>
@@ -5617,33 +5806,95 @@
               </a:spcBef>
               <a:buNone/>
             </a:pPr>
-            <a:endParaRPr sz="1800" dirty="0">
+            <a:endParaRPr lang="es-MX" sz="1800" dirty="0">
               <a:solidFill>
                 <a:srgbClr val="FFFFFF"/>
               </a:solidFill>
             </a:endParaRPr>
           </a:p>
           <a:p>
+            <a:r>
+              <a:rPr lang="en-US" sz="1800" dirty="0" err="1">
+                <a:solidFill>
+                  <a:srgbClr val="FFFFFF"/>
+                </a:solidFill>
+              </a:rPr>
+              <a:t>Traducción</a:t>
+            </a:r>
+            <a:r>
+              <a:rPr lang="en-US" sz="1800" dirty="0">
+                <a:solidFill>
+                  <a:srgbClr val="FFFFFF"/>
+                </a:solidFill>
+              </a:rPr>
+              <a:t> al </a:t>
+            </a:r>
+            <a:r>
+              <a:rPr lang="en-US" sz="1800" dirty="0" err="1">
+                <a:solidFill>
+                  <a:srgbClr val="FFFFFF"/>
+                </a:solidFill>
+              </a:rPr>
+              <a:t>Español</a:t>
+            </a:r>
+            <a:r>
+              <a:rPr lang="en-US" sz="1800" dirty="0">
+                <a:solidFill>
+                  <a:srgbClr val="FFFFFF"/>
+                </a:solidFill>
+              </a:rPr>
+              <a:t> por Juan Carlos Pérez Castellanos - 2020-04-10</a:t>
+            </a:r>
+            <a:endParaRPr lang="es-MX" sz="1800" dirty="0">
+              <a:solidFill>
+                <a:srgbClr val="FFFFFF"/>
+              </a:solidFill>
+            </a:endParaRPr>
+          </a:p>
+          <a:p>
             <a:pPr lvl="0" rtl="0">
               <a:spcBef>
                 <a:spcPts val="0"/>
               </a:spcBef>
               <a:buNone/>
             </a:pPr>
-            <a:r>
-              <a:rPr lang="en-US" sz="1800" dirty="0">
-                <a:solidFill>
-                  <a:srgbClr val="FFFFFF"/>
-                </a:solidFill>
-              </a:rPr>
-              <a:t>… Insert new Contributors and Translators here</a:t>
-            </a:r>
+            <a:endParaRPr lang="es-MX" sz="1800" dirty="0">
+              <a:solidFill>
+                <a:srgbClr val="FFFFFF"/>
+              </a:solidFill>
+            </a:endParaRPr>
+          </a:p>
+          <a:p>
+            <a:pPr lvl="0" rtl="0">
+              <a:spcBef>
+                <a:spcPts val="0"/>
+              </a:spcBef>
+              <a:buNone/>
+            </a:pPr>
+            <a:endParaRPr lang="es-MX" sz="1800" dirty="0">
+              <a:solidFill>
+                <a:srgbClr val="FFFFFF"/>
+              </a:solidFill>
+            </a:endParaRPr>
+          </a:p>
+          <a:p>
+            <a:pPr lvl="0" rtl="0">
+              <a:spcBef>
+                <a:spcPts val="0"/>
+              </a:spcBef>
+              <a:buNone/>
+            </a:pPr>
+            <a:endParaRPr lang="es-MX" sz="1800" dirty="0">
+              <a:solidFill>
+                <a:srgbClr val="FFFFFF"/>
+              </a:solidFill>
+            </a:endParaRPr>
           </a:p>
         </p:txBody>
       </p:sp>
       <p:pic>
         <p:nvPicPr>
-          <p:cNvPr id="380" name="Shape 380"/>
+          <p:cNvPr id="544" name="Shape 544"/>
           <p:cNvPicPr preferRelativeResize="0"/>
           <p:nvPr/>
         </p:nvPicPr>
@@ -5656,7 +5907,7 @@
         </p:blipFill>
         <p:spPr>
           <a:xfrm>
-            <a:off x="437900" y="977621"/>
+            <a:off x="437900" y="977618"/>
             <a:ext cx="1024800" cy="1024800"/>
           </a:xfrm>
           <a:prstGeom prst="rect">
@@ -5670,7 +5921,7 @@
       </p:pic>
       <p:pic>
         <p:nvPicPr>
-          <p:cNvPr id="381" name="Shape 381"/>
+          <p:cNvPr id="545" name="Shape 545"/>
           <p:cNvPicPr preferRelativeResize="0"/>
           <p:nvPr/>
         </p:nvPicPr>
@@ -5683,7 +5934,7 @@
         </p:blipFill>
         <p:spPr>
           <a:xfrm>
-            <a:off x="13897687" y="1155821"/>
+            <a:off x="13897687" y="1155818"/>
             <a:ext cx="1968599" cy="668400"/>
           </a:xfrm>
           <a:prstGeom prst="rect">
@@ -5697,14 +5948,14 @@
       </p:pic>
       <p:sp>
         <p:nvSpPr>
-          <p:cNvPr id="382" name="Shape 382"/>
+          <p:cNvPr id="546" name="Shape 546"/>
           <p:cNvSpPr txBox="1"/>
           <p:nvPr/>
         </p:nvSpPr>
         <p:spPr>
           <a:xfrm>
-            <a:off x="8704400" y="2190334"/>
-            <a:ext cx="6797699" cy="5924966"/>
+            <a:off x="8452608" y="2208255"/>
+            <a:ext cx="7551600" cy="5690588"/>
           </a:xfrm>
           <a:prstGeom prst="rect">
             <a:avLst/>
@@ -5726,14 +5977,11 @@
               </a:spcBef>
               <a:buNone/>
             </a:pPr>
-            <a:r>
-              <a:rPr lang="en-US" sz="1800">
-                <a:solidFill>
-                  <a:srgbClr val="FFFFFF"/>
-                </a:solidFill>
-              </a:rPr>
-              <a:t>...</a:t>
-            </a:r>
+            <a:endParaRPr lang="es-MX" sz="1800" dirty="0">
+              <a:solidFill>
+                <a:srgbClr val="FFFFFF"/>
+              </a:solidFill>
+            </a:endParaRPr>
           </a:p>
         </p:txBody>
       </p:sp>
@@ -5742,13 +5990,6 @@
   <p:clrMapOvr>
     <a:masterClrMapping/>
   </p:clrMapOvr>
-  <p:timing>
-    <p:tnLst>
-      <p:par>
-        <p:cTn id="1" dur="indefinite" restart="never" nodeType="tmRoot"/>
-      </p:par>
-    </p:tnLst>
-  </p:timing>
 </p:sld>
 </file>
 
@@ -5840,8 +6081,8 @@
         </p:nvSpPr>
         <p:spPr>
           <a:xfrm>
-            <a:off x="1460500" y="2030961"/>
-            <a:ext cx="2184300" cy="2184300"/>
+            <a:off x="928255" y="2030961"/>
+            <a:ext cx="2716545" cy="2184300"/>
           </a:xfrm>
           <a:prstGeom prst="rect">
             <a:avLst/>
@@ -5881,7 +6122,7 @@
               <a:buNone/>
             </a:pPr>
             <a:r>
-              <a:rPr lang="en-US" sz="3200" u="none" strike="noStrike" cap="none">
+              <a:rPr lang="en-US" sz="3200" u="none" strike="noStrike" cap="none" dirty="0" err="1">
                 <a:solidFill>
                   <a:schemeClr val="lt1"/>
                 </a:solidFill>
@@ -5890,29 +6131,10 @@
                 <a:cs typeface="Arial" charset="0"/>
                 <a:sym typeface="Cabin"/>
               </a:rPr>
-              <a:t>Input</a:t>
-            </a:r>
-          </a:p>
-          <a:p>
-            <a:pPr marL="0" marR="0" lvl="0" indent="0" algn="ctr" rtl="0">
-              <a:lnSpc>
-                <a:spcPct val="100000"/>
-              </a:lnSpc>
-              <a:spcBef>
-                <a:spcPts val="0"/>
-              </a:spcBef>
-              <a:spcAft>
-                <a:spcPts val="0"/>
-              </a:spcAft>
-              <a:buClr>
-                <a:schemeClr val="lt1"/>
-              </a:buClr>
-              <a:buSzPct val="25000"/>
-              <a:buFont typeface="Cabin"/>
-              <a:buNone/>
-            </a:pPr>
-            <a:r>
-              <a:rPr lang="en-US" sz="3200" u="none" strike="noStrike" cap="none">
+              <a:t>Dispositivos</a:t>
+            </a:r>
+            <a:r>
+              <a:rPr lang="en-US" sz="3200" u="none" strike="noStrike" cap="none" dirty="0">
                 <a:solidFill>
                   <a:schemeClr val="lt1"/>
                 </a:solidFill>
@@ -5921,29 +6143,10 @@
                 <a:cs typeface="Arial" charset="0"/>
                 <a:sym typeface="Cabin"/>
               </a:rPr>
-              <a:t>and Output</a:t>
-            </a:r>
-          </a:p>
-          <a:p>
-            <a:pPr marL="0" marR="0" lvl="0" indent="0" algn="ctr" rtl="0">
-              <a:lnSpc>
-                <a:spcPct val="100000"/>
-              </a:lnSpc>
-              <a:spcBef>
-                <a:spcPts val="0"/>
-              </a:spcBef>
-              <a:spcAft>
-                <a:spcPts val="0"/>
-              </a:spcAft>
-              <a:buClr>
-                <a:schemeClr val="lt1"/>
-              </a:buClr>
-              <a:buSzPct val="25000"/>
-              <a:buFont typeface="Cabin"/>
-              <a:buNone/>
-            </a:pPr>
-            <a:r>
-              <a:rPr lang="en-US" sz="3200" u="none" strike="noStrike" cap="none">
+              <a:t> de Entra</a:t>
+            </a:r>
+            <a:r>
+              <a:rPr lang="en-US" sz="3200" dirty="0">
                 <a:solidFill>
                   <a:schemeClr val="lt1"/>
                 </a:solidFill>
@@ -5952,8 +6155,17 @@
                 <a:cs typeface="Arial" charset="0"/>
                 <a:sym typeface="Cabin"/>
               </a:rPr>
-              <a:t>Devices</a:t>
-            </a:r>
+              <a:t>da y de Salida</a:t>
+            </a:r>
+            <a:endParaRPr lang="en-US" sz="3200" u="none" strike="noStrike" cap="none" dirty="0">
+              <a:solidFill>
+                <a:schemeClr val="lt1"/>
+              </a:solidFill>
+              <a:latin typeface="Arial" charset="0"/>
+              <a:ea typeface="Arial" charset="0"/>
+              <a:cs typeface="Arial" charset="0"/>
+              <a:sym typeface="Cabin"/>
+            </a:endParaRPr>
           </a:p>
         </p:txBody>
       </p:sp>
@@ -5965,8 +6177,8 @@
         </p:nvSpPr>
         <p:spPr>
           <a:xfrm>
-            <a:off x="5359400" y="2132561"/>
-            <a:ext cx="2133599" cy="1981199"/>
+            <a:off x="5063952" y="2132561"/>
+            <a:ext cx="2768700" cy="1981199"/>
           </a:xfrm>
           <a:prstGeom prst="rect">
             <a:avLst/>
@@ -6006,7 +6218,7 @@
               <a:buNone/>
             </a:pPr>
             <a:r>
-              <a:rPr lang="en-US" sz="3200" u="none" strike="noStrike" cap="none">
+              <a:rPr lang="en-US" sz="3200" u="none" strike="noStrike" cap="none" dirty="0">
                 <a:solidFill>
                   <a:schemeClr val="lt1"/>
                 </a:solidFill>
@@ -6015,29 +6227,10 @@
                 <a:cs typeface="Arial" charset="0"/>
                 <a:sym typeface="Cabin"/>
               </a:rPr>
-              <a:t>Central</a:t>
-            </a:r>
-          </a:p>
-          <a:p>
-            <a:pPr marL="0" marR="0" lvl="0" indent="0" algn="ctr" rtl="0">
-              <a:lnSpc>
-                <a:spcPct val="100000"/>
-              </a:lnSpc>
-              <a:spcBef>
-                <a:spcPts val="0"/>
-              </a:spcBef>
-              <a:spcAft>
-                <a:spcPts val="0"/>
-              </a:spcAft>
-              <a:buClr>
-                <a:schemeClr val="lt1"/>
-              </a:buClr>
-              <a:buSzPct val="25000"/>
-              <a:buFont typeface="Cabin"/>
-              <a:buNone/>
-            </a:pPr>
-            <a:r>
-              <a:rPr lang="en-US" sz="3200" u="none" strike="noStrike" cap="none">
+              <a:t>Unidad Central de </a:t>
+            </a:r>
+            <a:r>
+              <a:rPr lang="en-US" sz="3200" u="none" strike="noStrike" cap="none" dirty="0" err="1">
                 <a:solidFill>
                   <a:schemeClr val="lt1"/>
                 </a:solidFill>
@@ -6046,39 +6239,17 @@
                 <a:cs typeface="Arial" charset="0"/>
                 <a:sym typeface="Cabin"/>
               </a:rPr>
-              <a:t>Processing</a:t>
-            </a:r>
-          </a:p>
-          <a:p>
-            <a:pPr marL="0" marR="0" lvl="0" indent="0" algn="ctr" rtl="0">
-              <a:lnSpc>
-                <a:spcPct val="100000"/>
-              </a:lnSpc>
-              <a:spcBef>
-                <a:spcPts val="0"/>
-              </a:spcBef>
-              <a:spcAft>
-                <a:spcPts val="0"/>
-              </a:spcAft>
-              <a:buClr>
+              <a:t>Procesamiento</a:t>
+            </a:r>
+            <a:endParaRPr lang="en-US" sz="3200" u="none" strike="noStrike" cap="none" dirty="0">
+              <a:solidFill>
                 <a:schemeClr val="lt1"/>
-              </a:buClr>
-              <a:buSzPct val="25000"/>
-              <a:buFont typeface="Cabin"/>
-              <a:buNone/>
-            </a:pPr>
-            <a:r>
-              <a:rPr lang="en-US" sz="3200" u="none" strike="noStrike" cap="none">
-                <a:solidFill>
-                  <a:schemeClr val="lt1"/>
-                </a:solidFill>
-                <a:latin typeface="Arial" charset="0"/>
-                <a:ea typeface="Arial" charset="0"/>
-                <a:cs typeface="Arial" charset="0"/>
-                <a:sym typeface="Cabin"/>
-              </a:rPr>
-              <a:t>Unit</a:t>
-            </a:r>
+              </a:solidFill>
+              <a:latin typeface="Arial" charset="0"/>
+              <a:ea typeface="Arial" charset="0"/>
+              <a:cs typeface="Arial" charset="0"/>
+              <a:sym typeface="Cabin"/>
+            </a:endParaRPr>
           </a:p>
         </p:txBody>
       </p:sp>
@@ -6090,8 +6261,8 @@
         </p:nvSpPr>
         <p:spPr>
           <a:xfrm>
-            <a:off x="5359400" y="5167861"/>
-            <a:ext cx="2171700" cy="2133599"/>
+            <a:off x="5066598" y="5167861"/>
+            <a:ext cx="2743902" cy="2133599"/>
           </a:xfrm>
           <a:prstGeom prst="rect">
             <a:avLst/>
@@ -6130,18 +6301,15 @@
               <a:buFont typeface="Cabin"/>
               <a:buNone/>
             </a:pPr>
-            <a:r>
-              <a:rPr lang="en-US" sz="3200" u="none" strike="noStrike" cap="none">
-                <a:solidFill>
-                  <a:schemeClr val="lt1"/>
-                </a:solidFill>
-                <a:latin typeface="Arial" charset="0"/>
-                <a:ea typeface="Arial" charset="0"/>
-                <a:cs typeface="Arial" charset="0"/>
-                <a:sym typeface="Cabin"/>
-              </a:rPr>
-              <a:t>Main</a:t>
-            </a:r>
+            <a:endParaRPr lang="es-MX" sz="3200" dirty="0">
+              <a:solidFill>
+                <a:schemeClr val="lt1"/>
+              </a:solidFill>
+              <a:latin typeface="Arial" charset="0"/>
+              <a:ea typeface="Arial" charset="0"/>
+              <a:cs typeface="Arial" charset="0"/>
+              <a:sym typeface="Cabin"/>
+            </a:endParaRPr>
           </a:p>
           <a:p>
             <a:pPr marL="0" marR="0" lvl="0" indent="0" algn="ctr" rtl="0">
@@ -6162,7 +6330,7 @@
               <a:buNone/>
             </a:pPr>
             <a:r>
-              <a:rPr lang="en-US" sz="3200" u="none" strike="noStrike" cap="none">
+              <a:rPr lang="es-MX" sz="3200" dirty="0">
                 <a:solidFill>
                   <a:schemeClr val="lt1"/>
                 </a:solidFill>
@@ -6171,8 +6339,41 @@
                 <a:cs typeface="Arial" charset="0"/>
                 <a:sym typeface="Cabin"/>
               </a:rPr>
-              <a:t>Memory</a:t>
-            </a:r>
+              <a:t>M</a:t>
+            </a:r>
+            <a:r>
+              <a:rPr lang="en-US" sz="3200" dirty="0" err="1">
+                <a:solidFill>
+                  <a:schemeClr val="lt1"/>
+                </a:solidFill>
+                <a:latin typeface="Arial" charset="0"/>
+                <a:ea typeface="Arial" charset="0"/>
+                <a:cs typeface="Arial" charset="0"/>
+                <a:sym typeface="Cabin"/>
+              </a:rPr>
+              <a:t>emoria</a:t>
+            </a:r>
+            <a:r>
+              <a:rPr lang="en-US" sz="3200" dirty="0">
+                <a:solidFill>
+                  <a:schemeClr val="lt1"/>
+                </a:solidFill>
+                <a:latin typeface="Arial" charset="0"/>
+                <a:ea typeface="Arial" charset="0"/>
+                <a:cs typeface="Arial" charset="0"/>
+                <a:sym typeface="Cabin"/>
+              </a:rPr>
+              <a:t> Principal</a:t>
+            </a:r>
+            <a:endParaRPr lang="en-US" sz="3200" u="none" strike="noStrike" cap="none" dirty="0">
+              <a:solidFill>
+                <a:schemeClr val="lt1"/>
+              </a:solidFill>
+              <a:latin typeface="Arial" charset="0"/>
+              <a:ea typeface="Arial" charset="0"/>
+              <a:cs typeface="Arial" charset="0"/>
+              <a:sym typeface="Cabin"/>
+            </a:endParaRPr>
           </a:p>
         </p:txBody>
       </p:sp>
@@ -6443,7 +6644,7 @@
               <a:buNone/>
             </a:pPr>
             <a:r>
-              <a:rPr lang="en-US" sz="3600" u="none" strike="noStrike" cap="none">
+              <a:rPr lang="en-US" sz="3600" dirty="0">
                 <a:solidFill>
                   <a:schemeClr val="lt1"/>
                 </a:solidFill>
@@ -6452,7 +6653,163 @@
                 <a:cs typeface="Arial" charset="0"/>
                 <a:sym typeface="Cabin"/>
               </a:rPr>
-              <a:t>It is time to go find some Data to mess with!</a:t>
+              <a:t>¡</a:t>
+            </a:r>
+            <a:r>
+              <a:rPr lang="en-US" sz="3600" u="none" strike="noStrike" cap="none" dirty="0">
+                <a:solidFill>
+                  <a:schemeClr val="lt1"/>
+                </a:solidFill>
+                <a:latin typeface="Arial" charset="0"/>
+                <a:ea typeface="Arial" charset="0"/>
+                <a:cs typeface="Arial" charset="0"/>
+                <a:sym typeface="Cabin"/>
+              </a:rPr>
+              <a:t>Es </a:t>
+            </a:r>
+            <a:r>
+              <a:rPr lang="en-US" sz="3600" u="none" strike="noStrike" cap="none" dirty="0" err="1">
+                <a:solidFill>
+                  <a:schemeClr val="lt1"/>
+                </a:solidFill>
+                <a:latin typeface="Arial" charset="0"/>
+                <a:ea typeface="Arial" charset="0"/>
+                <a:cs typeface="Arial" charset="0"/>
+                <a:sym typeface="Cabin"/>
+              </a:rPr>
+              <a:t>momento</a:t>
+            </a:r>
+            <a:r>
+              <a:rPr lang="en-US" sz="3600" u="none" strike="noStrike" cap="none" dirty="0">
+                <a:solidFill>
+                  <a:schemeClr val="lt1"/>
+                </a:solidFill>
+                <a:latin typeface="Arial" charset="0"/>
+                <a:ea typeface="Arial" charset="0"/>
+                <a:cs typeface="Arial" charset="0"/>
+                <a:sym typeface="Cabin"/>
+              </a:rPr>
+              <a:t> de </a:t>
+            </a:r>
+            <a:r>
+              <a:rPr lang="en-US" sz="3600" u="none" strike="noStrike" cap="none" dirty="0" err="1">
+                <a:solidFill>
+                  <a:schemeClr val="lt1"/>
+                </a:solidFill>
+                <a:latin typeface="Arial" charset="0"/>
+                <a:ea typeface="Arial" charset="0"/>
+                <a:cs typeface="Arial" charset="0"/>
+                <a:sym typeface="Cabin"/>
+              </a:rPr>
+              <a:t>ir</a:t>
+            </a:r>
+            <a:r>
+              <a:rPr lang="en-US" sz="3600" u="none" strike="noStrike" cap="none" dirty="0">
+                <a:solidFill>
+                  <a:schemeClr val="lt1"/>
+                </a:solidFill>
+                <a:latin typeface="Arial" charset="0"/>
+                <a:ea typeface="Arial" charset="0"/>
+                <a:cs typeface="Arial" charset="0"/>
+                <a:sym typeface="Cabin"/>
+              </a:rPr>
+              <a:t> a </a:t>
+            </a:r>
+            <a:r>
+              <a:rPr lang="en-US" sz="3600" u="none" strike="noStrike" cap="none" dirty="0" err="1">
+                <a:solidFill>
+                  <a:schemeClr val="lt1"/>
+                </a:solidFill>
+                <a:latin typeface="Arial" charset="0"/>
+                <a:ea typeface="Arial" charset="0"/>
+                <a:cs typeface="Arial" charset="0"/>
+                <a:sym typeface="Cabin"/>
+              </a:rPr>
+              <a:t>buscar</a:t>
+            </a:r>
+            <a:r>
+              <a:rPr lang="en-US" sz="3600" u="none" strike="noStrike" cap="none" dirty="0">
+                <a:solidFill>
+                  <a:schemeClr val="lt1"/>
+                </a:solidFill>
+                <a:latin typeface="Arial" charset="0"/>
+                <a:ea typeface="Arial" charset="0"/>
+                <a:cs typeface="Arial" charset="0"/>
+                <a:sym typeface="Cabin"/>
+              </a:rPr>
+              <a:t> </a:t>
+            </a:r>
+            <a:r>
+              <a:rPr lang="en-US" sz="3600" dirty="0" err="1">
+                <a:solidFill>
+                  <a:schemeClr val="lt1"/>
+                </a:solidFill>
+                <a:latin typeface="Arial" charset="0"/>
+                <a:ea typeface="Arial" charset="0"/>
+                <a:cs typeface="Arial" charset="0"/>
+                <a:sym typeface="Cabin"/>
+              </a:rPr>
+              <a:t>d</a:t>
+            </a:r>
+            <a:r>
+              <a:rPr lang="en-US" sz="3600" u="none" strike="noStrike" cap="none" dirty="0" err="1">
+                <a:solidFill>
+                  <a:schemeClr val="lt1"/>
+                </a:solidFill>
+                <a:latin typeface="Arial" charset="0"/>
+                <a:ea typeface="Arial" charset="0"/>
+                <a:cs typeface="Arial" charset="0"/>
+                <a:sym typeface="Cabin"/>
+              </a:rPr>
+              <a:t>atos</a:t>
+            </a:r>
+            <a:r>
+              <a:rPr lang="en-US" sz="3600" dirty="0">
+                <a:solidFill>
+                  <a:schemeClr val="lt1"/>
+                </a:solidFill>
+                <a:latin typeface="Arial" charset="0"/>
+                <a:ea typeface="Arial" charset="0"/>
+                <a:cs typeface="Arial" charset="0"/>
+                <a:sym typeface="Cabin"/>
+              </a:rPr>
+              <a:t> </a:t>
+            </a:r>
+            <a:r>
+              <a:rPr lang="en-US" sz="3600" u="none" strike="noStrike" cap="none" dirty="0">
+                <a:solidFill>
+                  <a:schemeClr val="lt1"/>
+                </a:solidFill>
+                <a:latin typeface="Arial" charset="0"/>
+                <a:ea typeface="Arial" charset="0"/>
+                <a:cs typeface="Arial" charset="0"/>
+                <a:sym typeface="Cabin"/>
+              </a:rPr>
+              <a:t>con los que </a:t>
+            </a:r>
+            <a:r>
+              <a:rPr lang="en-US" sz="3600" u="none" strike="noStrike" cap="none" dirty="0" err="1">
+                <a:solidFill>
+                  <a:schemeClr val="lt1"/>
+                </a:solidFill>
+                <a:latin typeface="Arial" charset="0"/>
+                <a:ea typeface="Arial" charset="0"/>
+                <a:cs typeface="Arial" charset="0"/>
+                <a:sym typeface="Cabin"/>
+              </a:rPr>
+              <a:t>meterse</a:t>
+            </a:r>
+            <a:r>
+              <a:rPr lang="en-US" sz="3600" u="none" strike="noStrike" cap="none" dirty="0">
+                <a:solidFill>
+                  <a:schemeClr val="lt1"/>
+                </a:solidFill>
+                <a:latin typeface="Arial" charset="0"/>
+                <a:ea typeface="Arial" charset="0"/>
+                <a:cs typeface="Arial" charset="0"/>
+                <a:sym typeface="Cabin"/>
+              </a:rPr>
+              <a:t>!</a:t>
             </a:r>
           </a:p>
         </p:txBody>
@@ -6465,7 +6822,7 @@
         </p:nvSpPr>
         <p:spPr>
           <a:xfrm>
-            <a:off x="7810500" y="1078461"/>
+            <a:off x="7861101" y="1270649"/>
             <a:ext cx="1803300" cy="1269899"/>
           </a:xfrm>
           <a:prstGeom prst="wedgeEllipseCallout">
@@ -6508,38 +6865,16 @@
               <a:buNone/>
             </a:pPr>
             <a:r>
-              <a:rPr lang="en-US" sz="2600" u="none" strike="noStrike" cap="none">
-                <a:solidFill>
-                  <a:srgbClr val="000000"/>
-                </a:solidFill>
+              <a:rPr lang="en-US" sz="2600" dirty="0">
                 <a:latin typeface="Arial" charset="0"/>
                 <a:ea typeface="Arial" charset="0"/>
                 <a:cs typeface="Arial" charset="0"/>
                 <a:sym typeface="Cabin"/>
               </a:rPr>
-              <a:t>What</a:t>
-            </a:r>
-          </a:p>
-          <a:p>
-            <a:pPr marL="0" marR="0" lvl="0" indent="0" algn="ctr" rtl="0">
-              <a:lnSpc>
-                <a:spcPct val="100000"/>
-              </a:lnSpc>
-              <a:spcBef>
-                <a:spcPts val="0"/>
-              </a:spcBef>
-              <a:spcAft>
-                <a:spcPts val="0"/>
-              </a:spcAft>
-              <a:buClr>
-                <a:srgbClr val="000000"/>
-              </a:buClr>
-              <a:buSzPct val="25000"/>
-              <a:buFont typeface="Cabin"/>
-              <a:buNone/>
-            </a:pPr>
-            <a:r>
-              <a:rPr lang="en-US" sz="2600" u="none" strike="noStrike" cap="none">
+              <a:t>¿</a:t>
+            </a:r>
+            <a:r>
+              <a:rPr lang="en-US" sz="2600" u="none" strike="noStrike" cap="none" dirty="0" err="1">
                 <a:solidFill>
                   <a:srgbClr val="000000"/>
                 </a:solidFill>
@@ -6548,7 +6883,43 @@
                 <a:cs typeface="Arial" charset="0"/>
                 <a:sym typeface="Cabin"/>
               </a:rPr>
-              <a:t>Next?</a:t>
+              <a:t>Qué</a:t>
+            </a:r>
+            <a:r>
+              <a:rPr lang="en-US" sz="2600" u="none" strike="noStrike" cap="none" dirty="0">
+                <a:solidFill>
+                  <a:srgbClr val="000000"/>
+                </a:solidFill>
+                <a:latin typeface="Arial" charset="0"/>
+                <a:ea typeface="Arial" charset="0"/>
+                <a:cs typeface="Arial" charset="0"/>
+                <a:sym typeface="Cabin"/>
+              </a:rPr>
+              <a:t> </a:t>
+            </a:r>
+            <a:r>
+              <a:rPr lang="en-US" sz="2600" u="none" strike="noStrike" cap="none" dirty="0" err="1">
+                <a:solidFill>
+                  <a:srgbClr val="000000"/>
+                </a:solidFill>
+                <a:latin typeface="Arial" charset="0"/>
+                <a:ea typeface="Arial" charset="0"/>
+                <a:cs typeface="Arial" charset="0"/>
+                <a:sym typeface="Cabin"/>
+              </a:rPr>
+              <a:t>sigue</a:t>
+            </a:r>
+            <a:r>
+              <a:rPr lang="en-US" sz="2600" u="none" strike="noStrike" cap="none" dirty="0">
+                <a:solidFill>
+                  <a:srgbClr val="000000"/>
+                </a:solidFill>
+                <a:latin typeface="Arial" charset="0"/>
+                <a:ea typeface="Arial" charset="0"/>
+                <a:cs typeface="Arial" charset="0"/>
+                <a:sym typeface="Cabin"/>
+              </a:rPr>
+              <a:t>?</a:t>
             </a:r>
           </a:p>
         </p:txBody>
@@ -6588,13 +6959,13 @@
         </p:nvSpPr>
         <p:spPr>
           <a:xfrm>
-            <a:off x="6299200" y="4177311"/>
-            <a:ext cx="2768700" cy="1269899"/>
+            <a:off x="7345267" y="5090174"/>
+            <a:ext cx="2515457" cy="1269899"/>
           </a:xfrm>
           <a:prstGeom prst="wedgeEllipseCallout">
             <a:avLst>
-              <a:gd name="adj1" fmla="val -16423"/>
-              <a:gd name="adj2" fmla="val 86316"/>
+              <a:gd name="adj1" fmla="val -37352"/>
+              <a:gd name="adj2" fmla="val 64496"/>
             </a:avLst>
           </a:prstGeom>
           <a:solidFill>
@@ -6636,7 +7007,7 @@
               <a:buNone/>
             </a:pPr>
             <a:r>
-              <a:rPr lang="en-US" sz="2600" u="none" strike="noStrike" cap="none">
+              <a:rPr lang="en-US" sz="2600" u="none" strike="noStrike" cap="none" dirty="0">
                 <a:solidFill>
                   <a:srgbClr val="00FF00"/>
                 </a:solidFill>
@@ -6699,7 +7070,7 @@
               <a:buNone/>
             </a:pPr>
             <a:r>
-              <a:rPr lang="en-US" sz="1300" u="none" strike="noStrike" cap="none">
+              <a:rPr lang="en-US" sz="1300" u="none" strike="noStrike" cap="none" dirty="0">
                 <a:solidFill>
                   <a:srgbClr val="FF00FF"/>
                 </a:solidFill>
@@ -6730,7 +7101,7 @@
               <a:buNone/>
             </a:pPr>
             <a:r>
-              <a:rPr lang="en-US" sz="1300" u="none" strike="noStrike" cap="none">
+              <a:rPr lang="en-US" sz="1300" u="none" strike="noStrike" cap="none" dirty="0">
                 <a:solidFill>
                   <a:srgbClr val="FF00FF"/>
                 </a:solidFill>
@@ -6761,7 +7132,7 @@
               <a:buNone/>
             </a:pPr>
             <a:r>
-              <a:rPr lang="en-US" sz="1300" u="none" strike="noStrike" cap="none">
+              <a:rPr lang="en-US" sz="1300" u="none" strike="noStrike" cap="none" dirty="0">
                 <a:solidFill>
                   <a:srgbClr val="FF00FF"/>
                 </a:solidFill>
@@ -6770,7 +7141,103 @@
                 <a:cs typeface="Arial" charset="0"/>
                 <a:sym typeface="Cabin"/>
               </a:rPr>
-              <a:t>Date: Sat, 5 Jan 2008 09:12:18 -0500To: source@collab.sakaiproject.orgFrom: stephen.marquard@uct.ac.zaSubject: [sakai] svn commit: r39772 - content/branches/Details: http://source.sakaiproject.org/viewsvn/?view=rev&amp;rev=39772</a:t>
+              <a:t>Date: Sat, 5 Jan 2008 09:12:18 -0500To: </a:t>
+            </a:r>
+            <a:r>
+              <a:rPr lang="en-US" sz="1300" u="none" strike="noStrike" cap="none" dirty="0" err="1">
+                <a:solidFill>
+                  <a:srgbClr val="FF00FF"/>
+                </a:solidFill>
+                <a:latin typeface="Arial" charset="0"/>
+                <a:ea typeface="Arial" charset="0"/>
+                <a:cs typeface="Arial" charset="0"/>
+                <a:sym typeface="Cabin"/>
+              </a:rPr>
+              <a:t>source@collab.sakaiproject.orgFrom</a:t>
+            </a:r>
+            <a:r>
+              <a:rPr lang="en-US" sz="1300" u="none" strike="noStrike" cap="none" dirty="0">
+                <a:solidFill>
+                  <a:srgbClr val="FF00FF"/>
+                </a:solidFill>
+                <a:latin typeface="Arial" charset="0"/>
+                <a:ea typeface="Arial" charset="0"/>
+                <a:cs typeface="Arial" charset="0"/>
+                <a:sym typeface="Cabin"/>
+              </a:rPr>
+              <a:t>: </a:t>
+            </a:r>
+            <a:r>
+              <a:rPr lang="en-US" sz="1300" u="none" strike="noStrike" cap="none" dirty="0" err="1">
+                <a:solidFill>
+                  <a:srgbClr val="FF00FF"/>
+                </a:solidFill>
+                <a:latin typeface="Arial" charset="0"/>
+                <a:ea typeface="Arial" charset="0"/>
+                <a:cs typeface="Arial" charset="0"/>
+                <a:sym typeface="Cabin"/>
+              </a:rPr>
+              <a:t>stephen.marquard@uct.ac.zaSubject</a:t>
+            </a:r>
+            <a:r>
+              <a:rPr lang="en-US" sz="1300" u="none" strike="noStrike" cap="none" dirty="0">
+                <a:solidFill>
+                  <a:srgbClr val="FF00FF"/>
+                </a:solidFill>
+                <a:latin typeface="Arial" charset="0"/>
+                <a:ea typeface="Arial" charset="0"/>
+                <a:cs typeface="Arial" charset="0"/>
+                <a:sym typeface="Cabin"/>
+              </a:rPr>
+              <a:t>: [</a:t>
+            </a:r>
+            <a:r>
+              <a:rPr lang="en-US" sz="1300" u="none" strike="noStrike" cap="none" dirty="0" err="1">
+                <a:solidFill>
+                  <a:srgbClr val="FF00FF"/>
+                </a:solidFill>
+                <a:latin typeface="Arial" charset="0"/>
+                <a:ea typeface="Arial" charset="0"/>
+                <a:cs typeface="Arial" charset="0"/>
+                <a:sym typeface="Cabin"/>
+              </a:rPr>
+              <a:t>sakai</a:t>
+            </a:r>
+            <a:r>
+              <a:rPr lang="en-US" sz="1300" u="none" strike="noStrike" cap="none" dirty="0">
+                <a:solidFill>
+                  <a:srgbClr val="FF00FF"/>
+                </a:solidFill>
+                <a:latin typeface="Arial" charset="0"/>
+                <a:ea typeface="Arial" charset="0"/>
+                <a:cs typeface="Arial" charset="0"/>
+                <a:sym typeface="Cabin"/>
+              </a:rPr>
+              <a:t>] </a:t>
+            </a:r>
+            <a:r>
+              <a:rPr lang="en-US" sz="1300" u="none" strike="noStrike" cap="none" dirty="0" err="1">
+                <a:solidFill>
+                  <a:srgbClr val="FF00FF"/>
+                </a:solidFill>
+                <a:latin typeface="Arial" charset="0"/>
+                <a:ea typeface="Arial" charset="0"/>
+                <a:cs typeface="Arial" charset="0"/>
+                <a:sym typeface="Cabin"/>
+              </a:rPr>
+              <a:t>svn</a:t>
+            </a:r>
+            <a:r>
+              <a:rPr lang="en-US" sz="1300" u="none" strike="noStrike" cap="none" dirty="0">
+                <a:solidFill>
+                  <a:srgbClr val="FF00FF"/>
+                </a:solidFill>
+                <a:latin typeface="Arial" charset="0"/>
+                <a:ea typeface="Arial" charset="0"/>
+                <a:cs typeface="Arial" charset="0"/>
+                <a:sym typeface="Cabin"/>
+              </a:rPr>
+              <a:t> commit: r39772 - content/branches/Details: http://source.sakaiproject.org/viewsvn/?view=rev&amp;rev=39772</a:t>
             </a:r>
           </a:p>
           <a:p>
@@ -6792,7 +7259,7 @@
               <a:buNone/>
             </a:pPr>
             <a:r>
-              <a:rPr lang="en-US" sz="1300" u="none" strike="noStrike" cap="none">
+              <a:rPr lang="en-US" sz="1300" u="none" strike="noStrike" cap="none" dirty="0">
                 <a:solidFill>
                   <a:srgbClr val="FF00FF"/>
                 </a:solidFill>
@@ -6814,13 +7281,13 @@
         </p:nvSpPr>
         <p:spPr>
           <a:xfrm>
-            <a:off x="12192000" y="2792961"/>
-            <a:ext cx="1955699" cy="1003199"/>
+            <a:off x="12814151" y="2627911"/>
+            <a:ext cx="1955699" cy="1422300"/>
           </a:xfrm>
           <a:prstGeom prst="wedgeEllipseCallout">
             <a:avLst>
-              <a:gd name="adj1" fmla="val -56870"/>
-              <a:gd name="adj2" fmla="val 111090"/>
+              <a:gd name="adj1" fmla="val -85915"/>
+              <a:gd name="adj2" fmla="val 89660"/>
             </a:avLst>
           </a:prstGeom>
           <a:blipFill rotWithShape="1">
@@ -6857,17 +7324,59 @@
               <a:buNone/>
             </a:pPr>
             <a:r>
-              <a:rPr lang="en-US" sz="2600" u="none" strike="noStrike" cap="none">
-                <a:solidFill>
-                  <a:srgbClr val="000000"/>
-                </a:solidFill>
+              <a:rPr lang="en-US" sz="2600" dirty="0" err="1">
                 <a:latin typeface="Arial" charset="0"/>
                 <a:ea typeface="Arial" charset="0"/>
                 <a:cs typeface="Arial" charset="0"/>
                 <a:sym typeface="Cabin"/>
               </a:rPr>
-              <a:t>Files R Us</a:t>
-            </a:r>
+              <a:t>S</a:t>
+            </a:r>
+            <a:r>
+              <a:rPr lang="en-US" sz="2600" u="none" strike="noStrike" cap="none" dirty="0" err="1">
+                <a:solidFill>
+                  <a:srgbClr val="000000"/>
+                </a:solidFill>
+                <a:latin typeface="Arial" charset="0"/>
+                <a:ea typeface="Arial" charset="0"/>
+                <a:cs typeface="Arial" charset="0"/>
+                <a:sym typeface="Cabin"/>
+              </a:rPr>
+              <a:t>omos</a:t>
+            </a:r>
+            <a:r>
+              <a:rPr lang="en-US" sz="2600" u="none" strike="noStrike" cap="none" dirty="0">
+                <a:solidFill>
+                  <a:srgbClr val="000000"/>
+                </a:solidFill>
+                <a:latin typeface="Arial" charset="0"/>
+                <a:ea typeface="Arial" charset="0"/>
+                <a:cs typeface="Arial" charset="0"/>
+                <a:sym typeface="Cabin"/>
+              </a:rPr>
+              <a:t> los </a:t>
+            </a:r>
+            <a:r>
+              <a:rPr lang="en-US" sz="2600" u="none" strike="noStrike" cap="none" dirty="0" err="1">
+                <a:solidFill>
+                  <a:srgbClr val="000000"/>
+                </a:solidFill>
+                <a:latin typeface="Arial" charset="0"/>
+                <a:ea typeface="Arial" charset="0"/>
+                <a:cs typeface="Arial" charset="0"/>
+                <a:sym typeface="Cabin"/>
+              </a:rPr>
+              <a:t>archivos</a:t>
+            </a:r>
+            <a:endParaRPr lang="en-US" sz="2600" u="none" strike="noStrike" cap="none" dirty="0">
+              <a:solidFill>
+                <a:srgbClr val="000000"/>
+              </a:solidFill>
+              <a:latin typeface="Arial" charset="0"/>
+              <a:ea typeface="Arial" charset="0"/>
+              <a:cs typeface="Arial" charset="0"/>
+              <a:sym typeface="Cabin"/>
+            </a:endParaRPr>
           </a:p>
         </p:txBody>
       </p:sp>
@@ -6876,13 +7385,6 @@
   <p:clrMapOvr>
     <a:masterClrMapping/>
   </p:clrMapOvr>
-  <p:timing>
-    <p:tnLst>
-      <p:par>
-        <p:cTn id="1" dur="indefinite" restart="never" nodeType="tmRoot"/>
-      </p:par>
-    </p:tnLst>
-  </p:timing>
 </p:sld>
 </file>
 
@@ -6946,7 +7448,7 @@
               <a:buNone/>
             </a:pPr>
             <a:r>
-              <a:rPr lang="en-US" sz="7600" u="none" strike="noStrike" cap="none" dirty="0">
+              <a:rPr lang="es-419" sz="7600" u="none" strike="noStrike" cap="none">
                 <a:solidFill>
                   <a:srgbClr val="FFFF00"/>
                 </a:solidFill>
@@ -6955,7 +7457,7 @@
                 <a:cs typeface="Arial" charset="0"/>
                 <a:sym typeface="Cabin"/>
               </a:rPr>
-              <a:t>File Processing</a:t>
+              <a:t>Procesamiento de Archivos</a:t>
             </a:r>
           </a:p>
         </p:txBody>
@@ -6972,8 +7474,8 @@
         </p:nvSpPr>
         <p:spPr>
           <a:xfrm>
-            <a:off x="1155700" y="2294801"/>
-            <a:ext cx="13932000" cy="893950"/>
+            <a:off x="1155699" y="2294801"/>
+            <a:ext cx="14468123" cy="893950"/>
           </a:xfrm>
           <a:prstGeom prst="rect">
             <a:avLst/>
@@ -7003,7 +7505,7 @@
               <a:buFont typeface="Cabin"/>
             </a:pPr>
             <a:r>
-              <a:rPr lang="en-US" sz="3600" b="0" u="none" strike="noStrike" cap="none" dirty="0">
+              <a:rPr lang="es-419" sz="3600" b="0" u="none" strike="noStrike" cap="none">
                 <a:solidFill>
                   <a:schemeClr val="lt1"/>
                 </a:solidFill>
@@ -7012,8 +7514,29 @@
                 <a:cs typeface="Arial" charset="0"/>
                 <a:sym typeface="Cabin"/>
               </a:rPr>
-              <a:t>A text file can be thought of as a sequence of lines</a:t>
-            </a:r>
+              <a:t>Un </a:t>
+            </a:r>
+            <a:r>
+              <a:rPr lang="es-419" sz="3600" b="0">
+                <a:solidFill>
+                  <a:schemeClr val="lt1"/>
+                </a:solidFill>
+                <a:latin typeface="Arial" charset="0"/>
+                <a:ea typeface="Arial" charset="0"/>
+                <a:cs typeface="Arial" charset="0"/>
+                <a:sym typeface="Cabin"/>
+              </a:rPr>
+              <a:t>archivo de texto puede ser pensado como una secuencia de líneas</a:t>
+            </a:r>
+            <a:endParaRPr lang="es-419" sz="3600" b="0" u="none" strike="noStrike" cap="none">
+              <a:solidFill>
+                <a:schemeClr val="lt1"/>
+              </a:solidFill>
+              <a:latin typeface="Arial" charset="0"/>
+              <a:ea typeface="Arial" charset="0"/>
+              <a:cs typeface="Arial" charset="0"/>
+              <a:sym typeface="Cabin"/>
+            </a:endParaRPr>
           </a:p>
         </p:txBody>
       </p:sp>
@@ -7060,7 +7583,7 @@
               <a:buNone/>
             </a:pPr>
             <a:r>
-              <a:rPr lang="en-US" sz="2400" b="1" i="0" u="none" strike="noStrike" cap="none" dirty="0">
+              <a:rPr lang="es-419" sz="2400" b="1" i="0" u="none" strike="noStrike" cap="none">
                 <a:solidFill>
                   <a:srgbClr val="FF00FF"/>
                 </a:solidFill>
@@ -7069,31 +7592,7 @@
                 <a:cs typeface="Courier New"/>
                 <a:sym typeface="Courier New"/>
               </a:rPr>
-              <a:t>From </a:t>
-            </a:r>
-            <a:r>
-              <a:rPr lang="en-US" sz="2400" b="1" i="0" u="none" strike="noStrike" cap="none" dirty="0" err="1">
-                <a:solidFill>
-                  <a:srgbClr val="FF00FF"/>
-                </a:solidFill>
-                <a:latin typeface="Courier New"/>
-                <a:ea typeface="Courier New"/>
-                <a:cs typeface="Courier New"/>
-                <a:sym typeface="Courier New"/>
-              </a:rPr>
-              <a:t>stephen.marquard@uct.ac.za</a:t>
-            </a:r>
-            <a:r>
-              <a:rPr lang="en-US" sz="2400" b="1" i="0" u="none" strike="noStrike" cap="none" dirty="0">
-                <a:solidFill>
-                  <a:srgbClr val="FF00FF"/>
-                </a:solidFill>
-                <a:latin typeface="Courier New"/>
-                <a:ea typeface="Courier New"/>
-                <a:cs typeface="Courier New"/>
-                <a:sym typeface="Courier New"/>
-              </a:rPr>
-              <a:t> Sat Jan  5 09:14:16 2008</a:t>
+              <a:t>From stephen.marquard@uct.ac.za Sat Jan  5 09:14:16 2008</a:t>
             </a:r>
           </a:p>
           <a:p>
@@ -7115,7 +7614,7 @@
               <a:buNone/>
             </a:pPr>
             <a:r>
-              <a:rPr lang="en-US" sz="2400" b="1" i="0" u="none" strike="noStrike" cap="none" dirty="0">
+              <a:rPr lang="es-419" sz="2400" b="1" i="0" u="none" strike="noStrike" cap="none">
                 <a:solidFill>
                   <a:srgbClr val="FF00FF"/>
                 </a:solidFill>
@@ -7124,31 +7623,7 @@
                 <a:cs typeface="Courier New"/>
                 <a:sym typeface="Courier New"/>
               </a:rPr>
-              <a:t>Return-Path: &lt;</a:t>
-            </a:r>
-            <a:r>
-              <a:rPr lang="en-US" sz="2400" b="1" i="0" u="none" strike="noStrike" cap="none" dirty="0" err="1">
-                <a:solidFill>
-                  <a:srgbClr val="FF00FF"/>
-                </a:solidFill>
-                <a:latin typeface="Courier New"/>
-                <a:ea typeface="Courier New"/>
-                <a:cs typeface="Courier New"/>
-                <a:sym typeface="Courier New"/>
-              </a:rPr>
-              <a:t>postmaster@collab.sakaiproject.org</a:t>
-            </a:r>
-            <a:r>
-              <a:rPr lang="en-US" sz="2400" b="1" i="0" u="none" strike="noStrike" cap="none" dirty="0">
-                <a:solidFill>
-                  <a:srgbClr val="FF00FF"/>
-                </a:solidFill>
-                <a:latin typeface="Courier New"/>
-                <a:ea typeface="Courier New"/>
-                <a:cs typeface="Courier New"/>
-                <a:sym typeface="Courier New"/>
-              </a:rPr>
-              <a:t>&gt;</a:t>
+              <a:t>Return-Path: &lt;postmaster@collab.sakaiproject.org&gt;</a:t>
             </a:r>
           </a:p>
           <a:p>
@@ -7170,7 +7645,7 @@
               <a:buNone/>
             </a:pPr>
             <a:r>
-              <a:rPr lang="en-US" sz="2400" b="1" i="0" u="none" strike="noStrike" cap="none" dirty="0">
+              <a:rPr lang="es-419" sz="2400" b="1" i="0" u="none" strike="noStrike" cap="none">
                 <a:solidFill>
                   <a:srgbClr val="FF00FF"/>
                 </a:solidFill>
@@ -7201,7 +7676,7 @@
               <a:buNone/>
             </a:pPr>
             <a:r>
-              <a:rPr lang="en-US" sz="2400" b="1" i="0" u="none" strike="noStrike" cap="none" dirty="0">
+              <a:rPr lang="es-419" sz="2400" b="1" i="0" u="none" strike="noStrike" cap="none">
                 <a:solidFill>
                   <a:srgbClr val="FF00FF"/>
                 </a:solidFill>
@@ -7210,10 +7685,29 @@
                 <a:cs typeface="Courier New"/>
                 <a:sym typeface="Courier New"/>
               </a:rPr>
-              <a:t>To: </a:t>
-            </a:r>
-            <a:r>
-              <a:rPr lang="en-US" sz="2400" b="1" i="0" u="none" strike="noStrike" cap="none" dirty="0" err="1">
+              <a:t>To: source@collab.sakaiproject.org</a:t>
+            </a:r>
+          </a:p>
+          <a:p>
+            <a:pPr marL="0" marR="0" lvl="0" indent="0" algn="l" rtl="0">
+              <a:lnSpc>
+                <a:spcPct val="100000"/>
+              </a:lnSpc>
+              <a:spcBef>
+                <a:spcPts val="0"/>
+              </a:spcBef>
+              <a:spcAft>
+                <a:spcPts val="0"/>
+              </a:spcAft>
+              <a:buClr>
+                <a:srgbClr val="FF00FF"/>
+              </a:buClr>
+              <a:buSzPct val="25000"/>
+              <a:buFont typeface="Cabin"/>
+              <a:buNone/>
+            </a:pPr>
+            <a:r>
+              <a:rPr lang="es-419" sz="2400" b="1" i="0" u="none" strike="noStrike" cap="none">
                 <a:solidFill>
                   <a:srgbClr val="FF00FF"/>
                 </a:solidFill>
@@ -7222,9 +7716,58 @@
                 <a:cs typeface="Courier New"/>
                 <a:sym typeface="Courier New"/>
               </a:rPr>
-              <a:t>source@collab.sakaiproject.org</a:t>
-            </a:r>
-            <a:endParaRPr lang="en-US" sz="2400" b="1" i="0" u="none" strike="noStrike" cap="none" dirty="0">
+              <a:t>From: stephen.marquard@uct.ac.za</a:t>
+            </a:r>
+          </a:p>
+          <a:p>
+            <a:pPr marL="0" marR="0" lvl="0" indent="0" algn="l" rtl="0">
+              <a:lnSpc>
+                <a:spcPct val="100000"/>
+              </a:lnSpc>
+              <a:spcBef>
+                <a:spcPts val="0"/>
+              </a:spcBef>
+              <a:spcAft>
+                <a:spcPts val="0"/>
+              </a:spcAft>
+              <a:buClr>
+                <a:srgbClr val="FF00FF"/>
+              </a:buClr>
+              <a:buSzPct val="25000"/>
+              <a:buFont typeface="Cabin"/>
+              <a:buNone/>
+            </a:pPr>
+            <a:r>
+              <a:rPr lang="es-419" sz="2400" b="1" i="0" u="none" strike="noStrike" cap="none">
+                <a:solidFill>
+                  <a:srgbClr val="FF00FF"/>
+                </a:solidFill>
+                <a:latin typeface="Courier New"/>
+                <a:ea typeface="Courier New"/>
+                <a:cs typeface="Courier New"/>
+                <a:sym typeface="Courier New"/>
+              </a:rPr>
+              <a:t>Subject: [sakai] svn commit: r39772 - content/branches/</a:t>
+            </a:r>
+          </a:p>
+          <a:p>
+            <a:pPr marL="0" marR="0" lvl="0" indent="0" algn="l" rtl="0">
+              <a:lnSpc>
+                <a:spcPct val="100000"/>
+              </a:lnSpc>
+              <a:spcBef>
+                <a:spcPts val="0"/>
+              </a:spcBef>
+              <a:spcAft>
+                <a:spcPts val="0"/>
+              </a:spcAft>
+              <a:buClr>
+                <a:srgbClr val="FF00FF"/>
+              </a:buClr>
+              <a:buFont typeface="Cabin"/>
+              <a:buNone/>
+            </a:pPr>
+            <a:endParaRPr lang="es-419" sz="2400" b="1">
               <a:solidFill>
                 <a:srgbClr val="FF00FF"/>
               </a:solidFill>
@@ -7253,7 +7796,7 @@
               <a:buNone/>
             </a:pPr>
             <a:r>
-              <a:rPr lang="en-US" sz="2400" b="1" i="0" u="none" strike="noStrike" cap="none" dirty="0">
+              <a:rPr lang="es-419" sz="2400" b="1" i="0" u="none" strike="noStrike" cap="none">
                 <a:solidFill>
                   <a:srgbClr val="FF00FF"/>
                 </a:solidFill>
@@ -7262,10 +7805,10 @@
                 <a:cs typeface="Courier New"/>
                 <a:sym typeface="Courier New"/>
               </a:rPr>
-              <a:t>From: </a:t>
-            </a:r>
-            <a:r>
-              <a:rPr lang="en-US" sz="2400" b="1" i="0" u="none" strike="noStrike" cap="none" dirty="0" err="1">
+              <a:t>Details:</a:t>
+            </a:r>
+            <a:r>
+              <a:rPr lang="es-419" sz="2400" b="1">
                 <a:solidFill>
                   <a:srgbClr val="FF00FF"/>
                 </a:solidFill>
@@ -7274,38 +7817,10 @@
                 <a:cs typeface="Courier New"/>
                 <a:sym typeface="Courier New"/>
               </a:rPr>
-              <a:t>stephen.marquard@uct.ac.za</a:t>
-            </a:r>
-            <a:endParaRPr lang="en-US" sz="2400" b="1" i="0" u="none" strike="noStrike" cap="none" dirty="0">
-              <a:solidFill>
-                <a:srgbClr val="FF00FF"/>
-              </a:solidFill>
-              <a:latin typeface="Courier New"/>
-              <a:ea typeface="Courier New"/>
-              <a:cs typeface="Courier New"/>
-              <a:sym typeface="Courier New"/>
-            </a:endParaRPr>
-          </a:p>
-          <a:p>
-            <a:pPr marL="0" marR="0" lvl="0" indent="0" algn="l" rtl="0">
-              <a:lnSpc>
-                <a:spcPct val="100000"/>
-              </a:lnSpc>
-              <a:spcBef>
-                <a:spcPts val="0"/>
-              </a:spcBef>
-              <a:spcAft>
-                <a:spcPts val="0"/>
-              </a:spcAft>
-              <a:buClr>
-                <a:srgbClr val="FF00FF"/>
-              </a:buClr>
-              <a:buSzPct val="25000"/>
-              <a:buFont typeface="Cabin"/>
-              <a:buNone/>
-            </a:pPr>
-            <a:r>
-              <a:rPr lang="en-US" sz="2400" b="1" i="0" u="none" strike="noStrike" cap="none" dirty="0">
+              <a:t> </a:t>
+            </a:r>
+            <a:r>
+              <a:rPr lang="es-419" sz="2400" b="1" i="0" u="none" strike="noStrike" cap="none">
                 <a:solidFill>
                   <a:srgbClr val="FF00FF"/>
                 </a:solidFill>
@@ -7314,209 +7829,7 @@
                 <a:cs typeface="Courier New"/>
                 <a:sym typeface="Courier New"/>
               </a:rPr>
-              <a:t>Subject: [</a:t>
-            </a:r>
-            <a:r>
-              <a:rPr lang="en-US" sz="2400" b="1" i="0" u="none" strike="noStrike" cap="none" dirty="0" err="1">
-                <a:solidFill>
-                  <a:srgbClr val="FF00FF"/>
-                </a:solidFill>
-                <a:latin typeface="Courier New"/>
-                <a:ea typeface="Courier New"/>
-                <a:cs typeface="Courier New"/>
-                <a:sym typeface="Courier New"/>
-              </a:rPr>
-              <a:t>sakai</a:t>
-            </a:r>
-            <a:r>
-              <a:rPr lang="en-US" sz="2400" b="1" i="0" u="none" strike="noStrike" cap="none" dirty="0">
-                <a:solidFill>
-                  <a:srgbClr val="FF00FF"/>
-                </a:solidFill>
-                <a:latin typeface="Courier New"/>
-                <a:ea typeface="Courier New"/>
-                <a:cs typeface="Courier New"/>
-                <a:sym typeface="Courier New"/>
-              </a:rPr>
-              <a:t>] </a:t>
-            </a:r>
-            <a:r>
-              <a:rPr lang="en-US" sz="2400" b="1" i="0" u="none" strike="noStrike" cap="none" dirty="0" err="1">
-                <a:solidFill>
-                  <a:srgbClr val="FF00FF"/>
-                </a:solidFill>
-                <a:latin typeface="Courier New"/>
-                <a:ea typeface="Courier New"/>
-                <a:cs typeface="Courier New"/>
-                <a:sym typeface="Courier New"/>
-              </a:rPr>
-              <a:t>svn</a:t>
-            </a:r>
-            <a:r>
-              <a:rPr lang="en-US" sz="2400" b="1" i="0" u="none" strike="noStrike" cap="none" dirty="0">
-                <a:solidFill>
-                  <a:srgbClr val="FF00FF"/>
-                </a:solidFill>
-                <a:latin typeface="Courier New"/>
-                <a:ea typeface="Courier New"/>
-                <a:cs typeface="Courier New"/>
-                <a:sym typeface="Courier New"/>
-              </a:rPr>
-              <a:t> commit: r39772 - content/branches/</a:t>
-            </a:r>
-          </a:p>
-          <a:p>
-            <a:pPr marL="0" marR="0" lvl="0" indent="0" algn="l" rtl="0">
-              <a:lnSpc>
-                <a:spcPct val="100000"/>
-              </a:lnSpc>
-              <a:spcBef>
-                <a:spcPts val="0"/>
-              </a:spcBef>
-              <a:spcAft>
-                <a:spcPts val="0"/>
-              </a:spcAft>
-              <a:buClr>
-                <a:srgbClr val="FF00FF"/>
-              </a:buClr>
-              <a:buFont typeface="Cabin"/>
-              <a:buNone/>
-            </a:pPr>
-            <a:endParaRPr sz="2400" b="1" dirty="0">
-              <a:solidFill>
-                <a:srgbClr val="FF00FF"/>
-              </a:solidFill>
-              <a:latin typeface="Courier New"/>
-              <a:ea typeface="Courier New"/>
-              <a:cs typeface="Courier New"/>
-              <a:sym typeface="Courier New"/>
-            </a:endParaRPr>
-          </a:p>
-          <a:p>
-            <a:pPr marL="0" marR="0" lvl="0" indent="0" algn="l" rtl="0">
-              <a:lnSpc>
-                <a:spcPct val="100000"/>
-              </a:lnSpc>
-              <a:spcBef>
-                <a:spcPts val="0"/>
-              </a:spcBef>
-              <a:spcAft>
-                <a:spcPts val="0"/>
-              </a:spcAft>
-              <a:buClr>
-                <a:srgbClr val="FF00FF"/>
-              </a:buClr>
-              <a:buSzPct val="25000"/>
-              <a:buFont typeface="Cabin"/>
-              <a:buNone/>
-            </a:pPr>
-            <a:r>
-              <a:rPr lang="en-US" sz="2400" b="1" i="0" u="none" strike="noStrike" cap="none" dirty="0">
-                <a:solidFill>
-                  <a:srgbClr val="FF00FF"/>
-                </a:solidFill>
-                <a:latin typeface="Courier New"/>
-                <a:ea typeface="Courier New"/>
-                <a:cs typeface="Courier New"/>
-                <a:sym typeface="Courier New"/>
-              </a:rPr>
-              <a:t>Details:</a:t>
-            </a:r>
-            <a:r>
-              <a:rPr lang="en-US" sz="2400" b="1" dirty="0">
-                <a:solidFill>
-                  <a:srgbClr val="FF00FF"/>
-                </a:solidFill>
-                <a:latin typeface="Courier New"/>
-                <a:ea typeface="Courier New"/>
-                <a:cs typeface="Courier New"/>
-                <a:sym typeface="Courier New"/>
-              </a:rPr>
-              <a:t> </a:t>
-            </a:r>
-            <a:r>
-              <a:rPr lang="en-US" sz="2400" b="1" i="0" u="none" strike="noStrike" cap="none" dirty="0">
-                <a:solidFill>
-                  <a:srgbClr val="FF00FF"/>
-                </a:solidFill>
-                <a:latin typeface="Courier New"/>
-                <a:ea typeface="Courier New"/>
-                <a:cs typeface="Courier New"/>
-                <a:sym typeface="Courier New"/>
-              </a:rPr>
-              <a:t>http://</a:t>
-            </a:r>
-            <a:r>
-              <a:rPr lang="en-US" sz="2400" b="1" i="0" u="none" strike="noStrike" cap="none" dirty="0" err="1">
-                <a:solidFill>
-                  <a:srgbClr val="FF00FF"/>
-                </a:solidFill>
-                <a:latin typeface="Courier New"/>
-                <a:ea typeface="Courier New"/>
-                <a:cs typeface="Courier New"/>
-                <a:sym typeface="Courier New"/>
-              </a:rPr>
-              <a:t>source.sakaiproject.org</a:t>
-            </a:r>
-            <a:r>
-              <a:rPr lang="en-US" sz="2400" b="1" i="0" u="none" strike="noStrike" cap="none" dirty="0">
-                <a:solidFill>
-                  <a:srgbClr val="FF00FF"/>
-                </a:solidFill>
-                <a:latin typeface="Courier New"/>
-                <a:ea typeface="Courier New"/>
-                <a:cs typeface="Courier New"/>
-                <a:sym typeface="Courier New"/>
-              </a:rPr>
-              <a:t>/</a:t>
-            </a:r>
-            <a:r>
-              <a:rPr lang="en-US" sz="2400" b="1" i="0" u="none" strike="noStrike" cap="none" dirty="0" err="1">
-                <a:solidFill>
-                  <a:srgbClr val="FF00FF"/>
-                </a:solidFill>
-                <a:latin typeface="Courier New"/>
-                <a:ea typeface="Courier New"/>
-                <a:cs typeface="Courier New"/>
-                <a:sym typeface="Courier New"/>
-              </a:rPr>
-              <a:t>viewsvn</a:t>
-            </a:r>
-            <a:r>
-              <a:rPr lang="en-US" sz="2400" b="1" i="0" u="none" strike="noStrike" cap="none" dirty="0">
-                <a:solidFill>
-                  <a:srgbClr val="FF00FF"/>
-                </a:solidFill>
-                <a:latin typeface="Courier New"/>
-                <a:ea typeface="Courier New"/>
-                <a:cs typeface="Courier New"/>
-                <a:sym typeface="Courier New"/>
-              </a:rPr>
-              <a:t>/?view=</a:t>
-            </a:r>
-            <a:r>
-              <a:rPr lang="en-US" sz="2400" b="1" i="0" u="none" strike="noStrike" cap="none" dirty="0" err="1">
-                <a:solidFill>
-                  <a:srgbClr val="FF00FF"/>
-                </a:solidFill>
-                <a:latin typeface="Courier New"/>
-                <a:ea typeface="Courier New"/>
-                <a:cs typeface="Courier New"/>
-                <a:sym typeface="Courier New"/>
-              </a:rPr>
-              <a:t>rev&amp;rev</a:t>
-            </a:r>
-            <a:r>
-              <a:rPr lang="en-US" sz="2400" b="1" i="0" u="none" strike="noStrike" cap="none" dirty="0">
-                <a:solidFill>
-                  <a:srgbClr val="FF00FF"/>
-                </a:solidFill>
-                <a:latin typeface="Courier New"/>
-                <a:ea typeface="Courier New"/>
-                <a:cs typeface="Courier New"/>
-                <a:sym typeface="Courier New"/>
-              </a:rPr>
-              <a:t>=39772</a:t>
+              <a:t>http://source.sakaiproject.org/viewsvn/?view=rev&amp;rev=39772</a:t>
             </a:r>
           </a:p>
         </p:txBody>
@@ -7564,7 +7877,7 @@
               <a:buNone/>
             </a:pPr>
             <a:r>
-              <a:rPr lang="en-US" sz="3000" u="sng" strike="noStrike" cap="none" dirty="0">
+              <a:rPr lang="es-419" sz="3000" u="sng" strike="noStrike" cap="none">
                 <a:solidFill>
                   <a:srgbClr val="FFFF00"/>
                 </a:solidFill>
@@ -7574,31 +7887,8 @@
                 <a:sym typeface="Cabin"/>
                 <a:hlinkClick r:id="rId3"/>
               </a:rPr>
-              <a:t>http://</a:t>
-            </a:r>
-            <a:r>
-              <a:rPr lang="en-US" sz="3000" u="sng" strike="noStrike" cap="none" dirty="0" smtClean="0">
-                <a:solidFill>
-                  <a:srgbClr val="FFFF00"/>
-                </a:solidFill>
-                <a:latin typeface="Arial" charset="0"/>
-                <a:ea typeface="Arial" charset="0"/>
-                <a:cs typeface="Arial" charset="0"/>
-                <a:sym typeface="Cabin"/>
-                <a:hlinkClick r:id="rId3"/>
-              </a:rPr>
-              <a:t>www.py4e.com/code/mbox-short.txt</a:t>
-            </a:r>
-            <a:endParaRPr lang="en-US" sz="3000" u="sng" strike="noStrike" cap="none" dirty="0">
-              <a:solidFill>
-                <a:srgbClr val="FFFF00"/>
-              </a:solidFill>
-              <a:latin typeface="Arial" charset="0"/>
-              <a:ea typeface="Arial" charset="0"/>
-              <a:cs typeface="Arial" charset="0"/>
-              <a:sym typeface="Cabin"/>
-              <a:hlinkClick r:id="rId3"/>
-            </a:endParaRPr>
+              <a:t>http://www.py4e.com/code/mbox-short.txt</a:t>
+            </a:r>
           </a:p>
         </p:txBody>
       </p:sp>
@@ -7607,13 +7897,6 @@
   <p:clrMapOvr>
     <a:masterClrMapping/>
   </p:clrMapOvr>
-  <p:timing>
-    <p:tnLst>
-      <p:par>
-        <p:cTn id="1" dur="indefinite" restart="never" nodeType="tmRoot"/>
-      </p:par>
-    </p:tnLst>
-  </p:timing>
 </p:sld>
 </file>
 
@@ -7677,7 +7960,7 @@
               <a:buNone/>
             </a:pPr>
             <a:r>
-              <a:rPr lang="en-US" sz="7600" u="none" strike="noStrike" cap="none">
+              <a:rPr lang="es-419" sz="7600" u="none" strike="noStrike" cap="none">
                 <a:solidFill>
                   <a:srgbClr val="FFFF00"/>
                 </a:solidFill>
@@ -7686,7 +7969,31 @@
                 <a:cs typeface="Arial" charset="0"/>
                 <a:sym typeface="Cabin"/>
               </a:rPr>
-              <a:t>Opening a File</a:t>
+              <a:t>Abriendo un </a:t>
+            </a:r>
+            <a:r>
+              <a:rPr lang="es-419" sz="7600">
+                <a:solidFill>
+                  <a:srgbClr val="FFFF00"/>
+                </a:solidFill>
+                <a:latin typeface="Arial" charset="0"/>
+                <a:ea typeface="Arial" charset="0"/>
+                <a:cs typeface="Arial" charset="0"/>
+                <a:sym typeface="Cabin"/>
+              </a:rPr>
+              <a:t>A</a:t>
+            </a:r>
+            <a:r>
+              <a:rPr lang="es-419" sz="7600" u="none" strike="noStrike" cap="none">
+                <a:solidFill>
+                  <a:srgbClr val="FFFF00"/>
+                </a:solidFill>
+                <a:latin typeface="Arial" charset="0"/>
+                <a:ea typeface="Arial" charset="0"/>
+                <a:cs typeface="Arial" charset="0"/>
+                <a:sym typeface="Cabin"/>
+              </a:rPr>
+              <a:t>rchivo</a:t>
             </a:r>
           </a:p>
         </p:txBody>
@@ -7738,7 +8045,7 @@
               <a:buChar char="•"/>
             </a:pPr>
             <a:r>
-              <a:rPr lang="en-US" sz="3600" b="0" u="none" strike="noStrike" cap="none" dirty="0">
+              <a:rPr lang="es-419" sz="3600" b="0" u="none" strike="noStrike" cap="none" dirty="0">
                 <a:solidFill>
                   <a:schemeClr val="lt1"/>
                 </a:solidFill>
@@ -7747,7 +8054,7 @@
                 <a:cs typeface="Arial" charset="0"/>
                 <a:sym typeface="Cabin"/>
               </a:rPr>
-              <a:t>Before we can read the contents of the file, we must tell Python which file we are going to work with and what we will be doing with the file</a:t>
+              <a:t>Antes de que podamos leer el contenido de un archivo, debemos decirle a Python con qué archivo vamos a trabajar y qué es lo que haremos con él</a:t>
             </a:r>
           </a:p>
           <a:p>
@@ -7769,7 +8076,7 @@
               <a:buChar char="•"/>
             </a:pPr>
             <a:r>
-              <a:rPr lang="en-US" sz="3600" b="0" u="none" strike="noStrike" cap="none" dirty="0">
+              <a:rPr lang="es-419" sz="3600" b="0" u="none" strike="noStrike" cap="none" dirty="0">
                 <a:solidFill>
                   <a:schemeClr val="lt1"/>
                 </a:solidFill>
@@ -7778,10 +8085,10 @@
                 <a:cs typeface="Arial" charset="0"/>
                 <a:sym typeface="Cabin"/>
               </a:rPr>
-              <a:t>This is done with the </a:t>
-            </a:r>
-            <a:r>
-              <a:rPr lang="en-US" sz="3600" b="0" u="none" strike="noStrike" cap="none" dirty="0">
+              <a:t>Esto se realiza con la función </a:t>
+            </a:r>
+            <a:r>
+              <a:rPr lang="es-419" sz="3600" b="0" u="none" strike="noStrike" cap="none" dirty="0">
                 <a:solidFill>
                   <a:srgbClr val="FF00FF"/>
                 </a:solidFill>
@@ -7793,7 +8100,7 @@
               <a:t>open</a:t>
             </a:r>
             <a:r>
-              <a:rPr lang="en-US" sz="3600" b="0" u="none" strike="noStrike" cap="none" dirty="0">
+              <a:rPr lang="es-419" sz="3600" b="0" u="none" strike="noStrike" cap="none" dirty="0">
                 <a:solidFill>
                   <a:schemeClr val="lt1"/>
                 </a:solidFill>
@@ -7802,7 +8109,19 @@
                 <a:cs typeface="Arial" charset="0"/>
                 <a:sym typeface="Cabin"/>
               </a:rPr>
-              <a:t>() function</a:t>
+              <a:t>() </a:t>
+            </a:r>
+            <a:r>
+              <a:rPr lang="es-419" sz="3600" b="0" i="1" u="none" strike="noStrike" cap="none" dirty="0">
+                <a:solidFill>
+                  <a:schemeClr val="lt1"/>
+                </a:solidFill>
+                <a:latin typeface="Arial" charset="0"/>
+                <a:ea typeface="Arial" charset="0"/>
+                <a:cs typeface="Arial" charset="0"/>
+                <a:sym typeface="Cabin"/>
+              </a:rPr>
+              <a:t>(abrir)</a:t>
             </a:r>
           </a:p>
           <a:p>
@@ -7824,7 +8143,7 @@
               <a:buChar char="•"/>
             </a:pPr>
             <a:r>
-              <a:rPr lang="en-US" sz="3600" b="0" u="none" strike="noStrike" cap="none" dirty="0">
+              <a:rPr lang="es-419" sz="3600" b="0" u="none" strike="noStrike" cap="none" dirty="0">
                 <a:solidFill>
                   <a:srgbClr val="FF00FF"/>
                 </a:solidFill>
@@ -7836,7 +8155,7 @@
               <a:t>open</a:t>
             </a:r>
             <a:r>
-              <a:rPr lang="en-US" sz="3600" b="0" u="none" strike="noStrike" cap="none" dirty="0">
+              <a:rPr lang="es-419" sz="3600" b="0" u="none" strike="noStrike" cap="none" dirty="0">
                 <a:solidFill>
                   <a:schemeClr val="lt1"/>
                 </a:solidFill>
@@ -7845,10 +8164,10 @@
                 <a:cs typeface="Arial" charset="0"/>
                 <a:sym typeface="Cabin"/>
               </a:rPr>
-              <a:t>() returns a </a:t>
-            </a:r>
-            <a:r>
-              <a:rPr lang="en-US" sz="3600" b="0" i="0" u="none" strike="noStrike" cap="none" dirty="0">
+              <a:t>() regresa un </a:t>
+            </a:r>
+            <a:r>
+              <a:rPr lang="es-419" sz="3600" b="0" i="0" u="none" strike="noStrike" cap="none" dirty="0">
                 <a:solidFill>
                   <a:schemeClr val="lt1"/>
                 </a:solidFill>
@@ -7860,7 +8179,7 @@
               <a:t>“</a:t>
             </a:r>
             <a:r>
-              <a:rPr lang="en-US" sz="3600" b="0" u="none" strike="noStrike" cap="none" dirty="0">
+              <a:rPr lang="es-419" sz="3600" b="0" u="none" strike="noStrike" cap="none" dirty="0">
                 <a:solidFill>
                   <a:srgbClr val="FF7F00"/>
                 </a:solidFill>
@@ -7869,10 +8188,10 @@
                 <a:cs typeface="Arial" charset="0"/>
                 <a:sym typeface="Cabin"/>
               </a:rPr>
-              <a:t>file handle</a:t>
-            </a:r>
-            <a:r>
-              <a:rPr lang="en-US" sz="3600" b="0" i="0" u="none" strike="noStrike" cap="none" dirty="0">
+              <a:t>manejador de archivo</a:t>
+            </a:r>
+            <a:r>
+              <a:rPr lang="es-419" sz="3600" b="0" i="0" u="none" strike="noStrike" cap="none" dirty="0">
                 <a:solidFill>
                   <a:schemeClr val="lt1"/>
                 </a:solidFill>
@@ -7884,7 +8203,7 @@
               <a:t>”</a:t>
             </a:r>
             <a:r>
-              <a:rPr lang="en-US" sz="3600" b="0" u="none" strike="noStrike" cap="none" dirty="0">
+              <a:rPr lang="es-419" sz="3600" b="0" u="none" strike="noStrike" cap="none" dirty="0">
                 <a:solidFill>
                   <a:schemeClr val="lt1"/>
                 </a:solidFill>
@@ -7893,8 +8212,29 @@
                 <a:cs typeface="Arial" charset="0"/>
                 <a:sym typeface="Cabin"/>
               </a:rPr>
-              <a:t> - a variable used to perform operations on the file</a:t>
-            </a:r>
+              <a:t> – una variable utilizada para hacer operaciones </a:t>
+            </a:r>
+            <a:r>
+              <a:rPr lang="es-419" sz="3600" b="0" dirty="0">
+                <a:solidFill>
+                  <a:schemeClr val="lt1"/>
+                </a:solidFill>
+                <a:latin typeface="Arial" charset="0"/>
+                <a:ea typeface="Arial" charset="0"/>
+                <a:cs typeface="Arial" charset="0"/>
+                <a:sym typeface="Cabin"/>
+              </a:rPr>
+              <a:t>en el archivo</a:t>
+            </a:r>
+            <a:endParaRPr lang="es-419" sz="3600" b="0" u="none" strike="noStrike" cap="none" dirty="0">
+              <a:solidFill>
+                <a:schemeClr val="lt1"/>
+              </a:solidFill>
+              <a:latin typeface="Arial" charset="0"/>
+              <a:ea typeface="Arial" charset="0"/>
+              <a:cs typeface="Arial" charset="0"/>
+              <a:sym typeface="Cabin"/>
+            </a:endParaRPr>
           </a:p>
           <a:p>
             <a:pPr marL="749300" marR="0" lvl="0" indent="-371094" algn="l" rtl="0">
@@ -7915,7 +8255,7 @@
               <a:buChar char="•"/>
             </a:pPr>
             <a:r>
-              <a:rPr lang="en-US" sz="3600" b="0" dirty="0">
+              <a:rPr lang="es-419" sz="3600" b="0" dirty="0">
                 <a:solidFill>
                   <a:schemeClr val="lt1"/>
                 </a:solidFill>
@@ -7924,10 +8264,10 @@
                 <a:cs typeface="Arial" charset="0"/>
                 <a:sym typeface="Cabin"/>
               </a:rPr>
-              <a:t>Similar to</a:t>
-            </a:r>
-            <a:r>
-              <a:rPr lang="en-US" sz="3600" b="0" u="none" strike="noStrike" cap="none" dirty="0">
+              <a:t>Es similar a</a:t>
+            </a:r>
+            <a:r>
+              <a:rPr lang="es-419" sz="3600" b="0" u="none" strike="noStrike" cap="none" dirty="0">
                 <a:solidFill>
                   <a:schemeClr val="lt1"/>
                 </a:solidFill>
@@ -7939,7 +8279,7 @@
               <a:t> </a:t>
             </a:r>
             <a:r>
-              <a:rPr lang="en-US" sz="3600" b="0" i="0" u="none" strike="noStrike" cap="none" dirty="0">
+              <a:rPr lang="es-419" sz="3600" b="0" i="0" u="none" strike="noStrike" cap="none" dirty="0">
                 <a:solidFill>
                   <a:schemeClr val="lt1"/>
                 </a:solidFill>
@@ -7948,10 +8288,10 @@
                 <a:cs typeface="Arial"/>
                 <a:sym typeface="Arial"/>
               </a:rPr>
-              <a:t>“</a:t>
-            </a:r>
-            <a:r>
-              <a:rPr lang="en-US" sz="3600" b="0" u="none" strike="noStrike" cap="none" dirty="0">
+              <a:t>“Archivo</a:t>
+            </a:r>
+            <a:r>
+              <a:rPr lang="es-419" sz="3600" b="0" u="none" strike="noStrike" cap="none" dirty="0">
                 <a:solidFill>
                   <a:schemeClr val="lt1"/>
                 </a:solidFill>
@@ -7960,10 +8300,10 @@
                 <a:cs typeface="Arial" charset="0"/>
                 <a:sym typeface="Cabin"/>
               </a:rPr>
-              <a:t>File -&gt; Open</a:t>
-            </a:r>
-            <a:r>
-              <a:rPr lang="en-US" sz="3600" b="0" i="0" u="none" strike="noStrike" cap="none" dirty="0">
+              <a:t> -&gt; Abrir</a:t>
+            </a:r>
+            <a:r>
+              <a:rPr lang="es-419" sz="3600" b="0" i="0" u="none" strike="noStrike" cap="none" dirty="0">
                 <a:solidFill>
                   <a:schemeClr val="lt1"/>
                 </a:solidFill>
@@ -7972,20 +8312,29 @@
                 <a:cs typeface="Arial"/>
                 <a:sym typeface="Arial"/>
               </a:rPr>
-              <a:t>”</a:t>
-            </a:r>
-            <a:r>
-              <a:rPr lang="en-US" sz="3600" b="0" u="none" strike="noStrike" cap="none" dirty="0">
+              <a:t>” en un Edit</a:t>
+            </a:r>
+            <a:r>
+              <a:rPr lang="es-419" sz="3600" b="0" dirty="0">
                 <a:solidFill>
                   <a:schemeClr val="lt1"/>
                 </a:solidFill>
-                <a:latin typeface="Arial" charset="0"/>
-                <a:ea typeface="Arial" charset="0"/>
-                <a:cs typeface="Arial" charset="0"/>
-                <a:sym typeface="Cabin"/>
-              </a:rPr>
-              <a:t> in a Word Processor</a:t>
-            </a:r>
+                <a:latin typeface="Arial"/>
+                <a:ea typeface="Arial"/>
+                <a:cs typeface="Arial"/>
+                <a:sym typeface="Arial"/>
+              </a:rPr>
+              <a:t>or de Texto</a:t>
+            </a:r>
+            <a:endParaRPr lang="es-419" sz="3600" b="0" u="none" strike="noStrike" cap="none" dirty="0">
+              <a:solidFill>
+                <a:schemeClr val="lt1"/>
+              </a:solidFill>
+              <a:latin typeface="Arial" charset="0"/>
+              <a:ea typeface="Arial" charset="0"/>
+              <a:cs typeface="Arial" charset="0"/>
+              <a:sym typeface="Cabin"/>
+            </a:endParaRPr>
           </a:p>
         </p:txBody>
       </p:sp>
@@ -7994,13 +8343,6 @@
   <p:clrMapOvr>
     <a:masterClrMapping/>
   </p:clrMapOvr>
-  <p:timing>
-    <p:tnLst>
-      <p:par>
-        <p:cTn id="1" dur="indefinite" restart="never" nodeType="tmRoot"/>
-      </p:par>
-    </p:tnLst>
-  </p:timing>
 </p:sld>
 </file>
 
@@ -8064,7 +8406,7 @@
               <a:buNone/>
             </a:pPr>
             <a:r>
-              <a:rPr lang="en-US" sz="7600" u="none" strike="noStrike" cap="none">
+              <a:rPr lang="es-419" sz="7600" u="none" strike="noStrike" cap="none" dirty="0">
                 <a:solidFill>
                   <a:srgbClr val="FFFF00"/>
                 </a:solidFill>
@@ -8073,7 +8415,7 @@
                 <a:cs typeface="Arial" charset="0"/>
                 <a:sym typeface="Cabin"/>
               </a:rPr>
-              <a:t>Using open()</a:t>
+              <a:t>Utilizando open()</a:t>
             </a:r>
           </a:p>
         </p:txBody>
@@ -8114,7 +8456,7 @@
               <a:buSzPct val="100000"/>
             </a:pPr>
             <a:r>
-              <a:rPr lang="en-US" sz="3600" dirty="0" smtClean="0">
+              <a:rPr lang="es-419" sz="3600" dirty="0">
                 <a:solidFill>
                   <a:srgbClr val="FF7F00"/>
                 </a:solidFill>
@@ -8123,10 +8465,10 @@
                 <a:cs typeface="Arial" charset="0"/>
                 <a:sym typeface="Cabin"/>
               </a:rPr>
-              <a:t>handle</a:t>
-            </a:r>
-            <a:r>
-              <a:rPr lang="en-US" sz="3600" dirty="0" smtClean="0">
+              <a:t>manejador</a:t>
+            </a:r>
+            <a:r>
+              <a:rPr lang="es-419" sz="3600" dirty="0">
                 <a:solidFill>
                   <a:schemeClr val="lt1"/>
                 </a:solidFill>
@@ -8135,93 +8477,81 @@
                 <a:cs typeface="Arial" charset="0"/>
                 <a:sym typeface="Cabin"/>
               </a:rPr>
-              <a:t> </a:t>
-            </a:r>
-            <a:r>
-              <a:rPr lang="en-US" sz="3600" dirty="0">
-                <a:solidFill>
-                  <a:schemeClr val="lt1"/>
+              <a:t> = </a:t>
+            </a:r>
+            <a:r>
+              <a:rPr lang="es-419" sz="3600" dirty="0">
+                <a:solidFill>
+                  <a:srgbClr val="FF00FF"/>
                 </a:solidFill>
                 <a:latin typeface="Arial" charset="0"/>
                 <a:ea typeface="Arial" charset="0"/>
                 <a:cs typeface="Arial" charset="0"/>
                 <a:sym typeface="Cabin"/>
               </a:rPr>
-              <a:t>= </a:t>
-            </a:r>
-            <a:r>
-              <a:rPr lang="en-US" sz="3600" dirty="0">
-                <a:solidFill>
-                  <a:srgbClr val="FF00FF"/>
+              <a:t>open</a:t>
+            </a:r>
+            <a:r>
+              <a:rPr lang="es-419" sz="3600" dirty="0">
+                <a:solidFill>
+                  <a:schemeClr val="lt1"/>
                 </a:solidFill>
                 <a:latin typeface="Arial" charset="0"/>
                 <a:ea typeface="Arial" charset="0"/>
                 <a:cs typeface="Arial" charset="0"/>
                 <a:sym typeface="Cabin"/>
               </a:rPr>
-              <a:t>open</a:t>
-            </a:r>
-            <a:r>
-              <a:rPr lang="en-US" sz="3600" dirty="0">
-                <a:solidFill>
-                  <a:schemeClr val="lt1"/>
+              <a:t>(</a:t>
+            </a:r>
+            <a:r>
+              <a:rPr lang="es-419" sz="3600" dirty="0" err="1">
+                <a:solidFill>
+                  <a:srgbClr val="00FFFF"/>
                 </a:solidFill>
                 <a:latin typeface="Arial" charset="0"/>
                 <a:ea typeface="Arial" charset="0"/>
                 <a:cs typeface="Arial" charset="0"/>
                 <a:sym typeface="Cabin"/>
               </a:rPr>
-              <a:t>(</a:t>
-            </a:r>
-            <a:r>
-              <a:rPr lang="en-US" sz="3600" dirty="0">
-                <a:solidFill>
-                  <a:srgbClr val="00FFFF"/>
+              <a:t>nombrearchivo</a:t>
+            </a:r>
+            <a:r>
+              <a:rPr lang="es-419" sz="3600" dirty="0">
+                <a:solidFill>
+                  <a:schemeClr val="lt1"/>
                 </a:solidFill>
                 <a:latin typeface="Arial" charset="0"/>
                 <a:ea typeface="Arial" charset="0"/>
                 <a:cs typeface="Arial" charset="0"/>
                 <a:sym typeface="Cabin"/>
               </a:rPr>
-              <a:t>filename</a:t>
-            </a:r>
-            <a:r>
-              <a:rPr lang="en-US" sz="3600" dirty="0">
-                <a:solidFill>
-                  <a:schemeClr val="lt1"/>
+              <a:t>, </a:t>
+            </a:r>
+            <a:r>
+              <a:rPr lang="es-419" sz="3600" dirty="0">
+                <a:solidFill>
+                  <a:srgbClr val="FFFF00"/>
                 </a:solidFill>
                 <a:latin typeface="Arial" charset="0"/>
                 <a:ea typeface="Arial" charset="0"/>
                 <a:cs typeface="Arial" charset="0"/>
                 <a:sym typeface="Cabin"/>
               </a:rPr>
-              <a:t>, </a:t>
-            </a:r>
-            <a:r>
-              <a:rPr lang="en-US" sz="3600" dirty="0">
-                <a:solidFill>
-                  <a:srgbClr val="FFFF00"/>
+              <a:t>modo</a:t>
+            </a:r>
+            <a:r>
+              <a:rPr lang="es-419" sz="3600" dirty="0">
+                <a:solidFill>
+                  <a:schemeClr val="lt1"/>
                 </a:solidFill>
                 <a:latin typeface="Arial" charset="0"/>
                 <a:ea typeface="Arial" charset="0"/>
                 <a:cs typeface="Arial" charset="0"/>
                 <a:sym typeface="Cabin"/>
               </a:rPr>
-              <a:t>mode</a:t>
-            </a:r>
-            <a:r>
-              <a:rPr lang="en-US" sz="3600" dirty="0" smtClean="0">
-                <a:solidFill>
-                  <a:schemeClr val="lt1"/>
-                </a:solidFill>
-                <a:latin typeface="Arial" charset="0"/>
-                <a:ea typeface="Arial" charset="0"/>
-                <a:cs typeface="Arial" charset="0"/>
-                <a:sym typeface="Cabin"/>
-              </a:rPr>
               <a:t>)</a:t>
             </a:r>
-            <a:endParaRPr lang="en-US" sz="3600" u="none" strike="noStrike" cap="none" dirty="0" smtClean="0">
+            <a:endParaRPr lang="es-419" sz="3600" u="none" strike="noStrike" cap="none" dirty="0">
               <a:solidFill>
                 <a:srgbClr val="FF7F00"/>
               </a:solidFill>
@@ -8249,7 +8579,7 @@
               <a:buFont typeface="Cabin"/>
             </a:pPr>
             <a:r>
-              <a:rPr lang="en-US" sz="3600" u="none" strike="noStrike" cap="none" dirty="0" smtClean="0">
+              <a:rPr lang="es-419" sz="3600" u="none" strike="noStrike" cap="none" dirty="0">
                 <a:solidFill>
                   <a:srgbClr val="FF7F00"/>
                 </a:solidFill>
@@ -8258,19 +8588,7 @@
                 <a:cs typeface="Arial" charset="0"/>
                 <a:sym typeface="Cabin"/>
               </a:rPr>
-              <a:t>returns </a:t>
-            </a:r>
-            <a:r>
-              <a:rPr lang="en-US" sz="3600" u="none" strike="noStrike" cap="none" dirty="0">
-                <a:solidFill>
-                  <a:srgbClr val="FF7F00"/>
-                </a:solidFill>
-                <a:latin typeface="Arial" charset="0"/>
-                <a:ea typeface="Arial" charset="0"/>
-                <a:cs typeface="Arial" charset="0"/>
-                <a:sym typeface="Cabin"/>
-              </a:rPr>
-              <a:t>a handle use to manipulate the file</a:t>
+              <a:t>retorna un manejador que se usa para manipular el archivo</a:t>
             </a:r>
           </a:p>
           <a:p>
@@ -8291,7 +8609,7 @@
               <a:buFont typeface="Cabin"/>
             </a:pPr>
             <a:r>
-              <a:rPr lang="en-US" sz="3600" u="none" strike="noStrike" cap="none" dirty="0">
+              <a:rPr lang="es-419" dirty="0" err="1">
                 <a:solidFill>
                   <a:srgbClr val="00FFFF"/>
                 </a:solidFill>
@@ -8300,20 +8618,35 @@
                 <a:cs typeface="Arial" charset="0"/>
                 <a:sym typeface="Cabin"/>
               </a:rPr>
-              <a:t>filename is a string</a:t>
-            </a:r>
-          </a:p>
-          <a:p>
-            <a:pPr marL="1041400" marR="0" lvl="1" indent="-371094" algn="l" rtl="0">
-              <a:lnSpc>
-                <a:spcPct val="100000"/>
-              </a:lnSpc>
+              <a:t>nombrearchivo</a:t>
+            </a:r>
+            <a:r>
+              <a:rPr lang="es-419" dirty="0">
+                <a:solidFill>
+                  <a:srgbClr val="00FFFF"/>
+                </a:solidFill>
+                <a:latin typeface="Arial" charset="0"/>
+                <a:ea typeface="Arial" charset="0"/>
+                <a:cs typeface="Arial" charset="0"/>
+                <a:sym typeface="Cabin"/>
+              </a:rPr>
+              <a:t> es el nombre del archivo</a:t>
+            </a:r>
+            <a:endParaRPr lang="es-419" sz="3600" u="none" strike="noStrike" cap="none" dirty="0">
+              <a:solidFill>
+                <a:srgbClr val="00FFFF"/>
+              </a:solidFill>
+              <a:latin typeface="Arial" charset="0"/>
+              <a:ea typeface="Arial" charset="0"/>
+              <a:cs typeface="Arial" charset="0"/>
+              <a:sym typeface="Cabin"/>
+            </a:endParaRPr>
+          </a:p>
+          <a:p>
+            <a:pPr marL="1041400" lvl="1" indent="-371094">
               <a:spcBef>
                 <a:spcPts val="3500"/>
               </a:spcBef>
-              <a:spcAft>
-                <a:spcPts val="0"/>
-              </a:spcAft>
               <a:buClr>
                 <a:srgbClr val="FFFF00"/>
               </a:buClr>
@@ -8321,7 +8654,7 @@
               <a:buFont typeface="Cabin"/>
             </a:pPr>
             <a:r>
-              <a:rPr lang="en-US" sz="3600" u="none" strike="noStrike" cap="none" dirty="0">
+              <a:rPr lang="es-419" sz="3600" u="none" strike="noStrike" cap="none" dirty="0">
                 <a:solidFill>
                   <a:srgbClr val="FFFF00"/>
                 </a:solidFill>
@@ -8330,7 +8663,31 @@
                 <a:cs typeface="Arial" charset="0"/>
                 <a:sym typeface="Cabin"/>
               </a:rPr>
-              <a:t>mode is optional and should be 'r' if we are planning to read the file and 'w' if we are going to write to the file</a:t>
+              <a:t>modo es opcional y debería ser 'r' si estamos planeando leer el archivo, </a:t>
+            </a:r>
+            <a:r>
+              <a:rPr lang="es-419" dirty="0">
+                <a:solidFill>
+                  <a:srgbClr val="FFFF00"/>
+                </a:solidFill>
+                <a:latin typeface="Arial" charset="0"/>
+                <a:ea typeface="Arial" charset="0"/>
+                <a:cs typeface="Arial" charset="0"/>
+                <a:sym typeface="Cabin"/>
+              </a:rPr>
+              <a:t>y 'w' </a:t>
+            </a:r>
+            <a:r>
+              <a:rPr lang="es-419" sz="3600" u="none" strike="noStrike" cap="none" dirty="0">
+                <a:solidFill>
+                  <a:srgbClr val="FFFF00"/>
+                </a:solidFill>
+                <a:latin typeface="Arial" charset="0"/>
+                <a:ea typeface="Arial" charset="0"/>
+                <a:cs typeface="Arial" charset="0"/>
+                <a:sym typeface="Cabin"/>
+              </a:rPr>
+              <a:t>si vamos a escribir al archivo</a:t>
             </a:r>
           </a:p>
         </p:txBody>
@@ -8343,7 +8700,7 @@
         </p:nvSpPr>
         <p:spPr>
           <a:xfrm>
-            <a:off x="9262892" y="2645645"/>
+            <a:off x="10006184" y="2145932"/>
             <a:ext cx="5829299" cy="622199"/>
           </a:xfrm>
           <a:prstGeom prst="rect">
@@ -8378,7 +8735,7 @@
               <a:buNone/>
             </a:pPr>
             <a:r>
-              <a:rPr lang="en-US" sz="3600" u="none" strike="noStrike" cap="none">
+              <a:rPr lang="es-419" sz="3600" dirty="0" err="1">
                 <a:solidFill>
                   <a:srgbClr val="FF7F00"/>
                 </a:solidFill>
@@ -8387,82 +8744,94 @@
                 <a:cs typeface="Arial" charset="0"/>
                 <a:sym typeface="Cabin"/>
               </a:rPr>
-              <a:t>fhand</a:t>
-            </a:r>
-            <a:r>
-              <a:rPr lang="en-US" sz="3600" u="none" strike="noStrike" cap="none">
-                <a:solidFill>
-                  <a:schemeClr val="lt1"/>
+              <a:t>m</a:t>
+            </a:r>
+            <a:r>
+              <a:rPr lang="es-419" sz="3600" u="none" strike="noStrike" cap="none" dirty="0" err="1">
+                <a:solidFill>
+                  <a:srgbClr val="FF7F00"/>
                 </a:solidFill>
                 <a:latin typeface="Arial" charset="0"/>
                 <a:ea typeface="Arial" charset="0"/>
                 <a:cs typeface="Arial" charset="0"/>
                 <a:sym typeface="Cabin"/>
               </a:rPr>
-              <a:t> = </a:t>
-            </a:r>
-            <a:r>
-              <a:rPr lang="en-US" sz="3600" u="none" strike="noStrike" cap="none">
-                <a:solidFill>
-                  <a:srgbClr val="FF00FF"/>
+              <a:t>an_a</a:t>
+            </a:r>
+            <a:r>
+              <a:rPr lang="es-419" sz="3600" u="none" strike="noStrike" cap="none" dirty="0">
+                <a:solidFill>
+                  <a:schemeClr val="lt1"/>
                 </a:solidFill>
                 <a:latin typeface="Arial" charset="0"/>
                 <a:ea typeface="Arial" charset="0"/>
                 <a:cs typeface="Arial" charset="0"/>
                 <a:sym typeface="Cabin"/>
               </a:rPr>
-              <a:t>open</a:t>
-            </a:r>
-            <a:r>
-              <a:rPr lang="en-US" sz="3600" u="none" strike="noStrike" cap="none">
-                <a:solidFill>
-                  <a:schemeClr val="lt1"/>
+              <a:t> = </a:t>
+            </a:r>
+            <a:r>
+              <a:rPr lang="es-419" sz="3600" u="none" strike="noStrike" cap="none" dirty="0">
+                <a:solidFill>
+                  <a:srgbClr val="FF00FF"/>
                 </a:solidFill>
                 <a:latin typeface="Arial" charset="0"/>
                 <a:ea typeface="Arial" charset="0"/>
                 <a:cs typeface="Arial" charset="0"/>
                 <a:sym typeface="Cabin"/>
               </a:rPr>
-              <a:t>('</a:t>
-            </a:r>
-            <a:r>
-              <a:rPr lang="en-US" sz="3600" u="none" strike="noStrike" cap="none">
-                <a:solidFill>
-                  <a:srgbClr val="00FFFF"/>
+              <a:t>open</a:t>
+            </a:r>
+            <a:r>
+              <a:rPr lang="es-419" sz="3600" u="none" strike="noStrike" cap="none" dirty="0">
+                <a:solidFill>
+                  <a:schemeClr val="lt1"/>
                 </a:solidFill>
                 <a:latin typeface="Arial" charset="0"/>
                 <a:ea typeface="Arial" charset="0"/>
                 <a:cs typeface="Arial" charset="0"/>
                 <a:sym typeface="Cabin"/>
               </a:rPr>
-              <a:t>mbox.txt</a:t>
-            </a:r>
-            <a:r>
-              <a:rPr lang="en-US" sz="3600" u="none" strike="noStrike" cap="none">
-                <a:solidFill>
-                  <a:schemeClr val="lt1"/>
+              <a:t>('</a:t>
+            </a:r>
+            <a:r>
+              <a:rPr lang="es-419" sz="3600" u="none" strike="noStrike" cap="none" dirty="0">
+                <a:solidFill>
+                  <a:srgbClr val="00FFFF"/>
                 </a:solidFill>
                 <a:latin typeface="Arial" charset="0"/>
                 <a:ea typeface="Arial" charset="0"/>
                 <a:cs typeface="Arial" charset="0"/>
                 <a:sym typeface="Cabin"/>
               </a:rPr>
-              <a:t>', '</a:t>
-            </a:r>
-            <a:r>
-              <a:rPr lang="en-US" sz="3600" u="none" strike="noStrike" cap="none">
-                <a:solidFill>
-                  <a:srgbClr val="FFFF00"/>
+              <a:t>mbox.txt</a:t>
+            </a:r>
+            <a:r>
+              <a:rPr lang="es-419" sz="3600" u="none" strike="noStrike" cap="none" dirty="0">
+                <a:solidFill>
+                  <a:schemeClr val="lt1"/>
                 </a:solidFill>
                 <a:latin typeface="Arial" charset="0"/>
                 <a:ea typeface="Arial" charset="0"/>
                 <a:cs typeface="Arial" charset="0"/>
                 <a:sym typeface="Cabin"/>
               </a:rPr>
+              <a:t>', '</a:t>
+            </a:r>
+            <a:r>
+              <a:rPr lang="es-419" sz="3600" u="none" strike="noStrike" cap="none" dirty="0">
+                <a:solidFill>
+                  <a:srgbClr val="FFFF00"/>
+                </a:solidFill>
+                <a:latin typeface="Arial" charset="0"/>
+                <a:ea typeface="Arial" charset="0"/>
+                <a:cs typeface="Arial" charset="0"/>
+                <a:sym typeface="Cabin"/>
+              </a:rPr>
               <a:t>r</a:t>
             </a:r>
             <a:r>
-              <a:rPr lang="en-US" sz="3600" u="none" strike="noStrike" cap="none">
+              <a:rPr lang="es-419" sz="3600" u="none" strike="noStrike" cap="none" dirty="0">
                 <a:solidFill>
                   <a:schemeClr val="lt1"/>
                 </a:solidFill>
@@ -8481,13 +8850,6 @@
   <p:clrMapOvr>
     <a:masterClrMapping/>
   </p:clrMapOvr>
-  <p:timing>
-    <p:tnLst>
-      <p:par>
-        <p:cTn id="1" dur="indefinite" restart="never" nodeType="tmRoot"/>
-      </p:par>
-    </p:tnLst>
-  </p:timing>
 </p:sld>
 </file>
 
@@ -8555,7 +8917,7 @@
               <a:buNone/>
             </a:pPr>
             <a:r>
-              <a:rPr lang="en-US" sz="7600" u="none" strike="noStrike" cap="none" dirty="0">
+              <a:rPr lang="es-419" sz="7600">
                 <a:solidFill>
                   <a:srgbClr val="FFFF00"/>
                 </a:solidFill>
@@ -8564,7 +8926,19 @@
                 <a:cs typeface="Arial" charset="0"/>
                 <a:sym typeface="Cabin"/>
               </a:rPr>
-              <a:t>What is a Handle?</a:t>
+              <a:t>¿Qué es un Manejador</a:t>
+            </a:r>
+            <a:r>
+              <a:rPr lang="es-419" sz="7600" u="none" strike="noStrike" cap="none">
+                <a:solidFill>
+                  <a:srgbClr val="FFFF00"/>
+                </a:solidFill>
+                <a:latin typeface="Arial" charset="0"/>
+                <a:ea typeface="Arial" charset="0"/>
+                <a:cs typeface="Arial" charset="0"/>
+                <a:sym typeface="Cabin"/>
+              </a:rPr>
+              <a:t>?</a:t>
             </a:r>
           </a:p>
         </p:txBody>
@@ -8612,7 +8986,7 @@
               <a:buNone/>
             </a:pPr>
             <a:r>
-              <a:rPr lang="en-US" sz="2800" b="1" i="0" u="none" strike="noStrike" cap="none" dirty="0">
+              <a:rPr lang="es-419" sz="2800" b="1" i="0" u="none" strike="noStrike" cap="none">
                 <a:solidFill>
                   <a:schemeClr val="lt1"/>
                 </a:solidFill>
@@ -8624,7 +8998,7 @@
               <a:t>&gt;&gt;&gt; </a:t>
             </a:r>
             <a:r>
-              <a:rPr lang="en-US" sz="2800" b="1" i="0" u="none" strike="noStrike" cap="none" dirty="0" err="1">
+              <a:rPr lang="es-419" sz="2800" b="1" i="0" u="none" strike="noStrike" cap="none">
                 <a:solidFill>
                   <a:srgbClr val="00FF00"/>
                 </a:solidFill>
@@ -8633,10 +9007,10 @@
                 <a:cs typeface="Courier New"/>
                 <a:sym typeface="Courier New"/>
               </a:rPr>
-              <a:t>fhand</a:t>
-            </a:r>
-            <a:r>
-              <a:rPr lang="en-US" sz="2800" b="1" i="0" u="none" strike="noStrike" cap="none" dirty="0">
+              <a:t>man_a</a:t>
+            </a:r>
+            <a:r>
+              <a:rPr lang="es-419" sz="2800" b="1" i="0" u="none" strike="noStrike" cap="none">
                 <a:solidFill>
                   <a:schemeClr val="lt1"/>
                 </a:solidFill>
@@ -8648,7 +9022,7 @@
               <a:t> = </a:t>
             </a:r>
             <a:r>
-              <a:rPr lang="en-US" sz="2800" b="1" i="0" u="none" strike="noStrike" cap="none" dirty="0">
+              <a:rPr lang="es-419" sz="2800" b="1" i="0" u="none" strike="noStrike" cap="none">
                 <a:solidFill>
                   <a:srgbClr val="FF7F00"/>
                 </a:solidFill>
@@ -8660,7 +9034,7 @@
               <a:t>open</a:t>
             </a:r>
             <a:r>
-              <a:rPr lang="en-US" sz="2800" b="1" i="0" u="none" strike="noStrike" cap="none" dirty="0">
+              <a:rPr lang="es-419" sz="2800" b="1" i="0" u="none" strike="noStrike" cap="none">
                 <a:solidFill>
                   <a:schemeClr val="lt1"/>
                 </a:solidFill>
@@ -8672,7 +9046,7 @@
               <a:t>(</a:t>
             </a:r>
             <a:r>
-              <a:rPr lang="en-US" sz="2800" b="1" i="0" u="none" strike="noStrike" cap="none" dirty="0">
+              <a:rPr lang="es-419" sz="2800" b="1" i="0" u="none" strike="noStrike" cap="none">
                 <a:solidFill>
                   <a:srgbClr val="FF7F00"/>
                 </a:solidFill>
@@ -8681,34 +9055,10 @@
                 <a:cs typeface="Courier New"/>
                 <a:sym typeface="Courier New"/>
               </a:rPr>
-              <a:t>'</a:t>
-            </a:r>
-            <a:r>
-              <a:rPr lang="en-US" sz="2800" b="1" i="0" u="none" strike="noStrike" cap="none" dirty="0" err="1">
-                <a:solidFill>
-                  <a:srgbClr val="FF7F00"/>
-                </a:solidFill>
-                <a:latin typeface="Courier New"/>
-                <a:ea typeface="Courier New"/>
-                <a:cs typeface="Courier New"/>
-                <a:sym typeface="Courier New"/>
-              </a:rPr>
-              <a:t>mbox.txt</a:t>
-            </a:r>
-            <a:r>
-              <a:rPr lang="en-US" sz="2800" b="1" i="0" u="none" strike="noStrike" cap="none" dirty="0">
-                <a:solidFill>
-                  <a:srgbClr val="FF7F00"/>
-                </a:solidFill>
-                <a:latin typeface="Courier New"/>
-                <a:ea typeface="Courier New"/>
-                <a:cs typeface="Courier New"/>
-                <a:sym typeface="Courier New"/>
-              </a:rPr>
-              <a:t>'</a:t>
-            </a:r>
-            <a:r>
-              <a:rPr lang="en-US" sz="2800" b="1" i="0" u="none" strike="noStrike" cap="none" dirty="0">
+              <a:t>'mbox.txt'</a:t>
+            </a:r>
+            <a:r>
+              <a:rPr lang="es-419" sz="2800" b="1" i="0" u="none" strike="noStrike" cap="none">
                 <a:solidFill>
                   <a:schemeClr val="lt1"/>
                 </a:solidFill>
@@ -8728,7 +9078,7 @@
               <a:buSzPct val="25000"/>
             </a:pPr>
             <a:r>
-              <a:rPr lang="en-US" sz="2800" b="1" i="0" u="none" strike="noStrike" cap="none" dirty="0">
+              <a:rPr lang="es-419" sz="2800" b="1" i="0" u="none" strike="noStrike" cap="none">
                 <a:solidFill>
                   <a:schemeClr val="lt1"/>
                 </a:solidFill>
@@ -8740,7 +9090,7 @@
               <a:t>&gt;&gt;&gt; </a:t>
             </a:r>
             <a:r>
-              <a:rPr lang="en-US" sz="2800" b="1" i="0" u="none" strike="noStrike" cap="none" dirty="0" smtClean="0">
+              <a:rPr lang="es-419" sz="2800" b="1" i="0" u="none" strike="noStrike" cap="none">
                 <a:solidFill>
                   <a:srgbClr val="FFFF00"/>
                 </a:solidFill>
@@ -8752,7 +9102,7 @@
               <a:t>print(</a:t>
             </a:r>
             <a:r>
-              <a:rPr lang="en-US" sz="2800" b="1" i="0" u="none" strike="noStrike" cap="none" dirty="0" err="1" smtClean="0">
+              <a:rPr lang="es-419" sz="2800" b="1" i="0" u="none" strike="noStrike" cap="none">
                 <a:solidFill>
                   <a:srgbClr val="FF00FF"/>
                 </a:solidFill>
@@ -8761,10 +9111,10 @@
                 <a:cs typeface="Courier New"/>
                 <a:sym typeface="Courier New"/>
               </a:rPr>
-              <a:t>fhand</a:t>
-            </a:r>
-            <a:r>
-              <a:rPr lang="en-US" sz="2800" b="1" dirty="0" smtClean="0">
+              <a:t>man_a</a:t>
+            </a:r>
+            <a:r>
+              <a:rPr lang="es-419" sz="2800" b="1">
                 <a:solidFill>
                   <a:srgbClr val="FFFF00"/>
                 </a:solidFill>
@@ -8775,7 +9125,7 @@
               </a:rPr>
               <a:t>)</a:t>
             </a:r>
-            <a:endParaRPr lang="en-US" sz="2800" b="1" i="0" u="none" strike="noStrike" cap="none" dirty="0">
+            <a:endParaRPr lang="es-419" sz="2800" b="1" i="0" u="none" strike="noStrike" cap="none">
               <a:solidFill>
                 <a:srgbClr val="FF00FF"/>
               </a:solidFill>
@@ -8793,7 +9143,7 @@
               <a:buSzPct val="25000"/>
             </a:pPr>
             <a:r>
-              <a:rPr lang="en-US" sz="2800" b="1" dirty="0" smtClean="0">
+              <a:rPr lang="es-419" sz="2800" b="1">
                 <a:solidFill>
                   <a:schemeClr val="lt1"/>
                 </a:solidFill>
@@ -8802,81 +9152,9 @@
                 <a:cs typeface="Courier New"/>
                 <a:sym typeface="Courier New"/>
               </a:rPr>
-              <a:t>&lt;_</a:t>
-            </a:r>
-            <a:r>
-              <a:rPr lang="en-US" sz="2800" b="1" dirty="0" err="1">
-                <a:solidFill>
-                  <a:schemeClr val="lt1"/>
-                </a:solidFill>
-                <a:latin typeface="Courier New"/>
-                <a:ea typeface="Courier New"/>
-                <a:cs typeface="Courier New"/>
-                <a:sym typeface="Courier New"/>
-              </a:rPr>
-              <a:t>io.TextIOWrapper</a:t>
-            </a:r>
-            <a:r>
-              <a:rPr lang="en-US" sz="2800" b="1" dirty="0">
-                <a:solidFill>
-                  <a:schemeClr val="lt1"/>
-                </a:solidFill>
-                <a:latin typeface="Courier New"/>
-                <a:ea typeface="Courier New"/>
-                <a:cs typeface="Courier New"/>
-                <a:sym typeface="Courier New"/>
-              </a:rPr>
-              <a:t> name=</a:t>
-            </a:r>
-            <a:r>
-              <a:rPr lang="en-US" sz="2800" b="1" dirty="0" smtClean="0">
-                <a:solidFill>
-                  <a:schemeClr val="lt1"/>
-                </a:solidFill>
-                <a:latin typeface="Courier New"/>
-                <a:ea typeface="Courier New"/>
-                <a:cs typeface="Courier New"/>
-                <a:sym typeface="Courier New"/>
-              </a:rPr>
-              <a:t>'</a:t>
-            </a:r>
-            <a:r>
-              <a:rPr lang="en-US" sz="2800" b="1" dirty="0" err="1" smtClean="0">
-                <a:solidFill>
-                  <a:schemeClr val="lt1"/>
-                </a:solidFill>
-                <a:latin typeface="Courier New"/>
-                <a:ea typeface="Courier New"/>
-                <a:cs typeface="Courier New"/>
-                <a:sym typeface="Courier New"/>
-              </a:rPr>
-              <a:t>mbox.txt</a:t>
-            </a:r>
-            <a:r>
-              <a:rPr lang="en-US" sz="2800" b="1" dirty="0" smtClean="0">
-                <a:solidFill>
-                  <a:schemeClr val="lt1"/>
-                </a:solidFill>
-                <a:latin typeface="Courier New"/>
-                <a:ea typeface="Courier New"/>
-                <a:cs typeface="Courier New"/>
-                <a:sym typeface="Courier New"/>
-              </a:rPr>
-              <a:t>' </a:t>
-            </a:r>
-            <a:r>
-              <a:rPr lang="en-US" sz="2800" b="1" dirty="0">
-                <a:solidFill>
-                  <a:schemeClr val="lt1"/>
-                </a:solidFill>
-                <a:latin typeface="Courier New"/>
-                <a:ea typeface="Courier New"/>
-                <a:cs typeface="Courier New"/>
-                <a:sym typeface="Courier New"/>
-              </a:rPr>
-              <a:t>mode='r' encoding='UTF-8'&gt;</a:t>
-            </a:r>
-            <a:endParaRPr lang="en-US" sz="2800" b="1" i="0" u="none" strike="noStrike" cap="none" dirty="0">
+              <a:t>&lt;_io.TextIOWrapper name='mbox.txt' mode='r' encoding='UTF-8'&gt;</a:t>
+            </a:r>
+            <a:endParaRPr lang="es-419" sz="2800" b="1" i="0" u="none" strike="noStrike" cap="none">
               <a:solidFill>
                 <a:schemeClr val="lt1"/>
               </a:solidFill>
@@ -8890,29 +9168,32 @@
       </p:sp>
       <p:pic>
         <p:nvPicPr>
-          <p:cNvPr id="255" name="Shape 255"/>
-          <p:cNvPicPr preferRelativeResize="0"/>
+          <p:cNvPr id="2" name="Picture 1">
+            <a:extLst>
+              <a:ext uri="{FF2B5EF4-FFF2-40B4-BE49-F238E27FC236}">
+                <a16:creationId xmlns:a16="http://schemas.microsoft.com/office/drawing/2014/main" id="{FBED7887-6842-480C-81C8-03B8334B187D}"/>
+              </a:ext>
+            </a:extLst>
+          </p:cNvPr>
+          <p:cNvPicPr>
+            <a:picLocks noChangeAspect="1"/>
+          </p:cNvPicPr>
           <p:nvPr/>
         </p:nvPicPr>
-        <p:blipFill rotWithShape="1">
-          <a:blip r:embed="rId3">
-            <a:alphaModFix/>
-          </a:blip>
-          <a:srcRect/>
-          <a:stretch/>
+        <p:blipFill>
+          <a:blip r:embed="rId3"/>
+          <a:stretch>
+            <a:fillRect/>
+          </a:stretch>
         </p:blipFill>
         <p:spPr>
           <a:xfrm>
-            <a:off x="7915276" y="4438651"/>
-            <a:ext cx="7072312" cy="3462338"/>
+            <a:off x="7606723" y="4571999"/>
+            <a:ext cx="7277100" cy="3648075"/>
           </a:xfrm>
           <a:prstGeom prst="rect">
             <a:avLst/>
           </a:prstGeom>
-          <a:noFill/>
-          <a:ln>
-            <a:noFill/>
-          </a:ln>
         </p:spPr>
       </p:pic>
     </p:spTree>
@@ -8920,13 +9201,6 @@
   <p:clrMapOvr>
     <a:masterClrMapping/>
   </p:clrMapOvr>
-  <p:timing>
-    <p:tnLst>
-      <p:par>
-        <p:cTn id="1" dur="indefinite" restart="never" nodeType="tmRoot"/>
-      </p:par>
-    </p:tnLst>
-  </p:timing>
 </p:sld>
 </file>
 
@@ -8990,7 +9264,7 @@
               <a:buNone/>
             </a:pPr>
             <a:r>
-              <a:rPr lang="en-US" sz="7600" u="none" strike="noStrike" cap="none">
+              <a:rPr lang="es-419" sz="7600" u="none" strike="noStrike" cap="none">
                 <a:solidFill>
                   <a:srgbClr val="FFFF00"/>
                 </a:solidFill>
@@ -8999,7 +9273,7 @@
                 <a:cs typeface="Arial" charset="0"/>
                 <a:sym typeface="Cabin"/>
               </a:rPr>
-              <a:t>When Files are Missing</a:t>
+              <a:t>Cuando un archivo no existe</a:t>
             </a:r>
           </a:p>
         </p:txBody>
@@ -9029,6 +9303,110 @@
           </a:bodyPr>
           <a:lstStyle/>
           <a:p>
+            <a:pPr lvl="0">
+              <a:buClr>
+                <a:schemeClr val="lt1"/>
+              </a:buClr>
+              <a:buSzPct val="25000"/>
+            </a:pPr>
+            <a:r>
+              <a:rPr lang="es-419" sz="3600" b="1" i="0" u="none" strike="noStrike" cap="none" dirty="0">
+                <a:solidFill>
+                  <a:schemeClr val="lt1"/>
+                </a:solidFill>
+                <a:latin typeface="Courier New"/>
+                <a:ea typeface="Courier New"/>
+                <a:cs typeface="Courier New"/>
+                <a:sym typeface="Courier New"/>
+              </a:rPr>
+              <a:t>&gt;&gt;&gt; </a:t>
+            </a:r>
+            <a:r>
+              <a:rPr lang="es-419" sz="3600" b="1" i="0" u="none" strike="noStrike" cap="none" dirty="0" err="1">
+                <a:solidFill>
+                  <a:srgbClr val="00FF00"/>
+                </a:solidFill>
+                <a:latin typeface="Courier New"/>
+                <a:ea typeface="Courier New"/>
+                <a:cs typeface="Courier New"/>
+                <a:sym typeface="Courier New"/>
+              </a:rPr>
+              <a:t>man_a</a:t>
+            </a:r>
+            <a:r>
+              <a:rPr lang="es-419" sz="3600" b="1" i="0" u="none" strike="noStrike" cap="none" dirty="0">
+                <a:solidFill>
+                  <a:schemeClr val="lt1"/>
+                </a:solidFill>
+                <a:latin typeface="Courier New"/>
+                <a:ea typeface="Courier New"/>
+                <a:cs typeface="Courier New"/>
+                <a:sym typeface="Courier New"/>
+              </a:rPr>
+              <a:t> = </a:t>
+            </a:r>
+            <a:r>
+              <a:rPr lang="es-419" sz="3600" b="1" i="0" u="none" strike="noStrike" cap="none" dirty="0">
+                <a:solidFill>
+                  <a:srgbClr val="FF00FF"/>
+                </a:solidFill>
+                <a:latin typeface="Courier New"/>
+                <a:ea typeface="Courier New"/>
+                <a:cs typeface="Courier New"/>
+                <a:sym typeface="Courier New"/>
+              </a:rPr>
+              <a:t>open</a:t>
+            </a:r>
+            <a:r>
+              <a:rPr lang="es-419" sz="3600" b="1" i="0" u="none" strike="noStrike" cap="none" dirty="0">
+                <a:solidFill>
+                  <a:schemeClr val="lt1"/>
+                </a:solidFill>
+                <a:latin typeface="Courier New"/>
+                <a:ea typeface="Courier New"/>
+                <a:cs typeface="Courier New"/>
+                <a:sym typeface="Courier New"/>
+              </a:rPr>
+              <a:t>(</a:t>
+            </a:r>
+            <a:r>
+              <a:rPr lang="es-419" sz="3600" b="1" dirty="0">
+                <a:solidFill>
+                  <a:srgbClr val="FF7F00"/>
+                </a:solidFill>
+                <a:latin typeface="Courier New"/>
+                <a:ea typeface="Courier New"/>
+                <a:cs typeface="Courier New"/>
+                <a:sym typeface="Courier New"/>
+              </a:rPr>
+              <a:t>'cosa</a:t>
+            </a:r>
+            <a:r>
+              <a:rPr lang="es-419" sz="3600" b="1" i="0" u="none" strike="noStrike" cap="none" dirty="0">
+                <a:solidFill>
+                  <a:srgbClr val="FF7F00"/>
+                </a:solidFill>
+                <a:latin typeface="Courier New"/>
+                <a:ea typeface="Courier New"/>
+                <a:cs typeface="Courier New"/>
+                <a:sym typeface="Courier New"/>
+              </a:rPr>
+              <a:t>.txt'</a:t>
+            </a:r>
+            <a:r>
+              <a:rPr lang="es-419" sz="3600" b="1" i="0" u="none" strike="noStrike" cap="none" dirty="0">
+                <a:solidFill>
+                  <a:schemeClr val="lt1"/>
+                </a:solidFill>
+                <a:latin typeface="Courier New"/>
+                <a:ea typeface="Courier New"/>
+                <a:cs typeface="Courier New"/>
+                <a:sym typeface="Courier New"/>
+              </a:rPr>
+              <a:t>)</a:t>
+            </a:r>
+          </a:p>
+          <a:p>
             <a:pPr marL="0" marR="0" lvl="0" indent="0" algn="l" rtl="0">
               <a:lnSpc>
                 <a:spcPct val="100000"/>
@@ -9047,7 +9425,7 @@
               <a:buNone/>
             </a:pPr>
             <a:r>
-              <a:rPr lang="en-US" sz="3600" b="1" i="0" u="none" strike="noStrike" cap="none" dirty="0">
+              <a:rPr lang="es-419" sz="3600" b="1" i="0" u="none" strike="noStrike" cap="none" dirty="0" err="1">
                 <a:solidFill>
                   <a:schemeClr val="lt1"/>
                 </a:solidFill>
@@ -9056,22 +9434,10 @@
                 <a:cs typeface="Courier New"/>
                 <a:sym typeface="Courier New"/>
               </a:rPr>
-              <a:t>&gt;&gt;&gt; </a:t>
-            </a:r>
-            <a:r>
-              <a:rPr lang="en-US" sz="3600" b="1" i="0" u="none" strike="noStrike" cap="none" dirty="0" err="1">
-                <a:solidFill>
-                  <a:srgbClr val="00FF00"/>
-                </a:solidFill>
-                <a:latin typeface="Courier New"/>
-                <a:ea typeface="Courier New"/>
-                <a:cs typeface="Courier New"/>
-                <a:sym typeface="Courier New"/>
-              </a:rPr>
-              <a:t>fhand</a:t>
-            </a:r>
-            <a:r>
-              <a:rPr lang="en-US" sz="3600" b="1" i="0" u="none" strike="noStrike" cap="none" dirty="0">
+              <a:t>Traceback</a:t>
+            </a:r>
+            <a:r>
+              <a:rPr lang="es-419" sz="3600" b="1" i="0" u="none" strike="noStrike" cap="none" dirty="0">
                 <a:solidFill>
                   <a:schemeClr val="lt1"/>
                 </a:solidFill>
@@ -9080,22 +9446,10 @@
                 <a:cs typeface="Courier New"/>
                 <a:sym typeface="Courier New"/>
               </a:rPr>
-              <a:t> = </a:t>
-            </a:r>
-            <a:r>
-              <a:rPr lang="en-US" sz="3600" b="1" i="0" u="none" strike="noStrike" cap="none" dirty="0">
-                <a:solidFill>
-                  <a:srgbClr val="FF00FF"/>
-                </a:solidFill>
-                <a:latin typeface="Courier New"/>
-                <a:ea typeface="Courier New"/>
-                <a:cs typeface="Courier New"/>
-                <a:sym typeface="Courier New"/>
-              </a:rPr>
-              <a:t>open</a:t>
-            </a:r>
-            <a:r>
-              <a:rPr lang="en-US" sz="3600" b="1" i="0" u="none" strike="noStrike" cap="none" dirty="0">
+              <a:t> (</a:t>
+            </a:r>
+            <a:r>
+              <a:rPr lang="es-419" sz="3600" b="1" i="0" u="none" strike="noStrike" cap="none" dirty="0" err="1">
                 <a:solidFill>
                   <a:schemeClr val="lt1"/>
                 </a:solidFill>
@@ -9104,34 +9458,10 @@
                 <a:cs typeface="Courier New"/>
                 <a:sym typeface="Courier New"/>
               </a:rPr>
-              <a:t>('</a:t>
-            </a:r>
-            <a:r>
-              <a:rPr lang="en-US" sz="3600" b="1" i="0" u="none" strike="noStrike" cap="none" dirty="0" err="1">
-                <a:solidFill>
-                  <a:srgbClr val="FF7F00"/>
-                </a:solidFill>
-                <a:latin typeface="Courier New"/>
-                <a:ea typeface="Courier New"/>
-                <a:cs typeface="Courier New"/>
-                <a:sym typeface="Courier New"/>
-              </a:rPr>
-              <a:t>stuff.txt</a:t>
-            </a:r>
-            <a:r>
-              <a:rPr lang="en-US" sz="3600" b="1" i="0" u="none" strike="noStrike" cap="none" dirty="0">
-                <a:solidFill>
-                  <a:srgbClr val="FF7F00"/>
-                </a:solidFill>
-                <a:latin typeface="Courier New"/>
-                <a:ea typeface="Courier New"/>
-                <a:cs typeface="Courier New"/>
-                <a:sym typeface="Courier New"/>
-              </a:rPr>
-              <a:t>'</a:t>
-            </a:r>
-            <a:r>
-              <a:rPr lang="en-US" sz="3600" b="1" i="0" u="none" strike="noStrike" cap="none" dirty="0">
+              <a:t>most</a:t>
+            </a:r>
+            <a:r>
+              <a:rPr lang="es-419" sz="3600" b="1" i="0" u="none" strike="noStrike" cap="none" dirty="0">
                 <a:solidFill>
                   <a:schemeClr val="lt1"/>
                 </a:solidFill>
@@ -9140,7 +9470,79 @@
                 <a:cs typeface="Courier New"/>
                 <a:sym typeface="Courier New"/>
               </a:rPr>
-              <a:t>)</a:t>
+              <a:t> </a:t>
+            </a:r>
+            <a:r>
+              <a:rPr lang="es-419" sz="3600" b="1" i="0" u="none" strike="noStrike" cap="none" dirty="0" err="1">
+                <a:solidFill>
+                  <a:schemeClr val="lt1"/>
+                </a:solidFill>
+                <a:latin typeface="Courier New"/>
+                <a:ea typeface="Courier New"/>
+                <a:cs typeface="Courier New"/>
+                <a:sym typeface="Courier New"/>
+              </a:rPr>
+              <a:t>recent</a:t>
+            </a:r>
+            <a:r>
+              <a:rPr lang="es-419" sz="3600" b="1" i="0" u="none" strike="noStrike" cap="none" dirty="0">
+                <a:solidFill>
+                  <a:schemeClr val="lt1"/>
+                </a:solidFill>
+                <a:latin typeface="Courier New"/>
+                <a:ea typeface="Courier New"/>
+                <a:cs typeface="Courier New"/>
+                <a:sym typeface="Courier New"/>
+              </a:rPr>
+              <a:t> </a:t>
+            </a:r>
+            <a:r>
+              <a:rPr lang="es-419" sz="3600" b="1" i="0" u="none" strike="noStrike" cap="none" dirty="0" err="1">
+                <a:solidFill>
+                  <a:schemeClr val="lt1"/>
+                </a:solidFill>
+                <a:latin typeface="Courier New"/>
+                <a:ea typeface="Courier New"/>
+                <a:cs typeface="Courier New"/>
+                <a:sym typeface="Courier New"/>
+              </a:rPr>
+              <a:t>call</a:t>
+            </a:r>
+            <a:r>
+              <a:rPr lang="es-419" sz="3600" b="1" i="0" u="none" strike="noStrike" cap="none" dirty="0">
+                <a:solidFill>
+                  <a:schemeClr val="lt1"/>
+                </a:solidFill>
+                <a:latin typeface="Courier New"/>
+                <a:ea typeface="Courier New"/>
+                <a:cs typeface="Courier New"/>
+                <a:sym typeface="Courier New"/>
+              </a:rPr>
+              <a:t> </a:t>
+            </a:r>
+            <a:r>
+              <a:rPr lang="es-419" sz="3600" b="1" i="0" u="none" strike="noStrike" cap="none" dirty="0" err="1">
+                <a:solidFill>
+                  <a:schemeClr val="lt1"/>
+                </a:solidFill>
+                <a:latin typeface="Courier New"/>
+                <a:ea typeface="Courier New"/>
+                <a:cs typeface="Courier New"/>
+                <a:sym typeface="Courier New"/>
+              </a:rPr>
+              <a:t>last</a:t>
+            </a:r>
+            <a:r>
+              <a:rPr lang="es-419" sz="3600" b="1" i="0" u="none" strike="noStrike" cap="none" dirty="0">
+                <a:solidFill>
+                  <a:schemeClr val="lt1"/>
+                </a:solidFill>
+                <a:latin typeface="Courier New"/>
+                <a:ea typeface="Courier New"/>
+                <a:cs typeface="Courier New"/>
+                <a:sym typeface="Courier New"/>
+              </a:rPr>
+              <a:t>):</a:t>
             </a:r>
           </a:p>
           <a:p>
@@ -9162,7 +9564,7 @@
               <a:buNone/>
             </a:pPr>
             <a:r>
-              <a:rPr lang="en-US" sz="3600" b="1" i="0" u="none" strike="noStrike" cap="none" dirty="0" err="1">
+              <a:rPr lang="es-419" sz="3600" b="1" i="0" u="none" strike="noStrike" cap="none" dirty="0">
                 <a:solidFill>
                   <a:schemeClr val="lt1"/>
                 </a:solidFill>
@@ -9171,10 +9573,10 @@
                 <a:cs typeface="Courier New"/>
                 <a:sym typeface="Courier New"/>
               </a:rPr>
-              <a:t>Traceback</a:t>
-            </a:r>
-            <a:r>
-              <a:rPr lang="en-US" sz="3600" b="1" i="0" u="none" strike="noStrike" cap="none" dirty="0">
+              <a:t>  File "&lt;</a:t>
+            </a:r>
+            <a:r>
+              <a:rPr lang="es-419" sz="3600" b="1" i="0" u="none" strike="noStrike" cap="none" dirty="0" err="1">
                 <a:solidFill>
                   <a:schemeClr val="lt1"/>
                 </a:solidFill>
@@ -9183,10 +9585,10 @@
                 <a:cs typeface="Courier New"/>
                 <a:sym typeface="Courier New"/>
               </a:rPr>
-              <a:t> (most recent call last</a:t>
-            </a:r>
-            <a:r>
-              <a:rPr lang="en-US" sz="3600" b="1" i="0" u="none" strike="noStrike" cap="none" dirty="0" smtClean="0">
+              <a:t>stdin</a:t>
+            </a:r>
+            <a:r>
+              <a:rPr lang="es-419" sz="3600" b="1" i="0" u="none" strike="noStrike" cap="none" dirty="0">
                 <a:solidFill>
                   <a:schemeClr val="lt1"/>
                 </a:solidFill>
@@ -9195,86 +9597,7 @@
                 <a:cs typeface="Courier New"/>
                 <a:sym typeface="Courier New"/>
               </a:rPr>
-              <a:t>):</a:t>
-            </a:r>
-          </a:p>
-          <a:p>
-            <a:pPr marL="0" marR="0" lvl="0" indent="0" algn="l" rtl="0">
-              <a:lnSpc>
-                <a:spcPct val="100000"/>
-              </a:lnSpc>
-              <a:spcBef>
-                <a:spcPts val="0"/>
-              </a:spcBef>
-              <a:spcAft>
-                <a:spcPts val="0"/>
-              </a:spcAft>
-              <a:buClr>
-                <a:schemeClr val="lt1"/>
-              </a:buClr>
-              <a:buSzPct val="25000"/>
-              <a:buFont typeface="Cabin"/>
-              <a:buNone/>
-            </a:pPr>
-            <a:r>
-              <a:rPr lang="en-US" sz="3600" b="1" i="0" u="none" strike="noStrike" cap="none" dirty="0" smtClean="0">
-                <a:solidFill>
-                  <a:schemeClr val="lt1"/>
-                </a:solidFill>
-                <a:latin typeface="Courier New"/>
-                <a:ea typeface="Courier New"/>
-                <a:cs typeface="Courier New"/>
-                <a:sym typeface="Courier New"/>
-              </a:rPr>
-              <a:t>  </a:t>
-            </a:r>
-            <a:r>
-              <a:rPr lang="en-US" sz="3600" b="1" i="0" u="none" strike="noStrike" cap="none" dirty="0">
-                <a:solidFill>
-                  <a:schemeClr val="lt1"/>
-                </a:solidFill>
-                <a:latin typeface="Courier New"/>
-                <a:ea typeface="Courier New"/>
-                <a:cs typeface="Courier New"/>
-                <a:sym typeface="Courier New"/>
-              </a:rPr>
-              <a:t>File "&lt;</a:t>
-            </a:r>
-            <a:r>
-              <a:rPr lang="en-US" sz="3600" b="1" i="0" u="none" strike="noStrike" cap="none" dirty="0" err="1">
-                <a:solidFill>
-                  <a:schemeClr val="lt1"/>
-                </a:solidFill>
-                <a:latin typeface="Courier New"/>
-                <a:ea typeface="Courier New"/>
-                <a:cs typeface="Courier New"/>
-                <a:sym typeface="Courier New"/>
-              </a:rPr>
-              <a:t>stdin</a:t>
-            </a:r>
-            <a:r>
-              <a:rPr lang="en-US" sz="3600" b="1" i="0" u="none" strike="noStrike" cap="none" dirty="0">
-                <a:solidFill>
-                  <a:schemeClr val="lt1"/>
-                </a:solidFill>
-                <a:latin typeface="Courier New"/>
-                <a:ea typeface="Courier New"/>
-                <a:cs typeface="Courier New"/>
-                <a:sym typeface="Courier New"/>
-              </a:rPr>
-              <a:t>&gt;", line 1, in &lt;module</a:t>
-            </a:r>
-            <a:r>
-              <a:rPr lang="en-US" sz="3600" b="1" i="0" u="none" strike="noStrike" cap="none" dirty="0" smtClean="0">
-                <a:solidFill>
-                  <a:schemeClr val="lt1"/>
-                </a:solidFill>
-                <a:latin typeface="Courier New"/>
-                <a:ea typeface="Courier New"/>
-                <a:cs typeface="Courier New"/>
-                <a:sym typeface="Courier New"/>
-              </a:rPr>
-              <a:t>&gt;</a:t>
+              <a:t>&gt;", line 1, in &lt;module&gt;</a:t>
             </a:r>
           </a:p>
           <a:p>
@@ -9285,7 +9608,7 @@
               <a:buSzPct val="25000"/>
             </a:pPr>
             <a:r>
-              <a:rPr lang="en-US" sz="3600" b="1" dirty="0" err="1">
+              <a:rPr lang="es-419" sz="3600" b="1" dirty="0" err="1">
                 <a:solidFill>
                   <a:schemeClr val="lt1"/>
                 </a:solidFill>
@@ -9297,7 +9620,7 @@
               <a:t>FileNotFoundError</a:t>
             </a:r>
             <a:r>
-              <a:rPr lang="en-US" sz="3600" b="1" dirty="0">
+              <a:rPr lang="es-419" sz="3600" b="1" dirty="0">
                 <a:solidFill>
                   <a:schemeClr val="lt1"/>
                 </a:solidFill>
@@ -9309,7 +9632,7 @@
               <a:t>: [</a:t>
             </a:r>
             <a:r>
-              <a:rPr lang="en-US" sz="3600" b="1" dirty="0" err="1">
+              <a:rPr lang="es-419" sz="3600" b="1" dirty="0" err="1">
                 <a:solidFill>
                   <a:schemeClr val="lt1"/>
                 </a:solidFill>
@@ -9321,7 +9644,7 @@
               <a:t>Errno</a:t>
             </a:r>
             <a:r>
-              <a:rPr lang="en-US" sz="3600" b="1" dirty="0">
+              <a:rPr lang="es-419" sz="3600" b="1" dirty="0">
                 <a:solidFill>
                   <a:schemeClr val="lt1"/>
                 </a:solidFill>
@@ -9330,34 +9653,70 @@
                 <a:cs typeface="Courier New"/>
                 <a:sym typeface="Courier New"/>
               </a:rPr>
+              <a:t> 2] </a:t>
+            </a:r>
+            <a:r>
+              <a:rPr lang="es-419" sz="3600" b="1" i="0" u="none" strike="noStrike" cap="none" dirty="0">
+                <a:solidFill>
+                  <a:srgbClr val="FF7F00"/>
+                </a:solidFill>
+                <a:latin typeface="Courier New"/>
+                <a:ea typeface="Courier New"/>
+                <a:cs typeface="Courier New"/>
+                <a:sym typeface="Courier New"/>
+              </a:rPr>
+              <a:t>No </a:t>
+            </a:r>
+            <a:r>
+              <a:rPr lang="es-419" sz="3600" b="1" i="0" u="none" strike="noStrike" cap="none" dirty="0" err="1">
+                <a:solidFill>
+                  <a:srgbClr val="FF7F00"/>
+                </a:solidFill>
+                <a:latin typeface="Courier New"/>
+                <a:ea typeface="Courier New"/>
+                <a:cs typeface="Courier New"/>
+                <a:sym typeface="Courier New"/>
+              </a:rPr>
+              <a:t>such</a:t>
+            </a:r>
+            <a:r>
+              <a:rPr lang="es-419" sz="3600" b="1" i="0" u="none" strike="noStrike" cap="none" dirty="0">
+                <a:solidFill>
+                  <a:srgbClr val="FF7F00"/>
+                </a:solidFill>
+                <a:latin typeface="Courier New"/>
+                <a:ea typeface="Courier New"/>
+                <a:cs typeface="Courier New"/>
+                <a:sym typeface="Courier New"/>
+              </a:rPr>
+              <a:t> file </a:t>
+            </a:r>
+            <a:r>
+              <a:rPr lang="es-419" sz="3600" b="1" i="0" u="none" strike="noStrike" cap="none" dirty="0" err="1">
+                <a:solidFill>
+                  <a:srgbClr val="FF7F00"/>
+                </a:solidFill>
+                <a:latin typeface="Courier New"/>
+                <a:ea typeface="Courier New"/>
+                <a:cs typeface="Courier New"/>
+                <a:sym typeface="Courier New"/>
+              </a:rPr>
+              <a:t>or</a:t>
+            </a:r>
+            <a:r>
+              <a:rPr lang="es-419" sz="3600" b="1" i="0" u="none" strike="noStrike" cap="none" dirty="0">
+                <a:solidFill>
+                  <a:srgbClr val="FF7F00"/>
+                </a:solidFill>
+                <a:latin typeface="Courier New"/>
+                <a:ea typeface="Courier New"/>
+                <a:cs typeface="Courier New"/>
+                <a:sym typeface="Courier New"/>
+              </a:rPr>
               <a:t> </a:t>
             </a:r>
             <a:r>
-              <a:rPr lang="en-US" sz="3600" b="1" dirty="0" smtClean="0">
-                <a:solidFill>
-                  <a:schemeClr val="lt1"/>
-                </a:solidFill>
-                <a:latin typeface="Courier New"/>
-                <a:ea typeface="Courier New"/>
-                <a:cs typeface="Courier New"/>
-                <a:sym typeface="Courier New"/>
-              </a:rPr>
-              <a:t>2]</a:t>
-            </a:r>
-            <a:r>
-              <a:rPr lang="en-US" sz="3600" b="1" dirty="0">
-                <a:solidFill>
-                  <a:schemeClr val="lt1"/>
-                </a:solidFill>
-                <a:latin typeface="Courier New"/>
-                <a:ea typeface="Courier New"/>
-                <a:cs typeface="Courier New"/>
-                <a:sym typeface="Courier New"/>
-              </a:rPr>
-              <a:t> </a:t>
-            </a:r>
-            <a:r>
-              <a:rPr lang="en-US" sz="3600" b="1" i="0" u="none" strike="noStrike" cap="none" dirty="0" smtClean="0">
+              <a:rPr lang="es-419" sz="3600" b="1" i="0" u="none" strike="noStrike" cap="none" dirty="0" err="1">
                 <a:solidFill>
                   <a:srgbClr val="FF7F00"/>
                 </a:solidFill>
@@ -9366,10 +9725,10 @@
                 <a:cs typeface="Courier New"/>
                 <a:sym typeface="Courier New"/>
               </a:rPr>
-              <a:t>No </a:t>
-            </a:r>
-            <a:r>
-              <a:rPr lang="en-US" sz="3600" b="1" i="0" u="none" strike="noStrike" cap="none" dirty="0">
+              <a:t>directory</a:t>
+            </a:r>
+            <a:r>
+              <a:rPr lang="es-419" sz="3600" b="1" dirty="0">
                 <a:solidFill>
                   <a:srgbClr val="FF7F00"/>
                 </a:solidFill>
@@ -9378,10 +9737,10 @@
                 <a:cs typeface="Courier New"/>
                 <a:sym typeface="Courier New"/>
               </a:rPr>
-              <a:t>such file or directory: '</a:t>
-            </a:r>
-            <a:r>
-              <a:rPr lang="en-US" sz="3600" b="1" i="0" u="none" strike="noStrike" cap="none" dirty="0" err="1">
+              <a:t>: 'cosa</a:t>
+            </a:r>
+            <a:r>
+              <a:rPr lang="es-419" sz="3600" b="1" i="0" u="none" strike="noStrike" cap="none" dirty="0">
                 <a:solidFill>
                   <a:srgbClr val="FF7F00"/>
                 </a:solidFill>
@@ -9390,19 +9749,7 @@
                 <a:cs typeface="Courier New"/>
                 <a:sym typeface="Courier New"/>
               </a:rPr>
-              <a:t>stuff.txt</a:t>
-            </a:r>
-            <a:r>
-              <a:rPr lang="en-US" sz="3600" b="1" i="0" u="none" strike="noStrike" cap="none" dirty="0">
-                <a:solidFill>
-                  <a:srgbClr val="FF7F00"/>
-                </a:solidFill>
-                <a:latin typeface="Courier New"/>
-                <a:ea typeface="Courier New"/>
-                <a:cs typeface="Courier New"/>
-                <a:sym typeface="Courier New"/>
-              </a:rPr>
-              <a:t>'</a:t>
+              <a:t>.txt'</a:t>
             </a:r>
           </a:p>
         </p:txBody>
@@ -9412,13 +9759,6 @@
   <p:clrMapOvr>
     <a:masterClrMapping/>
   </p:clrMapOvr>
-  <p:timing>
-    <p:tnLst>
-      <p:par>
-        <p:cTn id="1" dur="indefinite" restart="never" nodeType="tmRoot"/>
-      </p:par>
-    </p:tnLst>
-  </p:timing>
 </p:sld>
 </file>
 
@@ -9482,7 +9822,7 @@
               <a:buNone/>
             </a:pPr>
             <a:r>
-              <a:rPr lang="en-US" sz="7600" u="none" strike="noStrike" cap="none" dirty="0">
+              <a:rPr lang="es-419" sz="7600" u="none" strike="noStrike" cap="none">
                 <a:solidFill>
                   <a:srgbClr val="FFFF00"/>
                 </a:solidFill>
@@ -9491,31 +9831,7 @@
                 <a:cs typeface="Arial" charset="0"/>
                 <a:sym typeface="Cabin"/>
               </a:rPr>
-              <a:t>The newline</a:t>
-            </a:r>
-            <a:r>
-              <a:rPr lang="en-US" sz="7600" dirty="0">
-                <a:solidFill>
-                  <a:srgbClr val="FFFF00"/>
-                </a:solidFill>
-                <a:latin typeface="Arial" charset="0"/>
-                <a:ea typeface="Arial" charset="0"/>
-                <a:cs typeface="Arial" charset="0"/>
-                <a:sym typeface="Cabin"/>
-              </a:rPr>
-              <a:t> </a:t>
-            </a:r>
-            <a:r>
-              <a:rPr lang="en-US" sz="7600" u="none" strike="noStrike" cap="none" dirty="0">
-                <a:solidFill>
-                  <a:srgbClr val="FFFF00"/>
-                </a:solidFill>
-                <a:latin typeface="Arial" charset="0"/>
-                <a:ea typeface="Arial" charset="0"/>
-                <a:cs typeface="Arial" charset="0"/>
-                <a:sym typeface="Cabin"/>
-              </a:rPr>
-              <a:t>Character</a:t>
+              <a:t>El carácter Salto De Línea</a:t>
             </a:r>
           </a:p>
         </p:txBody>
@@ -9567,7 +9883,7 @@
               <a:buChar char="•"/>
             </a:pPr>
             <a:r>
-              <a:rPr lang="en-US" sz="3600" b="0" u="none" strike="noStrike" cap="none" dirty="0">
+              <a:rPr lang="es-419" sz="3600" b="0" u="none" strike="noStrike" cap="none" dirty="0">
                 <a:solidFill>
                   <a:schemeClr val="lt1"/>
                 </a:solidFill>
@@ -9576,56 +9892,41 @@
                 <a:cs typeface="Arial" charset="0"/>
                 <a:sym typeface="Cabin"/>
               </a:rPr>
-              <a:t>We use a special character </a:t>
-            </a:r>
-            <a:r>
-              <a:rPr lang="en-US" sz="3600" b="0" dirty="0">
-                <a:solidFill>
-                  <a:schemeClr val="lt1"/>
+              <a:t>Utilizamos un carácter especial llamado “</a:t>
+            </a:r>
+            <a:r>
+              <a:rPr lang="es-419" sz="3600" b="0" u="none" strike="noStrike" cap="none" dirty="0">
+                <a:solidFill>
+                  <a:srgbClr val="00FFFF"/>
                 </a:solidFill>
                 <a:latin typeface="Arial" charset="0"/>
                 <a:ea typeface="Arial" charset="0"/>
                 <a:cs typeface="Arial" charset="0"/>
                 <a:sym typeface="Cabin"/>
               </a:rPr>
-              <a:t>called the “</a:t>
-            </a:r>
-            <a:r>
-              <a:rPr lang="en-US" sz="3600" b="0" dirty="0">
-                <a:solidFill>
-                  <a:srgbClr val="00FFFF"/>
+              <a:t>salto de línea</a:t>
+            </a:r>
+            <a:r>
+              <a:rPr lang="es-419" sz="3600" b="0" dirty="0">
+                <a:solidFill>
+                  <a:schemeClr val="lt1"/>
                 </a:solidFill>
                 <a:latin typeface="Arial" charset="0"/>
                 <a:ea typeface="Arial" charset="0"/>
                 <a:cs typeface="Arial" charset="0"/>
                 <a:sym typeface="Cabin"/>
               </a:rPr>
-              <a:t>newline</a:t>
-            </a:r>
-            <a:r>
-              <a:rPr lang="en-US" sz="3600" b="0" dirty="0">
-                <a:solidFill>
-                  <a:schemeClr val="lt1"/>
-                </a:solidFill>
-                <a:latin typeface="Arial" charset="0"/>
-                <a:ea typeface="Arial" charset="0"/>
-                <a:cs typeface="Arial" charset="0"/>
-                <a:sym typeface="Cabin"/>
-              </a:rPr>
-              <a:t>” </a:t>
-            </a:r>
-            <a:r>
-              <a:rPr lang="en-US" sz="3600" b="0" u="none" strike="noStrike" cap="none" dirty="0">
-                <a:solidFill>
-                  <a:schemeClr val="lt1"/>
-                </a:solidFill>
-                <a:latin typeface="Arial" charset="0"/>
-                <a:ea typeface="Arial" charset="0"/>
-                <a:cs typeface="Arial" charset="0"/>
-                <a:sym typeface="Cabin"/>
-              </a:rPr>
-              <a:t>to indicate when a line ends </a:t>
-            </a:r>
+              <a:t>” para indicar cuando una línea termina</a:t>
+            </a:r>
+            <a:endParaRPr lang="es-419" sz="3600" b="0" u="none" strike="noStrike" cap="none" dirty="0">
+              <a:solidFill>
+                <a:schemeClr val="lt1"/>
+              </a:solidFill>
+              <a:latin typeface="Arial" charset="0"/>
+              <a:ea typeface="Arial" charset="0"/>
+              <a:cs typeface="Arial" charset="0"/>
+              <a:sym typeface="Cabin"/>
+            </a:endParaRPr>
           </a:p>
           <a:p>
             <a:pPr marL="749300" marR="0" lvl="0" indent="-371094" algn="l" rtl="0">
@@ -9646,7 +9947,7 @@
               <a:buChar char="•"/>
             </a:pPr>
             <a:r>
-              <a:rPr lang="en-US" sz="3600" b="0" u="none" strike="noStrike" cap="none" dirty="0">
+              <a:rPr lang="es-419" sz="3600" b="0" u="none" strike="noStrike" cap="none" dirty="0">
                 <a:solidFill>
                   <a:schemeClr val="lt1"/>
                 </a:solidFill>
@@ -9655,10 +9956,10 @@
                 <a:cs typeface="Arial" charset="0"/>
                 <a:sym typeface="Cabin"/>
               </a:rPr>
-              <a:t>We represent it as </a:t>
-            </a:r>
-            <a:r>
-              <a:rPr lang="en-US" sz="3600" b="0" u="none" strike="noStrike" cap="none" dirty="0">
+              <a:t>Es representado como </a:t>
+            </a:r>
+            <a:r>
+              <a:rPr lang="es-419" sz="3600" b="0" u="none" strike="noStrike" cap="none" dirty="0">
                 <a:solidFill>
                   <a:srgbClr val="00FFFF"/>
                 </a:solidFill>
@@ -9670,7 +9971,7 @@
               <a:t>\n</a:t>
             </a:r>
             <a:r>
-              <a:rPr lang="en-US" sz="3600" b="0" u="none" strike="noStrike" cap="none" dirty="0">
+              <a:rPr lang="es-419" sz="3600" b="0" u="none" strike="noStrike" cap="none" dirty="0">
                 <a:solidFill>
                   <a:schemeClr val="lt1"/>
                 </a:solidFill>
@@ -9679,7 +9980,7 @@
                 <a:cs typeface="Arial" charset="0"/>
                 <a:sym typeface="Cabin"/>
               </a:rPr>
-              <a:t> in strings </a:t>
+              <a:t> en las cadenas </a:t>
             </a:r>
           </a:p>
           <a:p>
@@ -9701,7 +10002,7 @@
               <a:buChar char="•"/>
             </a:pPr>
             <a:r>
-              <a:rPr lang="en-US" sz="3600" b="0" u="none" strike="noStrike" cap="none" dirty="0">
+              <a:rPr lang="es-419" sz="3600" b="0" dirty="0">
                 <a:solidFill>
                   <a:srgbClr val="00FFFF"/>
                 </a:solidFill>
@@ -9710,10 +10011,10 @@
                 <a:cs typeface="Arial" charset="0"/>
                 <a:sym typeface="Cabin"/>
               </a:rPr>
-              <a:t>Newline</a:t>
-            </a:r>
-            <a:r>
-              <a:rPr lang="en-US" sz="3600" b="0" u="none" strike="noStrike" cap="none" dirty="0">
+              <a:t>Salto de Línea</a:t>
+            </a:r>
+            <a:r>
+              <a:rPr lang="es-419" sz="3600" b="0" u="none" strike="noStrike" cap="none" dirty="0">
                 <a:solidFill>
                   <a:schemeClr val="lt1"/>
                 </a:solidFill>
@@ -9722,7 +10023,7 @@
                 <a:cs typeface="Arial" charset="0"/>
                 <a:sym typeface="Cabin"/>
               </a:rPr>
-              <a:t> is still one character - not two</a:t>
+              <a:t> sigue siendo un solo carácter - no dos</a:t>
             </a:r>
           </a:p>
         </p:txBody>
@@ -9752,6 +10053,134 @@
           </a:bodyPr>
           <a:lstStyle/>
           <a:p>
+            <a:pPr lvl="0">
+              <a:buClr>
+                <a:schemeClr val="lt1"/>
+              </a:buClr>
+              <a:buSzPct val="25000"/>
+            </a:pPr>
+            <a:r>
+              <a:rPr lang="es-419" sz="3000" b="1" i="0" u="none" strike="noStrike" cap="none" dirty="0">
+                <a:solidFill>
+                  <a:schemeClr val="lt1"/>
+                </a:solidFill>
+                <a:latin typeface="Courier New"/>
+                <a:ea typeface="Courier New"/>
+                <a:cs typeface="Courier New"/>
+                <a:sym typeface="Courier New"/>
+              </a:rPr>
+              <a:t>&gt;&gt;&gt; </a:t>
+            </a:r>
+            <a:r>
+              <a:rPr lang="es-419" sz="3000" b="1" i="0" u="none" strike="noStrike" cap="none" dirty="0">
+                <a:solidFill>
+                  <a:srgbClr val="00FF00"/>
+                </a:solidFill>
+                <a:latin typeface="Courier New"/>
+                <a:ea typeface="Courier New"/>
+                <a:cs typeface="Courier New"/>
+                <a:sym typeface="Courier New"/>
+              </a:rPr>
+              <a:t>cosa</a:t>
+            </a:r>
+            <a:r>
+              <a:rPr lang="es-419" sz="3000" b="1" i="0" u="none" strike="noStrike" cap="none" dirty="0">
+                <a:solidFill>
+                  <a:schemeClr val="lt1"/>
+                </a:solidFill>
+                <a:latin typeface="Courier New"/>
+                <a:ea typeface="Courier New"/>
+                <a:cs typeface="Courier New"/>
+                <a:sym typeface="Courier New"/>
+              </a:rPr>
+              <a:t> = </a:t>
+            </a:r>
+            <a:r>
+              <a:rPr lang="es-419" sz="3000" b="1" dirty="0">
+                <a:solidFill>
+                  <a:schemeClr val="lt1"/>
+                </a:solidFill>
+                <a:latin typeface="Courier New"/>
+                <a:ea typeface="Courier New"/>
+                <a:cs typeface="Courier New"/>
+                <a:sym typeface="Courier New"/>
+              </a:rPr>
+              <a:t>'</a:t>
+            </a:r>
+            <a:r>
+              <a:rPr lang="es-419" sz="3000" b="1" i="0" u="none" strike="noStrike" cap="none" dirty="0">
+                <a:solidFill>
+                  <a:schemeClr val="lt1"/>
+                </a:solidFill>
+                <a:latin typeface="Courier New"/>
+                <a:ea typeface="Courier New"/>
+                <a:cs typeface="Courier New"/>
+                <a:sym typeface="Courier New"/>
+              </a:rPr>
+              <a:t>¡Hola</a:t>
+            </a:r>
+            <a:r>
+              <a:rPr lang="es-419" sz="3000" b="1" i="0" u="none" strike="noStrike" cap="none" dirty="0">
+                <a:solidFill>
+                  <a:srgbClr val="00FFFF"/>
+                </a:solidFill>
+                <a:latin typeface="Courier New"/>
+                <a:ea typeface="Courier New"/>
+                <a:cs typeface="Courier New"/>
+                <a:sym typeface="Courier New"/>
+              </a:rPr>
+              <a:t>\</a:t>
+            </a:r>
+            <a:r>
+              <a:rPr lang="es-419" sz="3000" b="1" i="0" u="none" strike="noStrike" cap="none" dirty="0" err="1">
+                <a:solidFill>
+                  <a:srgbClr val="00FFFF"/>
+                </a:solidFill>
+                <a:latin typeface="Courier New"/>
+                <a:ea typeface="Courier New"/>
+                <a:cs typeface="Courier New"/>
+                <a:sym typeface="Courier New"/>
+              </a:rPr>
+              <a:t>n</a:t>
+            </a:r>
+            <a:r>
+              <a:rPr lang="es-419" sz="3000" b="1" dirty="0" err="1">
+                <a:solidFill>
+                  <a:schemeClr val="lt1"/>
+                </a:solidFill>
+                <a:latin typeface="Courier New"/>
+                <a:ea typeface="Courier New"/>
+                <a:cs typeface="Courier New"/>
+                <a:sym typeface="Courier New"/>
+              </a:rPr>
+              <a:t>Mundo</a:t>
+            </a:r>
+            <a:r>
+              <a:rPr lang="es-419" sz="3000" b="1" i="0" u="none" strike="noStrike" cap="none" dirty="0">
+                <a:solidFill>
+                  <a:schemeClr val="lt1"/>
+                </a:solidFill>
+                <a:latin typeface="Courier New"/>
+                <a:ea typeface="Courier New"/>
+                <a:cs typeface="Courier New"/>
+                <a:sym typeface="Courier New"/>
+              </a:rPr>
+              <a:t>!</a:t>
+            </a:r>
+            <a:r>
+              <a:rPr lang="es-419" sz="3000" b="1" dirty="0">
+                <a:solidFill>
+                  <a:schemeClr val="lt1"/>
+                </a:solidFill>
+                <a:latin typeface="Courier New"/>
+                <a:ea typeface="Courier New"/>
+                <a:cs typeface="Courier New"/>
+                <a:sym typeface="Courier New"/>
+              </a:rPr>
+              <a:t>'</a:t>
+            </a:r>
+          </a:p>
+          <a:p>
             <a:pPr marL="0" marR="0" lvl="0" indent="0" algn="l" rtl="0">
               <a:lnSpc>
                 <a:spcPct val="100000"/>
@@ -9770,7 +10199,7 @@
               <a:buNone/>
             </a:pPr>
             <a:r>
-              <a:rPr lang="en-US" sz="3000" b="1" i="0" u="none" strike="noStrike" cap="none" dirty="0">
+              <a:rPr lang="es-419" sz="3000" b="1" i="0" u="none" strike="noStrike" cap="none" dirty="0">
                 <a:solidFill>
                   <a:schemeClr val="lt1"/>
                 </a:solidFill>
@@ -9782,7 +10211,7 @@
               <a:t>&gt;&gt;&gt; </a:t>
             </a:r>
             <a:r>
-              <a:rPr lang="en-US" sz="3000" b="1" i="0" u="none" strike="noStrike" cap="none" dirty="0">
+              <a:rPr lang="es-419" sz="3000" b="1" i="0" u="none" strike="noStrike" cap="none" dirty="0">
                 <a:solidFill>
                   <a:srgbClr val="00FF00"/>
                 </a:solidFill>
@@ -9791,10 +10220,18 @@
                 <a:cs typeface="Courier New"/>
                 <a:sym typeface="Courier New"/>
               </a:rPr>
-              <a:t>stuff</a:t>
-            </a:r>
-            <a:r>
-              <a:rPr lang="en-US" sz="3000" b="1" i="0" u="none" strike="noStrike" cap="none" dirty="0">
+              <a:t>cosa</a:t>
+            </a:r>
+          </a:p>
+          <a:p>
+            <a:pPr lvl="0">
+              <a:buClr>
+                <a:schemeClr val="lt1"/>
+              </a:buClr>
+              <a:buSzPct val="25000"/>
+            </a:pPr>
+            <a:r>
+              <a:rPr lang="es-419" sz="3000" b="1" dirty="0">
                 <a:solidFill>
                   <a:schemeClr val="lt1"/>
                 </a:solidFill>
@@ -9803,10 +10240,10 @@
                 <a:cs typeface="Courier New"/>
                 <a:sym typeface="Courier New"/>
               </a:rPr>
-              <a:t> = 'Hello</a:t>
-            </a:r>
-            <a:r>
-              <a:rPr lang="en-US" sz="3000" b="1" i="0" u="none" strike="noStrike" cap="none" dirty="0">
+              <a:t>'¡Hola</a:t>
+            </a:r>
+            <a:r>
+              <a:rPr lang="es-419" sz="3000" b="1" dirty="0">
                 <a:solidFill>
                   <a:srgbClr val="00FFFF"/>
                 </a:solidFill>
@@ -9818,7 +10255,7 @@
               <a:t>\</a:t>
             </a:r>
             <a:r>
-              <a:rPr lang="en-US" sz="3000" b="1" i="0" u="none" strike="noStrike" cap="none" dirty="0" err="1">
+              <a:rPr lang="es-419" sz="3000" b="1" dirty="0" err="1">
                 <a:solidFill>
                   <a:srgbClr val="00FFFF"/>
                 </a:solidFill>
@@ -9830,7 +10267,7 @@
               <a:t>n</a:t>
             </a:r>
             <a:r>
-              <a:rPr lang="en-US" sz="3000" b="1" i="0" u="none" strike="noStrike" cap="none" dirty="0" err="1">
+              <a:rPr lang="es-419" sz="3000" b="1" dirty="0" err="1">
                 <a:solidFill>
                   <a:schemeClr val="lt1"/>
                 </a:solidFill>
@@ -9839,10 +10276,10 @@
                 <a:cs typeface="Courier New"/>
                 <a:sym typeface="Courier New"/>
               </a:rPr>
-              <a:t>World</a:t>
-            </a:r>
-            <a:r>
-              <a:rPr lang="en-US" sz="3000" b="1" i="0" u="none" strike="noStrike" cap="none" dirty="0">
+              <a:t>Mundo</a:t>
+            </a:r>
+            <a:r>
+              <a:rPr lang="es-419" sz="3000" b="1" dirty="0">
                 <a:solidFill>
                   <a:schemeClr val="lt1"/>
                 </a:solidFill>
@@ -9851,10 +10288,18 @@
                 <a:cs typeface="Courier New"/>
                 <a:sym typeface="Courier New"/>
               </a:rPr>
-              <a:t>!</a:t>
-            </a:r>
-            <a:r>
-              <a:rPr lang="en-US" sz="3000" b="1" dirty="0">
+              <a:t>!'</a:t>
+            </a:r>
+          </a:p>
+          <a:p>
+            <a:pPr lvl="0">
+              <a:buClr>
+                <a:schemeClr val="lt1"/>
+              </a:buClr>
+              <a:buSzPct val="25000"/>
+            </a:pPr>
+            <a:r>
+              <a:rPr lang="es-419" sz="3000" b="1" i="0" u="none" strike="noStrike" cap="none" dirty="0">
                 <a:solidFill>
                   <a:schemeClr val="lt1"/>
                 </a:solidFill>
@@ -9863,7 +10308,55 @@
                 <a:cs typeface="Courier New"/>
                 <a:sym typeface="Courier New"/>
               </a:rPr>
-              <a:t>'</a:t>
+              <a:t>&gt;&gt;&gt; </a:t>
+            </a:r>
+            <a:r>
+              <a:rPr lang="es-419" sz="3000" b="1" i="0" u="none" strike="noStrike" cap="none" dirty="0" err="1">
+                <a:solidFill>
+                  <a:srgbClr val="FFFF00"/>
+                </a:solidFill>
+                <a:latin typeface="Courier New"/>
+                <a:ea typeface="Courier New"/>
+                <a:cs typeface="Courier New"/>
+                <a:sym typeface="Courier New"/>
+              </a:rPr>
+              <a:t>print</a:t>
+            </a:r>
+            <a:r>
+              <a:rPr lang="es-419" sz="3000" b="1" dirty="0">
+                <a:solidFill>
+                  <a:schemeClr val="lt1"/>
+                </a:solidFill>
+                <a:latin typeface="Courier New"/>
+                <a:ea typeface="Courier New"/>
+                <a:cs typeface="Courier New"/>
+                <a:sym typeface="Courier New"/>
+              </a:rPr>
+              <a:t>(</a:t>
+            </a:r>
+            <a:r>
+              <a:rPr lang="es-419" sz="3000" b="1" i="0" u="none" strike="noStrike" cap="none" dirty="0">
+                <a:solidFill>
+                  <a:srgbClr val="00FF00"/>
+                </a:solidFill>
+                <a:latin typeface="Courier New"/>
+                <a:ea typeface="Courier New"/>
+                <a:cs typeface="Courier New"/>
+                <a:sym typeface="Courier New"/>
+              </a:rPr>
+              <a:t>cosa</a:t>
+            </a:r>
+            <a:r>
+              <a:rPr lang="es-419" sz="3000" b="1" i="0" u="none" strike="noStrike" cap="none" dirty="0">
+                <a:solidFill>
+                  <a:schemeClr val="bg1"/>
+                </a:solidFill>
+                <a:latin typeface="Courier New"/>
+                <a:ea typeface="Courier New"/>
+                <a:cs typeface="Courier New"/>
+                <a:sym typeface="Courier New"/>
+              </a:rPr>
+              <a:t>)</a:t>
             </a:r>
           </a:p>
           <a:p>
@@ -9885,7 +10378,7 @@
               <a:buNone/>
             </a:pPr>
             <a:r>
-              <a:rPr lang="en-US" sz="3000" b="1" i="0" u="none" strike="noStrike" cap="none" dirty="0">
+              <a:rPr lang="es-419" sz="3000" b="1" i="0" u="none" strike="noStrike" cap="none" dirty="0">
                 <a:solidFill>
                   <a:schemeClr val="lt1"/>
                 </a:solidFill>
@@ -9894,19 +10387,7 @@
                 <a:cs typeface="Courier New"/>
                 <a:sym typeface="Courier New"/>
               </a:rPr>
-              <a:t>&gt;&gt;&gt; </a:t>
-            </a:r>
-            <a:r>
-              <a:rPr lang="en-US" sz="3000" b="1" i="0" u="none" strike="noStrike" cap="none" dirty="0">
-                <a:solidFill>
-                  <a:srgbClr val="00FF00"/>
-                </a:solidFill>
-                <a:latin typeface="Courier New"/>
-                <a:ea typeface="Courier New"/>
-                <a:cs typeface="Courier New"/>
-                <a:sym typeface="Courier New"/>
-              </a:rPr>
-              <a:t>stuff</a:t>
+              <a:t>¡Hola</a:t>
             </a:r>
           </a:p>
           <a:p>
@@ -9928,7 +10409,7 @@
               <a:buNone/>
             </a:pPr>
             <a:r>
-              <a:rPr lang="en-US" sz="3000" b="1" i="0" u="none" strike="noStrike" cap="none" dirty="0">
+              <a:rPr lang="es-419" sz="3000" b="1" dirty="0">
                 <a:solidFill>
                   <a:schemeClr val="lt1"/>
                 </a:solidFill>
@@ -9937,34 +10418,10 @@
                 <a:cs typeface="Courier New"/>
                 <a:sym typeface="Courier New"/>
               </a:rPr>
-              <a:t>'Hello</a:t>
-            </a:r>
-            <a:r>
-              <a:rPr lang="en-US" sz="3000" b="1" i="0" u="none" strike="noStrike" cap="none" dirty="0">
-                <a:solidFill>
-                  <a:srgbClr val="00FFFF"/>
-                </a:solidFill>
-                <a:latin typeface="Courier New"/>
-                <a:ea typeface="Courier New"/>
-                <a:cs typeface="Courier New"/>
-                <a:sym typeface="Courier New"/>
-              </a:rPr>
-              <a:t>\</a:t>
-            </a:r>
-            <a:r>
-              <a:rPr lang="en-US" sz="3000" b="1" i="0" u="none" strike="noStrike" cap="none" dirty="0" err="1">
-                <a:solidFill>
-                  <a:srgbClr val="00FFFF"/>
-                </a:solidFill>
-                <a:latin typeface="Courier New"/>
-                <a:ea typeface="Courier New"/>
-                <a:cs typeface="Courier New"/>
-                <a:sym typeface="Courier New"/>
-              </a:rPr>
-              <a:t>n</a:t>
-            </a:r>
-            <a:r>
-              <a:rPr lang="en-US" sz="3000" b="1" i="0" u="none" strike="noStrike" cap="none" dirty="0" err="1">
+              <a:t>Mundo</a:t>
+            </a:r>
+            <a:r>
+              <a:rPr lang="es-419" sz="3000" b="1" i="0" u="none" strike="noStrike" cap="none" dirty="0">
                 <a:solidFill>
                   <a:schemeClr val="lt1"/>
                 </a:solidFill>
@@ -9973,31 +10430,7 @@
                 <a:cs typeface="Courier New"/>
                 <a:sym typeface="Courier New"/>
               </a:rPr>
-              <a:t>World</a:t>
-            </a:r>
-            <a:r>
-              <a:rPr lang="en-US" sz="3000" b="1" i="0" u="none" strike="noStrike" cap="none" dirty="0">
-                <a:solidFill>
-                  <a:schemeClr val="lt1"/>
-                </a:solidFill>
-                <a:latin typeface="Courier New"/>
-                <a:ea typeface="Courier New"/>
-                <a:cs typeface="Courier New"/>
-                <a:sym typeface="Courier New"/>
-              </a:rPr>
               <a:t>!</a:t>
-            </a:r>
-            <a:r>
-              <a:rPr lang="en-US" sz="3000" b="1" dirty="0">
-                <a:solidFill>
-                  <a:schemeClr val="lt1"/>
-                </a:solidFill>
-                <a:latin typeface="Courier New"/>
-                <a:ea typeface="Courier New"/>
-                <a:cs typeface="Courier New"/>
-                <a:sym typeface="Courier New"/>
-              </a:rPr>
-              <a:t>'</a:t>
             </a:r>
           </a:p>
           <a:p>
@@ -10019,7 +10452,7 @@
               <a:buNone/>
             </a:pPr>
             <a:r>
-              <a:rPr lang="en-US" sz="3000" b="1" i="0" u="none" strike="noStrike" cap="none" dirty="0">
+              <a:rPr lang="es-419" sz="3000" b="1" i="0" u="none" strike="noStrike" cap="none" dirty="0">
                 <a:solidFill>
                   <a:schemeClr val="lt1"/>
                 </a:solidFill>
@@ -10031,19 +10464,19 @@
               <a:t>&gt;&gt;&gt; </a:t>
             </a:r>
             <a:r>
-              <a:rPr lang="en-US" sz="3000" b="1" i="0" u="none" strike="noStrike" cap="none" dirty="0" smtClean="0">
-                <a:solidFill>
-                  <a:srgbClr val="FFFF00"/>
-                </a:solidFill>
-                <a:latin typeface="Courier New"/>
-                <a:ea typeface="Courier New"/>
-                <a:cs typeface="Courier New"/>
-                <a:sym typeface="Courier New"/>
-              </a:rPr>
-              <a:t>print</a:t>
-            </a:r>
-            <a:r>
-              <a:rPr lang="en-US" sz="3000" b="1" dirty="0" smtClean="0">
+              <a:rPr lang="es-419" sz="3000" b="1" i="0" u="none" strike="noStrike" cap="none" dirty="0">
+                <a:solidFill>
+                  <a:srgbClr val="00FF00"/>
+                </a:solidFill>
+                <a:latin typeface="Courier New"/>
+                <a:ea typeface="Courier New"/>
+                <a:cs typeface="Courier New"/>
+                <a:sym typeface="Courier New"/>
+              </a:rPr>
+              <a:t>cosa</a:t>
+            </a:r>
+            <a:r>
+              <a:rPr lang="es-419" sz="3000" b="1" i="0" u="none" strike="noStrike" cap="none" dirty="0">
                 <a:solidFill>
                   <a:schemeClr val="lt1"/>
                 </a:solidFill>
@@ -10052,41 +10485,56 @@
                 <a:cs typeface="Courier New"/>
                 <a:sym typeface="Courier New"/>
               </a:rPr>
-              <a:t>(</a:t>
-            </a:r>
-            <a:r>
-              <a:rPr lang="en-US" sz="3000" b="1" i="0" u="none" strike="noStrike" cap="none" dirty="0" smtClean="0">
-                <a:solidFill>
-                  <a:srgbClr val="00FF00"/>
-                </a:solidFill>
-                <a:latin typeface="Courier New"/>
-                <a:ea typeface="Courier New"/>
-                <a:cs typeface="Courier New"/>
-                <a:sym typeface="Courier New"/>
-              </a:rPr>
-              <a:t>stuff</a:t>
-            </a:r>
-            <a:r>
-              <a:rPr lang="en-US" sz="3000" b="1" i="0" u="none" strike="noStrike" cap="none" dirty="0" smtClean="0">
-                <a:solidFill>
-                  <a:schemeClr val="bg1"/>
-                </a:solidFill>
-                <a:latin typeface="Courier New"/>
-                <a:ea typeface="Courier New"/>
-                <a:cs typeface="Courier New"/>
-                <a:sym typeface="Courier New"/>
-              </a:rPr>
-              <a:t>)</a:t>
-            </a:r>
-            <a:endParaRPr lang="en-US" sz="3000" b="1" i="0" u="none" strike="noStrike" cap="none" dirty="0">
-              <a:solidFill>
-                <a:schemeClr val="bg1"/>
-              </a:solidFill>
-              <a:latin typeface="Courier New"/>
-              <a:ea typeface="Courier New"/>
-              <a:cs typeface="Courier New"/>
-              <a:sym typeface="Courier New"/>
-            </a:endParaRPr>
+              <a:t> = 'X</a:t>
+            </a:r>
+            <a:r>
+              <a:rPr lang="es-419" sz="3000" b="1" i="0" u="none" strike="noStrike" cap="none" dirty="0">
+                <a:solidFill>
+                  <a:srgbClr val="00FFFF"/>
+                </a:solidFill>
+                <a:latin typeface="Courier New"/>
+                <a:ea typeface="Courier New"/>
+                <a:cs typeface="Courier New"/>
+                <a:sym typeface="Courier New"/>
+              </a:rPr>
+              <a:t>\</a:t>
+            </a:r>
+            <a:r>
+              <a:rPr lang="es-419" sz="3000" b="1" i="0" u="none" strike="noStrike" cap="none" dirty="0" err="1">
+                <a:solidFill>
+                  <a:srgbClr val="00FFFF"/>
+                </a:solidFill>
+                <a:latin typeface="Courier New"/>
+                <a:ea typeface="Courier New"/>
+                <a:cs typeface="Courier New"/>
+                <a:sym typeface="Courier New"/>
+              </a:rPr>
+              <a:t>n</a:t>
+            </a:r>
+            <a:r>
+              <a:rPr lang="es-419" sz="3000" b="1" i="0" u="none" strike="noStrike" cap="none" dirty="0" err="1">
+                <a:solidFill>
+                  <a:schemeClr val="lt1"/>
+                </a:solidFill>
+                <a:latin typeface="Courier New"/>
+                <a:ea typeface="Courier New"/>
+                <a:cs typeface="Courier New"/>
+                <a:sym typeface="Courier New"/>
+              </a:rPr>
+              <a:t>Y</a:t>
+            </a:r>
+            <a:r>
+              <a:rPr lang="es-419" sz="3000" b="1" dirty="0">
+                <a:solidFill>
+                  <a:schemeClr val="lt1"/>
+                </a:solidFill>
+                <a:latin typeface="Courier New"/>
+                <a:ea typeface="Courier New"/>
+                <a:cs typeface="Courier New"/>
+                <a:sym typeface="Courier New"/>
+              </a:rPr>
+              <a:t>'</a:t>
+            </a:r>
           </a:p>
           <a:p>
             <a:pPr marL="0" marR="0" lvl="0" indent="0" algn="l" rtl="0">
@@ -10107,7 +10555,7 @@
               <a:buNone/>
             </a:pPr>
             <a:r>
-              <a:rPr lang="en-US" sz="3000" b="1" i="0" u="none" strike="noStrike" cap="none" dirty="0">
+              <a:rPr lang="es-419" sz="3000" b="1" i="0" u="none" strike="noStrike" cap="none" dirty="0">
                 <a:solidFill>
                   <a:schemeClr val="lt1"/>
                 </a:solidFill>
@@ -10116,7 +10564,55 @@
                 <a:cs typeface="Courier New"/>
                 <a:sym typeface="Courier New"/>
               </a:rPr>
-              <a:t>Hello</a:t>
+              <a:t>&gt;&gt;&gt; </a:t>
+            </a:r>
+            <a:r>
+              <a:rPr lang="es-419" sz="3000" b="1" i="0" u="none" strike="noStrike" cap="none" dirty="0" err="1">
+                <a:solidFill>
+                  <a:srgbClr val="FFFF00"/>
+                </a:solidFill>
+                <a:latin typeface="Courier New"/>
+                <a:ea typeface="Courier New"/>
+                <a:cs typeface="Courier New"/>
+                <a:sym typeface="Courier New"/>
+              </a:rPr>
+              <a:t>print</a:t>
+            </a:r>
+            <a:r>
+              <a:rPr lang="es-419" sz="3000" b="1" dirty="0">
+                <a:solidFill>
+                  <a:schemeClr val="lt1"/>
+                </a:solidFill>
+                <a:latin typeface="Courier New"/>
+                <a:ea typeface="Courier New"/>
+                <a:cs typeface="Courier New"/>
+                <a:sym typeface="Courier New"/>
+              </a:rPr>
+              <a:t>(</a:t>
+            </a:r>
+            <a:r>
+              <a:rPr lang="es-419" sz="3000" b="1" i="0" u="none" strike="noStrike" cap="none" dirty="0">
+                <a:solidFill>
+                  <a:srgbClr val="00FF00"/>
+                </a:solidFill>
+                <a:latin typeface="Courier New"/>
+                <a:ea typeface="Courier New"/>
+                <a:cs typeface="Courier New"/>
+                <a:sym typeface="Courier New"/>
+              </a:rPr>
+              <a:t>cosa</a:t>
+            </a:r>
+            <a:r>
+              <a:rPr lang="es-419" sz="3000" b="1" i="0" u="none" strike="noStrike" cap="none" dirty="0">
+                <a:solidFill>
+                  <a:schemeClr val="bg1"/>
+                </a:solidFill>
+                <a:latin typeface="Courier New"/>
+                <a:ea typeface="Courier New"/>
+                <a:cs typeface="Courier New"/>
+                <a:sym typeface="Courier New"/>
+              </a:rPr>
+              <a:t>)</a:t>
             </a:r>
           </a:p>
           <a:p>
@@ -10138,7 +10634,7 @@
               <a:buNone/>
             </a:pPr>
             <a:r>
-              <a:rPr lang="en-US" sz="3000" b="1" i="0" u="none" strike="noStrike" cap="none" dirty="0">
+              <a:rPr lang="es-419" sz="3000" b="1" i="0" u="none" strike="noStrike" cap="none" dirty="0">
                 <a:solidFill>
                   <a:schemeClr val="lt1"/>
                 </a:solidFill>
@@ -10147,7 +10643,7 @@
                 <a:cs typeface="Courier New"/>
                 <a:sym typeface="Courier New"/>
               </a:rPr>
-              <a:t>World!</a:t>
+              <a:t>X</a:t>
             </a:r>
           </a:p>
           <a:p>
@@ -10169,7 +10665,7 @@
               <a:buNone/>
             </a:pPr>
             <a:r>
-              <a:rPr lang="en-US" sz="3000" b="1" i="0" u="none" strike="noStrike" cap="none" dirty="0">
+              <a:rPr lang="es-419" sz="3000" b="1" i="0" u="none" strike="noStrike" cap="none" dirty="0">
                 <a:solidFill>
                   <a:schemeClr val="lt1"/>
                 </a:solidFill>
@@ -10178,79 +10674,7 @@
                 <a:cs typeface="Courier New"/>
                 <a:sym typeface="Courier New"/>
               </a:rPr>
-              <a:t>&gt;&gt;&gt; </a:t>
-            </a:r>
-            <a:r>
-              <a:rPr lang="en-US" sz="3000" b="1" i="0" u="none" strike="noStrike" cap="none" dirty="0">
-                <a:solidFill>
-                  <a:srgbClr val="00FF00"/>
-                </a:solidFill>
-                <a:latin typeface="Courier New"/>
-                <a:ea typeface="Courier New"/>
-                <a:cs typeface="Courier New"/>
-                <a:sym typeface="Courier New"/>
-              </a:rPr>
-              <a:t>stuff</a:t>
-            </a:r>
-            <a:r>
-              <a:rPr lang="en-US" sz="3000" b="1" i="0" u="none" strike="noStrike" cap="none" dirty="0">
-                <a:solidFill>
-                  <a:schemeClr val="lt1"/>
-                </a:solidFill>
-                <a:latin typeface="Courier New"/>
-                <a:ea typeface="Courier New"/>
-                <a:cs typeface="Courier New"/>
-                <a:sym typeface="Courier New"/>
-              </a:rPr>
-              <a:t> = 'X</a:t>
-            </a:r>
-            <a:r>
-              <a:rPr lang="en-US" sz="3000" b="1" i="0" u="none" strike="noStrike" cap="none" dirty="0">
-                <a:solidFill>
-                  <a:srgbClr val="00FFFF"/>
-                </a:solidFill>
-                <a:latin typeface="Courier New"/>
-                <a:ea typeface="Courier New"/>
-                <a:cs typeface="Courier New"/>
-                <a:sym typeface="Courier New"/>
-              </a:rPr>
-              <a:t>\</a:t>
-            </a:r>
-            <a:r>
-              <a:rPr lang="en-US" sz="3000" b="1" i="0" u="none" strike="noStrike" cap="none" dirty="0" err="1">
-                <a:solidFill>
-                  <a:srgbClr val="00FFFF"/>
-                </a:solidFill>
-                <a:latin typeface="Courier New"/>
-                <a:ea typeface="Courier New"/>
-                <a:cs typeface="Courier New"/>
-                <a:sym typeface="Courier New"/>
-              </a:rPr>
-              <a:t>n</a:t>
-            </a:r>
-            <a:r>
-              <a:rPr lang="en-US" sz="3000" b="1" i="0" u="none" strike="noStrike" cap="none" dirty="0" err="1">
-                <a:solidFill>
-                  <a:schemeClr val="lt1"/>
-                </a:solidFill>
-                <a:latin typeface="Courier New"/>
-                <a:ea typeface="Courier New"/>
-                <a:cs typeface="Courier New"/>
-                <a:sym typeface="Courier New"/>
-              </a:rPr>
               <a:t>Y</a:t>
-            </a:r>
-            <a:r>
-              <a:rPr lang="en-US" sz="3000" b="1" dirty="0">
-                <a:solidFill>
-                  <a:schemeClr val="lt1"/>
-                </a:solidFill>
-                <a:latin typeface="Courier New"/>
-                <a:ea typeface="Courier New"/>
-                <a:cs typeface="Courier New"/>
-                <a:sym typeface="Courier New"/>
-              </a:rPr>
-              <a:t>'</a:t>
             </a:r>
           </a:p>
           <a:p>
@@ -10272,7 +10696,7 @@
               <a:buNone/>
             </a:pPr>
             <a:r>
-              <a:rPr lang="en-US" sz="3000" b="1" i="0" u="none" strike="noStrike" cap="none" dirty="0">
+              <a:rPr lang="es-419" sz="3000" b="1" i="0" u="none" strike="noStrike" cap="none" dirty="0">
                 <a:solidFill>
                   <a:schemeClr val="lt1"/>
                 </a:solidFill>
@@ -10284,19 +10708,19 @@
               <a:t>&gt;&gt;&gt; </a:t>
             </a:r>
             <a:r>
-              <a:rPr lang="en-US" sz="3000" b="1" i="0" u="none" strike="noStrike" cap="none" dirty="0" smtClean="0">
-                <a:solidFill>
-                  <a:srgbClr val="FFFF00"/>
-                </a:solidFill>
-                <a:latin typeface="Courier New"/>
-                <a:ea typeface="Courier New"/>
-                <a:cs typeface="Courier New"/>
-                <a:sym typeface="Courier New"/>
-              </a:rPr>
-              <a:t>print</a:t>
-            </a:r>
-            <a:r>
-              <a:rPr lang="en-US" sz="3000" b="1" dirty="0" smtClean="0">
+              <a:rPr lang="es-419" sz="3000" b="1" i="0" u="none" strike="noStrike" cap="none" dirty="0" err="1">
+                <a:solidFill>
+                  <a:srgbClr val="FF00FF"/>
+                </a:solidFill>
+                <a:latin typeface="Courier New"/>
+                <a:ea typeface="Courier New"/>
+                <a:cs typeface="Courier New"/>
+                <a:sym typeface="Courier New"/>
+              </a:rPr>
+              <a:t>len</a:t>
+            </a:r>
+            <a:r>
+              <a:rPr lang="es-419" sz="3000" b="1" i="0" u="none" strike="noStrike" cap="none" dirty="0">
                 <a:solidFill>
                   <a:schemeClr val="lt1"/>
                 </a:solidFill>
@@ -10308,7 +10732,7 @@
               <a:t>(</a:t>
             </a:r>
             <a:r>
-              <a:rPr lang="en-US" sz="3000" b="1" i="0" u="none" strike="noStrike" cap="none" dirty="0" smtClean="0">
+              <a:rPr lang="es-419" sz="3000" b="1" i="0" u="none" strike="noStrike" cap="none" dirty="0">
                 <a:solidFill>
                   <a:srgbClr val="00FF00"/>
                 </a:solidFill>
@@ -10317,12 +10741,12 @@
                 <a:cs typeface="Courier New"/>
                 <a:sym typeface="Courier New"/>
               </a:rPr>
-              <a:t>stuff</a:t>
-            </a:r>
-            <a:r>
-              <a:rPr lang="en-US" sz="3000" b="1" i="0" u="none" strike="noStrike" cap="none" dirty="0" smtClean="0">
-                <a:solidFill>
-                  <a:schemeClr val="bg1"/>
+              <a:t>cosa</a:t>
+            </a:r>
+            <a:r>
+              <a:rPr lang="es-419" sz="3000" b="1" i="0" u="none" strike="noStrike" cap="none" dirty="0">
+                <a:solidFill>
+                  <a:schemeClr val="lt1"/>
                 </a:solidFill>
                 <a:latin typeface="Courier New"/>
                 <a:ea typeface="Courier New"/>
@@ -10331,15 +10755,6 @@
               </a:rPr>
               <a:t>)</a:t>
             </a:r>
-            <a:endParaRPr lang="en-US" sz="3000" b="1" i="0" u="none" strike="noStrike" cap="none" dirty="0">
-              <a:solidFill>
-                <a:schemeClr val="bg1"/>
-              </a:solidFill>
-              <a:latin typeface="Courier New"/>
-              <a:ea typeface="Courier New"/>
-              <a:cs typeface="Courier New"/>
-              <a:sym typeface="Courier New"/>
-            </a:endParaRPr>
           </a:p>
           <a:p>
             <a:pPr marL="0" marR="0" lvl="0" indent="0" algn="l" rtl="0">
@@ -10360,148 +10775,7 @@
               <a:buNone/>
             </a:pPr>
             <a:r>
-              <a:rPr lang="en-US" sz="3000" b="1" i="0" u="none" strike="noStrike" cap="none" dirty="0">
-                <a:solidFill>
-                  <a:schemeClr val="lt1"/>
-                </a:solidFill>
-                <a:latin typeface="Courier New"/>
-                <a:ea typeface="Courier New"/>
-                <a:cs typeface="Courier New"/>
-                <a:sym typeface="Courier New"/>
-              </a:rPr>
-              <a:t>X</a:t>
-            </a:r>
-          </a:p>
-          <a:p>
-            <a:pPr marL="0" marR="0" lvl="0" indent="0" algn="l" rtl="0">
-              <a:lnSpc>
-                <a:spcPct val="100000"/>
-              </a:lnSpc>
-              <a:spcBef>
-                <a:spcPts val="0"/>
-              </a:spcBef>
-              <a:spcAft>
-                <a:spcPts val="0"/>
-              </a:spcAft>
-              <a:buClr>
-                <a:schemeClr val="lt1"/>
-              </a:buClr>
-              <a:buSzPct val="25000"/>
-              <a:buFont typeface="Cabin"/>
-              <a:buNone/>
-            </a:pPr>
-            <a:r>
-              <a:rPr lang="en-US" sz="3000" b="1" i="0" u="none" strike="noStrike" cap="none" dirty="0">
-                <a:solidFill>
-                  <a:schemeClr val="lt1"/>
-                </a:solidFill>
-                <a:latin typeface="Courier New"/>
-                <a:ea typeface="Courier New"/>
-                <a:cs typeface="Courier New"/>
-                <a:sym typeface="Courier New"/>
-              </a:rPr>
-              <a:t>Y</a:t>
-            </a:r>
-          </a:p>
-          <a:p>
-            <a:pPr marL="0" marR="0" lvl="0" indent="0" algn="l" rtl="0">
-              <a:lnSpc>
-                <a:spcPct val="100000"/>
-              </a:lnSpc>
-              <a:spcBef>
-                <a:spcPts val="0"/>
-              </a:spcBef>
-              <a:spcAft>
-                <a:spcPts val="0"/>
-              </a:spcAft>
-              <a:buClr>
-                <a:schemeClr val="lt1"/>
-              </a:buClr>
-              <a:buSzPct val="25000"/>
-              <a:buFont typeface="Cabin"/>
-              <a:buNone/>
-            </a:pPr>
-            <a:r>
-              <a:rPr lang="en-US" sz="3000" b="1" i="0" u="none" strike="noStrike" cap="none" dirty="0">
-                <a:solidFill>
-                  <a:schemeClr val="lt1"/>
-                </a:solidFill>
-                <a:latin typeface="Courier New"/>
-                <a:ea typeface="Courier New"/>
-                <a:cs typeface="Courier New"/>
-                <a:sym typeface="Courier New"/>
-              </a:rPr>
-              <a:t>&gt;&gt;&gt; </a:t>
-            </a:r>
-            <a:r>
-              <a:rPr lang="en-US" sz="3000" b="1" i="0" u="none" strike="noStrike" cap="none" dirty="0" err="1">
-                <a:solidFill>
-                  <a:srgbClr val="FF00FF"/>
-                </a:solidFill>
-                <a:latin typeface="Courier New"/>
-                <a:ea typeface="Courier New"/>
-                <a:cs typeface="Courier New"/>
-                <a:sym typeface="Courier New"/>
-              </a:rPr>
-              <a:t>len</a:t>
-            </a:r>
-            <a:r>
-              <a:rPr lang="en-US" sz="3000" b="1" i="0" u="none" strike="noStrike" cap="none" dirty="0">
-                <a:solidFill>
-                  <a:schemeClr val="lt1"/>
-                </a:solidFill>
-                <a:latin typeface="Courier New"/>
-                <a:ea typeface="Courier New"/>
-                <a:cs typeface="Courier New"/>
-                <a:sym typeface="Courier New"/>
-              </a:rPr>
-              <a:t>(</a:t>
-            </a:r>
-            <a:r>
-              <a:rPr lang="en-US" sz="3000" b="1" i="0" u="none" strike="noStrike" cap="none" dirty="0">
-                <a:solidFill>
-                  <a:srgbClr val="00FF00"/>
-                </a:solidFill>
-                <a:latin typeface="Courier New"/>
-                <a:ea typeface="Courier New"/>
-                <a:cs typeface="Courier New"/>
-                <a:sym typeface="Courier New"/>
-              </a:rPr>
-              <a:t>stuff</a:t>
-            </a:r>
-            <a:r>
-              <a:rPr lang="en-US" sz="3000" b="1" i="0" u="none" strike="noStrike" cap="none" dirty="0">
-                <a:solidFill>
-                  <a:schemeClr val="lt1"/>
-                </a:solidFill>
-                <a:latin typeface="Courier New"/>
-                <a:ea typeface="Courier New"/>
-                <a:cs typeface="Courier New"/>
-                <a:sym typeface="Courier New"/>
-              </a:rPr>
-              <a:t>)</a:t>
-            </a:r>
-          </a:p>
-          <a:p>
-            <a:pPr marL="0" marR="0" lvl="0" indent="0" algn="l" rtl="0">
-              <a:lnSpc>
-                <a:spcPct val="100000"/>
-              </a:lnSpc>
-              <a:spcBef>
-                <a:spcPts val="0"/>
-              </a:spcBef>
-              <a:spcAft>
-                <a:spcPts val="0"/>
-              </a:spcAft>
-              <a:buClr>
-                <a:schemeClr val="lt1"/>
-              </a:buClr>
-              <a:buSzPct val="25000"/>
-              <a:buFont typeface="Cabin"/>
-              <a:buNone/>
-            </a:pPr>
-            <a:r>
-              <a:rPr lang="en-US" sz="3000" b="1" i="0" u="none" strike="noStrike" cap="none" dirty="0">
+              <a:rPr lang="es-419" sz="3000" b="1" i="0" u="none" strike="noStrike" cap="none" dirty="0">
                 <a:solidFill>
                   <a:schemeClr val="lt1"/>
                 </a:solidFill>
@@ -10520,13 +10794,6 @@
   <p:clrMapOvr>
     <a:masterClrMapping/>
   </p:clrMapOvr>
-  <p:timing>
-    <p:tnLst>
-      <p:par>
-        <p:cTn id="1" dur="indefinite" restart="never" nodeType="tmRoot"/>
-      </p:par>
-    </p:tnLst>
-  </p:timing>
 </p:sld>
 </file>
 
@@ -10590,7 +10857,7 @@
               <a:buNone/>
             </a:pPr>
             <a:r>
-              <a:rPr lang="en-US" sz="7600" u="none" strike="noStrike" cap="none" dirty="0">
+              <a:rPr lang="es-419" sz="7600" u="none" strike="noStrike" cap="none" dirty="0">
                 <a:solidFill>
                   <a:srgbClr val="FFFF00"/>
                 </a:solidFill>
@@ -10599,7 +10866,7 @@
                 <a:cs typeface="Arial" charset="0"/>
                 <a:sym typeface="Cabin"/>
               </a:rPr>
-              <a:t>File Processing</a:t>
+              <a:t>Procesamiento de Archivos</a:t>
             </a:r>
           </a:p>
         </p:txBody>
@@ -10617,7 +10884,7 @@
         <p:spPr>
           <a:xfrm>
             <a:off x="1155700" y="2170621"/>
-            <a:ext cx="13932000" cy="1333500"/>
+            <a:ext cx="14583064" cy="1333500"/>
           </a:xfrm>
           <a:prstGeom prst="rect">
             <a:avLst/>
@@ -10650,7 +10917,7 @@
               <a:buNone/>
             </a:pPr>
             <a:r>
-              <a:rPr lang="en-US" sz="3600" b="0" u="none" strike="noStrike" cap="none" dirty="0">
+              <a:rPr lang="es-419" sz="3600" b="0" u="none" strike="noStrike" cap="none" dirty="0">
                 <a:solidFill>
                   <a:schemeClr val="lt1"/>
                 </a:solidFill>
@@ -10659,8 +10926,29 @@
                 <a:cs typeface="Arial" charset="0"/>
                 <a:sym typeface="Cabin"/>
               </a:rPr>
-              <a:t>A text file can be thought of as a sequence of lines</a:t>
-            </a:r>
+              <a:t>Un </a:t>
+            </a:r>
+            <a:r>
+              <a:rPr lang="es-419" sz="3600" b="0" dirty="0">
+                <a:solidFill>
+                  <a:schemeClr val="lt1"/>
+                </a:solidFill>
+                <a:latin typeface="Arial" charset="0"/>
+                <a:ea typeface="Arial" charset="0"/>
+                <a:cs typeface="Arial" charset="0"/>
+                <a:sym typeface="Cabin"/>
+              </a:rPr>
+              <a:t>archivo de texto puede ser pensado como una secuencia de líneas</a:t>
+            </a:r>
+            <a:endParaRPr lang="es-419" sz="3600" b="0" u="none" strike="noStrike" cap="none" dirty="0">
+              <a:solidFill>
+                <a:schemeClr val="lt1"/>
+              </a:solidFill>
+              <a:latin typeface="Arial" charset="0"/>
+              <a:ea typeface="Arial" charset="0"/>
+              <a:cs typeface="Arial" charset="0"/>
+              <a:sym typeface="Cabin"/>
+            </a:endParaRPr>
           </a:p>
         </p:txBody>
       </p:sp>
@@ -10707,7 +10995,7 @@
               <a:buNone/>
             </a:pPr>
             <a:r>
-              <a:rPr lang="en-US" sz="2400" b="1" i="0" u="none" strike="noStrike" cap="none" dirty="0">
+              <a:rPr lang="es-419" sz="2400" b="1" i="0" u="none" strike="noStrike" cap="none">
                 <a:solidFill>
                   <a:srgbClr val="FF00FF"/>
                 </a:solidFill>
@@ -10716,31 +11004,7 @@
                 <a:cs typeface="Courier New"/>
                 <a:sym typeface="Courier New"/>
               </a:rPr>
-              <a:t>From </a:t>
-            </a:r>
-            <a:r>
-              <a:rPr lang="en-US" sz="2400" b="1" i="0" u="none" strike="noStrike" cap="none" dirty="0" err="1">
-                <a:solidFill>
-                  <a:srgbClr val="FF00FF"/>
-                </a:solidFill>
-                <a:latin typeface="Courier New"/>
-                <a:ea typeface="Courier New"/>
-                <a:cs typeface="Courier New"/>
-                <a:sym typeface="Courier New"/>
-              </a:rPr>
-              <a:t>stephen.marquard@uct.ac.za</a:t>
-            </a:r>
-            <a:r>
-              <a:rPr lang="en-US" sz="2400" b="1" i="0" u="none" strike="noStrike" cap="none" dirty="0">
-                <a:solidFill>
-                  <a:srgbClr val="FF00FF"/>
-                </a:solidFill>
-                <a:latin typeface="Courier New"/>
-                <a:ea typeface="Courier New"/>
-                <a:cs typeface="Courier New"/>
-                <a:sym typeface="Courier New"/>
-              </a:rPr>
-              <a:t> Sat Jan  5 09:14:16 2008</a:t>
+              <a:t>From stephen.marquard@uct.ac.za Sat Jan  5 09:14:16 2008</a:t>
             </a:r>
           </a:p>
           <a:p>
@@ -10762,7 +11026,7 @@
               <a:buNone/>
             </a:pPr>
             <a:r>
-              <a:rPr lang="en-US" sz="2400" b="1" i="0" u="none" strike="noStrike" cap="none" dirty="0">
+              <a:rPr lang="es-419" sz="2400" b="1" i="0" u="none" strike="noStrike" cap="none">
                 <a:solidFill>
                   <a:srgbClr val="FF00FF"/>
                 </a:solidFill>
@@ -10771,31 +11035,7 @@
                 <a:cs typeface="Courier New"/>
                 <a:sym typeface="Courier New"/>
               </a:rPr>
-              <a:t>Return-Path: &lt;</a:t>
-            </a:r>
-            <a:r>
-              <a:rPr lang="en-US" sz="2400" b="1" i="0" u="none" strike="noStrike" cap="none" dirty="0" err="1">
-                <a:solidFill>
-                  <a:srgbClr val="FF00FF"/>
-                </a:solidFill>
-                <a:latin typeface="Courier New"/>
-                <a:ea typeface="Courier New"/>
-                <a:cs typeface="Courier New"/>
-                <a:sym typeface="Courier New"/>
-              </a:rPr>
-              <a:t>postmaster@collab.sakaiproject.org</a:t>
-            </a:r>
-            <a:r>
-              <a:rPr lang="en-US" sz="2400" b="1" i="0" u="none" strike="noStrike" cap="none" dirty="0">
-                <a:solidFill>
-                  <a:srgbClr val="FF00FF"/>
-                </a:solidFill>
-                <a:latin typeface="Courier New"/>
-                <a:ea typeface="Courier New"/>
-                <a:cs typeface="Courier New"/>
-                <a:sym typeface="Courier New"/>
-              </a:rPr>
-              <a:t>&gt;</a:t>
+              <a:t>Return-Path: &lt;postmaster@collab.sakaiproject.org&gt;</a:t>
             </a:r>
           </a:p>
           <a:p>
@@ -10817,7 +11057,7 @@
               <a:buNone/>
             </a:pPr>
             <a:r>
-              <a:rPr lang="en-US" sz="2400" b="1" i="0" u="none" strike="noStrike" cap="none" dirty="0">
+              <a:rPr lang="es-419" sz="2400" b="1" i="0" u="none" strike="noStrike" cap="none">
                 <a:solidFill>
                   <a:srgbClr val="FF00FF"/>
                 </a:solidFill>
@@ -10848,7 +11088,7 @@
               <a:buNone/>
             </a:pPr>
             <a:r>
-              <a:rPr lang="en-US" sz="2400" b="1" i="0" u="none" strike="noStrike" cap="none" dirty="0">
+              <a:rPr lang="es-419" sz="2400" b="1" i="0" u="none" strike="noStrike" cap="none">
                 <a:solidFill>
                   <a:srgbClr val="FF00FF"/>
                 </a:solidFill>
@@ -10857,10 +11097,29 @@
                 <a:cs typeface="Courier New"/>
                 <a:sym typeface="Courier New"/>
               </a:rPr>
-              <a:t>To: </a:t>
-            </a:r>
-            <a:r>
-              <a:rPr lang="en-US" sz="2400" b="1" i="0" u="none" strike="noStrike" cap="none" dirty="0" err="1">
+              <a:t>To: source@collab.sakaiproject.org</a:t>
+            </a:r>
+          </a:p>
+          <a:p>
+            <a:pPr marL="0" marR="0" lvl="0" indent="0" algn="l" rtl="0">
+              <a:lnSpc>
+                <a:spcPct val="100000"/>
+              </a:lnSpc>
+              <a:spcBef>
+                <a:spcPts val="0"/>
+              </a:spcBef>
+              <a:spcAft>
+                <a:spcPts val="0"/>
+              </a:spcAft>
+              <a:buClr>
+                <a:srgbClr val="FF00FF"/>
+              </a:buClr>
+              <a:buSzPct val="25000"/>
+              <a:buFont typeface="Cabin"/>
+              <a:buNone/>
+            </a:pPr>
+            <a:r>
+              <a:rPr lang="es-419" sz="2400" b="1" i="0" u="none" strike="noStrike" cap="none">
                 <a:solidFill>
                   <a:srgbClr val="FF00FF"/>
                 </a:solidFill>
@@ -10869,9 +11128,58 @@
                 <a:cs typeface="Courier New"/>
                 <a:sym typeface="Courier New"/>
               </a:rPr>
-              <a:t>source@collab.sakaiproject.org</a:t>
-            </a:r>
-            <a:endParaRPr lang="en-US" sz="2400" b="1" i="0" u="none" strike="noStrike" cap="none" dirty="0">
+              <a:t>From: stephen.marquard@uct.ac.za</a:t>
+            </a:r>
+          </a:p>
+          <a:p>
+            <a:pPr marL="0" marR="0" lvl="0" indent="0" algn="l" rtl="0">
+              <a:lnSpc>
+                <a:spcPct val="100000"/>
+              </a:lnSpc>
+              <a:spcBef>
+                <a:spcPts val="0"/>
+              </a:spcBef>
+              <a:spcAft>
+                <a:spcPts val="0"/>
+              </a:spcAft>
+              <a:buClr>
+                <a:srgbClr val="FF00FF"/>
+              </a:buClr>
+              <a:buSzPct val="25000"/>
+              <a:buFont typeface="Cabin"/>
+              <a:buNone/>
+            </a:pPr>
+            <a:r>
+              <a:rPr lang="es-419" sz="2400" b="1" i="0" u="none" strike="noStrike" cap="none">
+                <a:solidFill>
+                  <a:srgbClr val="FF00FF"/>
+                </a:solidFill>
+                <a:latin typeface="Courier New"/>
+                <a:ea typeface="Courier New"/>
+                <a:cs typeface="Courier New"/>
+                <a:sym typeface="Courier New"/>
+              </a:rPr>
+              <a:t>Subject: [sakai] svn commit: r39772 - content/branches/</a:t>
+            </a:r>
+          </a:p>
+          <a:p>
+            <a:pPr marL="0" marR="0" lvl="0" indent="0" algn="l" rtl="0">
+              <a:lnSpc>
+                <a:spcPct val="100000"/>
+              </a:lnSpc>
+              <a:spcBef>
+                <a:spcPts val="0"/>
+              </a:spcBef>
+              <a:spcAft>
+                <a:spcPts val="0"/>
+              </a:spcAft>
+              <a:buClr>
+                <a:srgbClr val="FF00FF"/>
+              </a:buClr>
+              <a:buFont typeface="Cabin"/>
+              <a:buNone/>
+            </a:pPr>
+            <a:endParaRPr lang="es-419" sz="2400" b="1">
               <a:solidFill>
                 <a:srgbClr val="FF00FF"/>
               </a:solidFill>
@@ -10900,7 +11208,7 @@
               <a:buNone/>
             </a:pPr>
             <a:r>
-              <a:rPr lang="en-US" sz="2400" b="1" i="0" u="none" strike="noStrike" cap="none" dirty="0">
+              <a:rPr lang="es-419" sz="2400" b="1" i="0" u="none" strike="noStrike" cap="none">
                 <a:solidFill>
                   <a:srgbClr val="FF00FF"/>
                 </a:solidFill>
@@ -10909,10 +11217,10 @@
                 <a:cs typeface="Courier New"/>
                 <a:sym typeface="Courier New"/>
               </a:rPr>
-              <a:t>From: </a:t>
-            </a:r>
-            <a:r>
-              <a:rPr lang="en-US" sz="2400" b="1" i="0" u="none" strike="noStrike" cap="none" dirty="0" err="1">
+              <a:t>Details:</a:t>
+            </a:r>
+            <a:r>
+              <a:rPr lang="es-419" sz="2400" b="1">
                 <a:solidFill>
                   <a:srgbClr val="FF00FF"/>
                 </a:solidFill>
@@ -10921,38 +11229,10 @@
                 <a:cs typeface="Courier New"/>
                 <a:sym typeface="Courier New"/>
               </a:rPr>
-              <a:t>stephen.marquard@uct.ac.za</a:t>
-            </a:r>
-            <a:endParaRPr lang="en-US" sz="2400" b="1" i="0" u="none" strike="noStrike" cap="none" dirty="0">
-              <a:solidFill>
-                <a:srgbClr val="FF00FF"/>
-              </a:solidFill>
-              <a:latin typeface="Courier New"/>
-              <a:ea typeface="Courier New"/>
-              <a:cs typeface="Courier New"/>
-              <a:sym typeface="Courier New"/>
-            </a:endParaRPr>
-          </a:p>
-          <a:p>
-            <a:pPr marL="0" marR="0" lvl="0" indent="0" algn="l" rtl="0">
-              <a:lnSpc>
-                <a:spcPct val="100000"/>
-              </a:lnSpc>
-              <a:spcBef>
-                <a:spcPts val="0"/>
-              </a:spcBef>
-              <a:spcAft>
-                <a:spcPts val="0"/>
-              </a:spcAft>
-              <a:buClr>
-                <a:srgbClr val="FF00FF"/>
-              </a:buClr>
-              <a:buSzPct val="25000"/>
-              <a:buFont typeface="Cabin"/>
-              <a:buNone/>
-            </a:pPr>
-            <a:r>
-              <a:rPr lang="en-US" sz="2400" b="1" i="0" u="none" strike="noStrike" cap="none" dirty="0">
+              <a:t> </a:t>
+            </a:r>
+            <a:r>
+              <a:rPr lang="es-419" sz="2400" b="1" i="0" u="none" strike="noStrike" cap="none">
                 <a:solidFill>
                   <a:srgbClr val="FF00FF"/>
                 </a:solidFill>
@@ -10961,209 +11241,7 @@
                 <a:cs typeface="Courier New"/>
                 <a:sym typeface="Courier New"/>
               </a:rPr>
-              <a:t>Subject: [</a:t>
-            </a:r>
-            <a:r>
-              <a:rPr lang="en-US" sz="2400" b="1" i="0" u="none" strike="noStrike" cap="none" dirty="0" err="1">
-                <a:solidFill>
-                  <a:srgbClr val="FF00FF"/>
-                </a:solidFill>
-                <a:latin typeface="Courier New"/>
-                <a:ea typeface="Courier New"/>
-                <a:cs typeface="Courier New"/>
-                <a:sym typeface="Courier New"/>
-              </a:rPr>
-              <a:t>sakai</a:t>
-            </a:r>
-            <a:r>
-              <a:rPr lang="en-US" sz="2400" b="1" i="0" u="none" strike="noStrike" cap="none" dirty="0">
-                <a:solidFill>
-                  <a:srgbClr val="FF00FF"/>
-                </a:solidFill>
-                <a:latin typeface="Courier New"/>
-                <a:ea typeface="Courier New"/>
-                <a:cs typeface="Courier New"/>
-                <a:sym typeface="Courier New"/>
-              </a:rPr>
-              <a:t>] </a:t>
-            </a:r>
-            <a:r>
-              <a:rPr lang="en-US" sz="2400" b="1" i="0" u="none" strike="noStrike" cap="none" dirty="0" err="1">
-                <a:solidFill>
-                  <a:srgbClr val="FF00FF"/>
-                </a:solidFill>
-                <a:latin typeface="Courier New"/>
-                <a:ea typeface="Courier New"/>
-                <a:cs typeface="Courier New"/>
-                <a:sym typeface="Courier New"/>
-              </a:rPr>
-              <a:t>svn</a:t>
-            </a:r>
-            <a:r>
-              <a:rPr lang="en-US" sz="2400" b="1" i="0" u="none" strike="noStrike" cap="none" dirty="0">
-                <a:solidFill>
-                  <a:srgbClr val="FF00FF"/>
-                </a:solidFill>
-                <a:latin typeface="Courier New"/>
-                <a:ea typeface="Courier New"/>
-                <a:cs typeface="Courier New"/>
-                <a:sym typeface="Courier New"/>
-              </a:rPr>
-              <a:t> commit: r39772 - content/branches/</a:t>
-            </a:r>
-          </a:p>
-          <a:p>
-            <a:pPr marL="0" marR="0" lvl="0" indent="0" algn="l" rtl="0">
-              <a:lnSpc>
-                <a:spcPct val="100000"/>
-              </a:lnSpc>
-              <a:spcBef>
-                <a:spcPts val="0"/>
-              </a:spcBef>
-              <a:spcAft>
-                <a:spcPts val="0"/>
-              </a:spcAft>
-              <a:buClr>
-                <a:srgbClr val="FF00FF"/>
-              </a:buClr>
-              <a:buFont typeface="Cabin"/>
-              <a:buNone/>
-            </a:pPr>
-            <a:endParaRPr sz="2400" b="1" dirty="0">
-              <a:solidFill>
-                <a:srgbClr val="FF00FF"/>
-              </a:solidFill>
-              <a:latin typeface="Courier New"/>
-              <a:ea typeface="Courier New"/>
-              <a:cs typeface="Courier New"/>
-              <a:sym typeface="Courier New"/>
-            </a:endParaRPr>
-          </a:p>
-          <a:p>
-            <a:pPr marL="0" marR="0" lvl="0" indent="0" algn="l" rtl="0">
-              <a:lnSpc>
-                <a:spcPct val="100000"/>
-              </a:lnSpc>
-              <a:spcBef>
-                <a:spcPts val="0"/>
-              </a:spcBef>
-              <a:spcAft>
-                <a:spcPts val="0"/>
-              </a:spcAft>
-              <a:buClr>
-                <a:srgbClr val="FF00FF"/>
-              </a:buClr>
-              <a:buSzPct val="25000"/>
-              <a:buFont typeface="Cabin"/>
-              <a:buNone/>
-            </a:pPr>
-            <a:r>
-              <a:rPr lang="en-US" sz="2400" b="1" i="0" u="none" strike="noStrike" cap="none" dirty="0">
-                <a:solidFill>
-                  <a:srgbClr val="FF00FF"/>
-                </a:solidFill>
-                <a:latin typeface="Courier New"/>
-                <a:ea typeface="Courier New"/>
-                <a:cs typeface="Courier New"/>
-                <a:sym typeface="Courier New"/>
-              </a:rPr>
-              <a:t>Details:</a:t>
-            </a:r>
-            <a:r>
-              <a:rPr lang="en-US" sz="2400" b="1" dirty="0">
-                <a:solidFill>
-                  <a:srgbClr val="FF00FF"/>
-                </a:solidFill>
-                <a:latin typeface="Courier New"/>
-                <a:ea typeface="Courier New"/>
-                <a:cs typeface="Courier New"/>
-                <a:sym typeface="Courier New"/>
-              </a:rPr>
-              <a:t> </a:t>
-            </a:r>
-            <a:r>
-              <a:rPr lang="en-US" sz="2400" b="1" i="0" u="none" strike="noStrike" cap="none" dirty="0">
-                <a:solidFill>
-                  <a:srgbClr val="FF00FF"/>
-                </a:solidFill>
-                <a:latin typeface="Courier New"/>
-                <a:ea typeface="Courier New"/>
-                <a:cs typeface="Courier New"/>
-                <a:sym typeface="Courier New"/>
-              </a:rPr>
-              <a:t>http://</a:t>
-            </a:r>
-            <a:r>
-              <a:rPr lang="en-US" sz="2400" b="1" i="0" u="none" strike="noStrike" cap="none" dirty="0" err="1">
-                <a:solidFill>
-                  <a:srgbClr val="FF00FF"/>
-                </a:solidFill>
-                <a:latin typeface="Courier New"/>
-                <a:ea typeface="Courier New"/>
-                <a:cs typeface="Courier New"/>
-                <a:sym typeface="Courier New"/>
-              </a:rPr>
-              <a:t>source.sakaiproject.org</a:t>
-            </a:r>
-            <a:r>
-              <a:rPr lang="en-US" sz="2400" b="1" i="0" u="none" strike="noStrike" cap="none" dirty="0">
-                <a:solidFill>
-                  <a:srgbClr val="FF00FF"/>
-                </a:solidFill>
-                <a:latin typeface="Courier New"/>
-                <a:ea typeface="Courier New"/>
-                <a:cs typeface="Courier New"/>
-                <a:sym typeface="Courier New"/>
-              </a:rPr>
-              <a:t>/</a:t>
-            </a:r>
-            <a:r>
-              <a:rPr lang="en-US" sz="2400" b="1" i="0" u="none" strike="noStrike" cap="none" dirty="0" err="1">
-                <a:solidFill>
-                  <a:srgbClr val="FF00FF"/>
-                </a:solidFill>
-                <a:latin typeface="Courier New"/>
-                <a:ea typeface="Courier New"/>
-                <a:cs typeface="Courier New"/>
-                <a:sym typeface="Courier New"/>
-              </a:rPr>
-              <a:t>viewsvn</a:t>
-            </a:r>
-            <a:r>
-              <a:rPr lang="en-US" sz="2400" b="1" i="0" u="none" strike="noStrike" cap="none" dirty="0">
-                <a:solidFill>
-                  <a:srgbClr val="FF00FF"/>
-                </a:solidFill>
-                <a:latin typeface="Courier New"/>
-                <a:ea typeface="Courier New"/>
-                <a:cs typeface="Courier New"/>
-                <a:sym typeface="Courier New"/>
-              </a:rPr>
-              <a:t>/?view=</a:t>
-            </a:r>
-            <a:r>
-              <a:rPr lang="en-US" sz="2400" b="1" i="0" u="none" strike="noStrike" cap="none" dirty="0" err="1">
-                <a:solidFill>
-                  <a:srgbClr val="FF00FF"/>
-                </a:solidFill>
-                <a:latin typeface="Courier New"/>
-                <a:ea typeface="Courier New"/>
-                <a:cs typeface="Courier New"/>
-                <a:sym typeface="Courier New"/>
-              </a:rPr>
-              <a:t>rev&amp;rev</a:t>
-            </a:r>
-            <a:r>
-              <a:rPr lang="en-US" sz="2400" b="1" i="0" u="none" strike="noStrike" cap="none" dirty="0">
-                <a:solidFill>
-                  <a:srgbClr val="FF00FF"/>
-                </a:solidFill>
-                <a:latin typeface="Courier New"/>
-                <a:ea typeface="Courier New"/>
-                <a:cs typeface="Courier New"/>
-                <a:sym typeface="Courier New"/>
-              </a:rPr>
-              <a:t>=39772</a:t>
+              <a:t>http://source.sakaiproject.org/viewsvn/?view=rev&amp;rev=39772</a:t>
             </a:r>
           </a:p>
         </p:txBody>
@@ -11173,13 +11251,6 @@
   <p:clrMapOvr>
     <a:masterClrMapping/>
   </p:clrMapOvr>
-  <p:timing>
-    <p:tnLst>
-      <p:par>
-        <p:cTn id="1" dur="indefinite" restart="never" nodeType="tmRoot"/>
-      </p:par>
-    </p:tnLst>
-  </p:timing>
 </p:sld>
 </file>
 

--- a/ai/7.1.pptx
+++ b/ai/7.1.pptx
@@ -5843,7 +5843,15 @@
                   <a:srgbClr val="FFFFFF"/>
                 </a:solidFill>
               </a:rPr>
-              <a:t> por Juan Carlos Pérez Castellanos - 2020-04-10</a:t>
+              <a:t> por Juan Carlos Pérez Castellanos </a:t>
+            </a:r>
+            <a:r>
+              <a:rPr lang="en-US" sz="1800">
+                <a:solidFill>
+                  <a:srgbClr val="FFFFFF"/>
+                </a:solidFill>
+              </a:rPr>
+              <a:t>- 2020-04-11</a:t>
             </a:r>
             <a:endParaRPr lang="es-MX" sz="1800" dirty="0">
               <a:solidFill>
@@ -6426,7 +6434,7 @@
               <a:buNone/>
             </a:pPr>
             <a:r>
-              <a:rPr lang="en-US" sz="3200" u="none" strike="noStrike" cap="none">
+              <a:rPr lang="en-US" sz="3200" u="none" strike="noStrike" cap="none" dirty="0">
                 <a:solidFill>
                   <a:schemeClr val="lt1"/>
                 </a:solidFill>
@@ -6435,29 +6443,10 @@
                 <a:cs typeface="Arial" charset="0"/>
                 <a:sym typeface="Cabin"/>
               </a:rPr>
-              <a:t>Secondary</a:t>
-            </a:r>
-          </a:p>
-          <a:p>
-            <a:pPr marL="0" marR="0" lvl="0" indent="0" algn="ctr" rtl="0">
-              <a:lnSpc>
-                <a:spcPct val="100000"/>
-              </a:lnSpc>
-              <a:spcBef>
-                <a:spcPts val="0"/>
-              </a:spcBef>
-              <a:spcAft>
-                <a:spcPts val="0"/>
-              </a:spcAft>
-              <a:buClr>
-                <a:schemeClr val="lt1"/>
-              </a:buClr>
-              <a:buSzPct val="25000"/>
-              <a:buFont typeface="Cabin"/>
-              <a:buNone/>
-            </a:pPr>
-            <a:r>
-              <a:rPr lang="en-US" sz="3200" u="none" strike="noStrike" cap="none">
+              <a:t>Memoria </a:t>
+            </a:r>
+            <a:r>
+              <a:rPr lang="en-US" sz="3200" u="none" strike="noStrike" cap="none" dirty="0" err="1">
                 <a:solidFill>
                   <a:schemeClr val="lt1"/>
                 </a:solidFill>
@@ -6466,8 +6455,17 @@
                 <a:cs typeface="Arial" charset="0"/>
                 <a:sym typeface="Cabin"/>
               </a:rPr>
-              <a:t>Memory</a:t>
-            </a:r>
+              <a:t>Secundaria</a:t>
+            </a:r>
+            <a:endParaRPr lang="en-US" sz="3200" u="none" strike="noStrike" cap="none" dirty="0">
+              <a:solidFill>
+                <a:schemeClr val="lt1"/>
+              </a:solidFill>
+              <a:latin typeface="Arial" charset="0"/>
+              <a:ea typeface="Arial" charset="0"/>
+              <a:cs typeface="Arial" charset="0"/>
+              <a:sym typeface="Cabin"/>
+            </a:endParaRPr>
           </a:p>
         </p:txBody>
       </p:sp>
